--- a/AO-Smith-MSFT-MCHP-r6.pptx
+++ b/AO-Smith-MSFT-MCHP-r6.pptx
@@ -8645,6 +8645,42 @@
           </a:p>
         </p:txBody>
       </p:sp>
+      <p:sp>
+        <p:nvSpPr>
+          <p:cNvPr id="11" name="TextBox 10">
+            <a:extLst>
+              <a:ext uri="{FF2B5EF4-FFF2-40B4-BE49-F238E27FC236}">
+                <a16:creationId xmlns:a16="http://schemas.microsoft.com/office/drawing/2014/main" id="{42F0C944-A732-3A41-94D5-C09D17C28D64}"/>
+              </a:ext>
+            </a:extLst>
+          </p:cNvPr>
+          <p:cNvSpPr txBox="1"/>
+          <p:nvPr/>
+        </p:nvSpPr>
+        <p:spPr>
+          <a:xfrm>
+            <a:off x="3595202" y="1788895"/>
+            <a:ext cx="3069020" cy="338554"/>
+          </a:xfrm>
+          <a:prstGeom prst="rect">
+            <a:avLst/>
+          </a:prstGeom>
+          <a:noFill/>
+        </p:spPr>
+        <p:txBody>
+          <a:bodyPr wrap="square" rtlCol="0">
+            <a:spAutoFit/>
+          </a:bodyPr>
+          <a:lstStyle/>
+          <a:p>
+            <a:pPr algn="ctr"/>
+            <a:r>
+              <a:rPr lang="en-US" sz="1600" dirty="0"/>
+              <a:t>CDC Interface (1200 to 500K baud)</a:t>
+            </a:r>
+          </a:p>
+        </p:txBody>
+      </p:sp>
     </p:spTree>
     <p:extLst>
       <p:ext uri="{BB962C8B-B14F-4D97-AF65-F5344CB8AC3E}">
@@ -8844,7 +8880,7 @@
           <p:nvPr>
             <p:extLst>
               <p:ext uri="{D42A27DB-BD31-4B8C-83A1-F6EECF244321}">
-                <p14:modId xmlns:p14="http://schemas.microsoft.com/office/powerpoint/2010/main" val="1201134223"/>
+                <p14:modId xmlns:p14="http://schemas.microsoft.com/office/powerpoint/2010/main" val="1360481069"/>
               </p:ext>
             </p:extLst>
           </p:nvPr>
@@ -8934,18 +8970,9 @@
                         <a:defRPr/>
                       </a:pPr>
                       <a:r>
-                        <a:rPr lang="en-US" sz="2000" dirty="0">
+                        <a:rPr lang="en-US" sz="2000" dirty="0" err="1">
                           <a:solidFill>
                             <a:schemeClr val="tx1"/>
-                          </a:solidFill>
-                          <a:latin typeface="Courier" pitchFamily="2" charset="0"/>
-                        </a:rPr>
-                        <a:t>&gt; </a:t>
-                      </a:r>
-                      <a:r>
-                        <a:rPr lang="en-US" sz="2000" dirty="0" err="1">
-                          <a:solidFill>
-                            <a:srgbClr val="FF0000"/>
                           </a:solidFill>
                           <a:latin typeface="Courier" pitchFamily="2" charset="0"/>
                         </a:rPr>
@@ -9011,20 +9038,14 @@
                         <a:defRPr/>
                       </a:pPr>
                       <a:r>
-                        <a:rPr lang="en-US" sz="2000">
+                        <a:rPr lang="en-US" sz="2000" dirty="0">
                           <a:solidFill>
                             <a:schemeClr val="tx1"/>
                           </a:solidFill>
                           <a:latin typeface="Courier" pitchFamily="2" charset="0"/>
                         </a:rPr>
-                        <a:t>&gt; reconnect</a:t>
+                        <a:t>reconnect</a:t>
                       </a:r>
-                      <a:endParaRPr lang="en-US" sz="2000" dirty="0">
-                        <a:solidFill>
-                          <a:schemeClr val="tx1"/>
-                        </a:solidFill>
-                        <a:latin typeface="Courier" pitchFamily="2" charset="0"/>
-                      </a:endParaRPr>
                     </a:p>
                   </a:txBody>
                   <a:tcPr/>
@@ -9075,18 +9096,9 @@
                     <a:lstStyle/>
                     <a:p>
                       <a:r>
-                        <a:rPr lang="en-US" sz="2000" dirty="0">
+                        <a:rPr lang="en-US" sz="2000" dirty="0" err="1">
                           <a:solidFill>
                             <a:schemeClr val="tx1"/>
-                          </a:solidFill>
-                          <a:latin typeface="Courier" pitchFamily="2" charset="0"/>
-                        </a:rPr>
-                        <a:t>&gt; </a:t>
-                      </a:r>
-                      <a:r>
-                        <a:rPr lang="en-US" sz="2000" dirty="0" err="1">
-                          <a:solidFill>
-                            <a:srgbClr val="FF0000"/>
                           </a:solidFill>
                           <a:latin typeface="Courier" pitchFamily="2" charset="0"/>
                         </a:rPr>
@@ -9227,15 +9239,6 @@
                         <a:defRPr/>
                       </a:pPr>
                       <a:r>
-                        <a:rPr lang="en-US" sz="2000" dirty="0">
-                          <a:solidFill>
-                            <a:schemeClr val="tx1"/>
-                          </a:solidFill>
-                          <a:latin typeface="Courier" pitchFamily="2" charset="0"/>
-                        </a:rPr>
-                        <a:t>&gt; </a:t>
-                      </a:r>
-                      <a:r>
                         <a:rPr lang="en-US" sz="2000" dirty="0" err="1">
                           <a:solidFill>
                             <a:schemeClr val="tx1"/>
@@ -9344,7 +9347,7 @@
                           </a:solidFill>
                           <a:latin typeface="Courier" pitchFamily="2" charset="0"/>
                         </a:rPr>
-                        <a:t>&gt; key</a:t>
+                        <a:t>key</a:t>
                       </a:r>
                     </a:p>
                   </a:txBody>
@@ -9419,7 +9422,7 @@
                           </a:solidFill>
                           <a:latin typeface="Courier" pitchFamily="2" charset="0"/>
                         </a:rPr>
-                        <a:t>&gt; device</a:t>
+                        <a:t>device</a:t>
                       </a:r>
                     </a:p>
                   </a:txBody>
@@ -9487,15 +9490,6 @@
                         <a:tabLst/>
                         <a:defRPr/>
                       </a:pPr>
-                      <a:r>
-                        <a:rPr lang="en-US" sz="2000" dirty="0">
-                          <a:solidFill>
-                            <a:schemeClr val="tx1"/>
-                          </a:solidFill>
-                          <a:latin typeface="Courier" pitchFamily="2" charset="0"/>
-                        </a:rPr>
-                        <a:t>&gt; </a:t>
-                      </a:r>
                       <a:r>
                         <a:rPr lang="en-US" sz="2000" dirty="0" err="1">
                           <a:solidFill>
@@ -9584,7 +9578,7 @@
                           </a:solidFill>
                           <a:latin typeface="Courier" pitchFamily="2" charset="0"/>
                         </a:rPr>
-                        <a:t>&gt; version</a:t>
+                        <a:t>version</a:t>
                       </a:r>
                     </a:p>
                   </a:txBody>
@@ -9667,7 +9661,7 @@
                           </a:solidFill>
                           <a:latin typeface="Courier" pitchFamily="2" charset="0"/>
                         </a:rPr>
-                        <a:t>&gt; debug [level]</a:t>
+                        <a:t>debug [level]</a:t>
                       </a:r>
                     </a:p>
                   </a:txBody>
@@ -9743,7 +9737,7 @@
                           </a:solidFill>
                           <a:latin typeface="Courier" pitchFamily="2" charset="0"/>
                         </a:rPr>
-                        <a:t>&gt; reset</a:t>
+                        <a:t>reset</a:t>
                       </a:r>
                     </a:p>
                   </a:txBody>
@@ -9831,7 +9825,7 @@
                           </a:solidFill>
                           <a:latin typeface="Courier" pitchFamily="2" charset="0"/>
                         </a:rPr>
-                        <a:t>&gt; q</a:t>
+                        <a:t>q</a:t>
                       </a:r>
                     </a:p>
                   </a:txBody>
@@ -9922,7 +9916,7 @@
                           </a:solidFill>
                           <a:latin typeface="Courier" pitchFamily="2" charset="0"/>
                         </a:rPr>
-                        <a:t>&gt; help</a:t>
+                        <a:t>help</a:t>
                       </a:r>
                     </a:p>
                   </a:txBody>
@@ -9954,6 +9948,121 @@
           </a:graphicData>
         </a:graphic>
       </p:graphicFrame>
+      <p:sp>
+        <p:nvSpPr>
+          <p:cNvPr id="3" name="Rectangle 2">
+            <a:extLst>
+              <a:ext uri="{FF2B5EF4-FFF2-40B4-BE49-F238E27FC236}">
+                <a16:creationId xmlns:a16="http://schemas.microsoft.com/office/drawing/2014/main" id="{2BE1E2B3-52D2-2944-9A3E-A644456CDB10}"/>
+              </a:ext>
+            </a:extLst>
+          </p:cNvPr>
+          <p:cNvSpPr/>
+          <p:nvPr/>
+        </p:nvSpPr>
+        <p:spPr>
+          <a:xfrm>
+            <a:off x="355509" y="2753710"/>
+            <a:ext cx="11605263" cy="493987"/>
+          </a:xfrm>
+          <a:prstGeom prst="rect">
+            <a:avLst/>
+          </a:prstGeom>
+          <a:noFill/>
+          <a:ln w="31750">
+            <a:solidFill>
+              <a:srgbClr val="FF0000"/>
+            </a:solidFill>
+          </a:ln>
+          <a:effectLst/>
+        </p:spPr>
+        <p:style>
+          <a:lnRef idx="1">
+            <a:schemeClr val="accent1"/>
+          </a:lnRef>
+          <a:fillRef idx="3">
+            <a:schemeClr val="accent1"/>
+          </a:fillRef>
+          <a:effectRef idx="2">
+            <a:schemeClr val="accent1"/>
+          </a:effectRef>
+          <a:fontRef idx="minor">
+            <a:schemeClr val="lt1"/>
+          </a:fontRef>
+        </p:style>
+        <p:txBody>
+          <a:bodyPr rot="0" spcFirstLastPara="0" vertOverflow="overflow" horzOverflow="overflow" vert="horz" wrap="square" lIns="91440" tIns="45720" rIns="91440" bIns="45720" numCol="1" spcCol="0" rtlCol="0" fromWordArt="0" anchor="ctr" anchorCtr="0" forceAA="0" compatLnSpc="1">
+            <a:prstTxWarp prst="textNoShape">
+              <a:avLst/>
+            </a:prstTxWarp>
+            <a:noAutofit/>
+          </a:bodyPr>
+          <a:lstStyle/>
+          <a:p>
+            <a:pPr algn="ctr"/>
+            <a:endParaRPr lang="en-US"/>
+          </a:p>
+        </p:txBody>
+      </p:sp>
+      <p:sp>
+        <p:nvSpPr>
+          <p:cNvPr id="6" name="Rectangle 5">
+            <a:extLst>
+              <a:ext uri="{FF2B5EF4-FFF2-40B4-BE49-F238E27FC236}">
+                <a16:creationId xmlns:a16="http://schemas.microsoft.com/office/drawing/2014/main" id="{FD09DC78-5B68-B04A-9485-3069C6DBDB39}"/>
+              </a:ext>
+            </a:extLst>
+          </p:cNvPr>
+          <p:cNvSpPr/>
+          <p:nvPr/>
+        </p:nvSpPr>
+        <p:spPr>
+          <a:xfrm>
+            <a:off x="3493266" y="2832446"/>
+            <a:ext cx="928947" cy="336514"/>
+          </a:xfrm>
+          <a:prstGeom prst="rect">
+            <a:avLst/>
+          </a:prstGeom>
+          <a:solidFill>
+            <a:srgbClr val="FF0000"/>
+          </a:solidFill>
+          <a:ln>
+            <a:noFill/>
+          </a:ln>
+          <a:effectLst/>
+        </p:spPr>
+        <p:style>
+          <a:lnRef idx="1">
+            <a:schemeClr val="accent1"/>
+          </a:lnRef>
+          <a:fillRef idx="3">
+            <a:schemeClr val="accent1"/>
+          </a:fillRef>
+          <a:effectRef idx="2">
+            <a:schemeClr val="accent1"/>
+          </a:effectRef>
+          <a:fontRef idx="minor">
+            <a:schemeClr val="lt1"/>
+          </a:fontRef>
+        </p:style>
+        <p:txBody>
+          <a:bodyPr rot="0" spcFirstLastPara="0" vertOverflow="overflow" horzOverflow="overflow" vert="horz" wrap="square" lIns="91440" tIns="45720" rIns="91440" bIns="45720" numCol="1" spcCol="0" rtlCol="0" fromWordArt="0" anchor="ctr" anchorCtr="0" forceAA="0" compatLnSpc="1">
+            <a:prstTxWarp prst="textNoShape">
+              <a:avLst/>
+            </a:prstTxWarp>
+            <a:noAutofit/>
+          </a:bodyPr>
+          <a:lstStyle/>
+          <a:p>
+            <a:pPr algn="ctr"/>
+            <a:r>
+              <a:rPr lang="en-US" sz="2000" dirty="0"/>
+              <a:t>ADD</a:t>
+            </a:r>
+          </a:p>
+        </p:txBody>
+      </p:sp>
     </p:spTree>
     <p:extLst>
       <p:ext uri="{BB962C8B-B14F-4D97-AF65-F5344CB8AC3E}">
@@ -13742,6 +13851,65 @@
           </a:p>
         </p:txBody>
       </p:sp>
+      <p:sp>
+        <p:nvSpPr>
+          <p:cNvPr id="10" name="Rectangle 9">
+            <a:extLst>
+              <a:ext uri="{FF2B5EF4-FFF2-40B4-BE49-F238E27FC236}">
+                <a16:creationId xmlns:a16="http://schemas.microsoft.com/office/drawing/2014/main" id="{FCFF2E11-4BE1-8F4C-907F-181AC118A7DF}"/>
+              </a:ext>
+            </a:extLst>
+          </p:cNvPr>
+          <p:cNvSpPr/>
+          <p:nvPr/>
+        </p:nvSpPr>
+        <p:spPr>
+          <a:xfrm>
+            <a:off x="3713983" y="1120003"/>
+            <a:ext cx="928947" cy="336514"/>
+          </a:xfrm>
+          <a:prstGeom prst="rect">
+            <a:avLst/>
+          </a:prstGeom>
+          <a:solidFill>
+            <a:srgbClr val="FF0000"/>
+          </a:solidFill>
+          <a:ln>
+            <a:noFill/>
+          </a:ln>
+          <a:effectLst/>
+        </p:spPr>
+        <p:style>
+          <a:lnRef idx="1">
+            <a:schemeClr val="accent1"/>
+          </a:lnRef>
+          <a:fillRef idx="3">
+            <a:schemeClr val="accent1"/>
+          </a:fillRef>
+          <a:effectRef idx="2">
+            <a:schemeClr val="accent1"/>
+          </a:effectRef>
+          <a:fontRef idx="minor">
+            <a:schemeClr val="lt1"/>
+          </a:fontRef>
+        </p:style>
+        <p:txBody>
+          <a:bodyPr rot="0" spcFirstLastPara="0" vertOverflow="overflow" horzOverflow="overflow" vert="horz" wrap="square" lIns="91440" tIns="45720" rIns="91440" bIns="45720" numCol="1" spcCol="0" rtlCol="0" fromWordArt="0" anchor="ctr" anchorCtr="0" forceAA="0" compatLnSpc="1">
+            <a:prstTxWarp prst="textNoShape">
+              <a:avLst/>
+            </a:prstTxWarp>
+            <a:noAutofit/>
+          </a:bodyPr>
+          <a:lstStyle/>
+          <a:p>
+            <a:pPr algn="ctr"/>
+            <a:r>
+              <a:rPr lang="en-US" sz="2000" dirty="0"/>
+              <a:t>ADD</a:t>
+            </a:r>
+          </a:p>
+        </p:txBody>
+      </p:sp>
     </p:spTree>
     <p:extLst>
       <p:ext uri="{BB962C8B-B14F-4D97-AF65-F5344CB8AC3E}">
@@ -13800,7 +13968,7 @@
           <a:p>
             <a:r>
               <a:rPr lang="en-US" dirty="0"/>
-              <a:t>Dedicated Telemetry Interface using SPI ?</a:t>
+              <a:t>Dedicated Telemetry Interface using SPI</a:t>
             </a:r>
           </a:p>
         </p:txBody>
@@ -15051,6 +15219,65 @@
           </a:prstGeom>
         </p:spPr>
       </p:pic>
+      <p:sp>
+        <p:nvSpPr>
+          <p:cNvPr id="25" name="Rectangle 24">
+            <a:extLst>
+              <a:ext uri="{FF2B5EF4-FFF2-40B4-BE49-F238E27FC236}">
+                <a16:creationId xmlns:a16="http://schemas.microsoft.com/office/drawing/2014/main" id="{8C798C45-8F9A-6A44-A31C-B768390C84AC}"/>
+              </a:ext>
+            </a:extLst>
+          </p:cNvPr>
+          <p:cNvSpPr/>
+          <p:nvPr/>
+        </p:nvSpPr>
+        <p:spPr>
+          <a:xfrm>
+            <a:off x="5136237" y="3390271"/>
+            <a:ext cx="928947" cy="336514"/>
+          </a:xfrm>
+          <a:prstGeom prst="rect">
+            <a:avLst/>
+          </a:prstGeom>
+          <a:solidFill>
+            <a:srgbClr val="FF0000"/>
+          </a:solidFill>
+          <a:ln>
+            <a:noFill/>
+          </a:ln>
+          <a:effectLst/>
+        </p:spPr>
+        <p:style>
+          <a:lnRef idx="1">
+            <a:schemeClr val="accent1"/>
+          </a:lnRef>
+          <a:fillRef idx="3">
+            <a:schemeClr val="accent1"/>
+          </a:fillRef>
+          <a:effectRef idx="2">
+            <a:schemeClr val="accent1"/>
+          </a:effectRef>
+          <a:fontRef idx="minor">
+            <a:schemeClr val="lt1"/>
+          </a:fontRef>
+        </p:style>
+        <p:txBody>
+          <a:bodyPr rot="0" spcFirstLastPara="0" vertOverflow="overflow" horzOverflow="overflow" vert="horz" wrap="square" lIns="91440" tIns="45720" rIns="91440" bIns="45720" numCol="1" spcCol="0" rtlCol="0" fromWordArt="0" anchor="ctr" anchorCtr="0" forceAA="0" compatLnSpc="1">
+            <a:prstTxWarp prst="textNoShape">
+              <a:avLst/>
+            </a:prstTxWarp>
+            <a:noAutofit/>
+          </a:bodyPr>
+          <a:lstStyle/>
+          <a:p>
+            <a:pPr algn="ctr"/>
+            <a:r>
+              <a:rPr lang="en-US" sz="2000" dirty="0"/>
+              <a:t>ADD</a:t>
+            </a:r>
+          </a:p>
+        </p:txBody>
+      </p:sp>
     </p:spTree>
     <p:extLst>
       <p:ext uri="{BB962C8B-B14F-4D97-AF65-F5344CB8AC3E}">
@@ -16444,6 +16671,65 @@
           </a:p>
         </p:txBody>
       </p:sp>
+      <p:sp>
+        <p:nvSpPr>
+          <p:cNvPr id="7" name="Rectangle 6">
+            <a:extLst>
+              <a:ext uri="{FF2B5EF4-FFF2-40B4-BE49-F238E27FC236}">
+                <a16:creationId xmlns:a16="http://schemas.microsoft.com/office/drawing/2014/main" id="{53C0ABA2-C4A3-8349-910F-67C5234D4A41}"/>
+              </a:ext>
+            </a:extLst>
+          </p:cNvPr>
+          <p:cNvSpPr/>
+          <p:nvPr/>
+        </p:nvSpPr>
+        <p:spPr>
+          <a:xfrm>
+            <a:off x="3209487" y="902891"/>
+            <a:ext cx="928947" cy="336514"/>
+          </a:xfrm>
+          <a:prstGeom prst="rect">
+            <a:avLst/>
+          </a:prstGeom>
+          <a:solidFill>
+            <a:srgbClr val="FF0000"/>
+          </a:solidFill>
+          <a:ln>
+            <a:noFill/>
+          </a:ln>
+          <a:effectLst/>
+        </p:spPr>
+        <p:style>
+          <a:lnRef idx="1">
+            <a:schemeClr val="accent1"/>
+          </a:lnRef>
+          <a:fillRef idx="3">
+            <a:schemeClr val="accent1"/>
+          </a:fillRef>
+          <a:effectRef idx="2">
+            <a:schemeClr val="accent1"/>
+          </a:effectRef>
+          <a:fontRef idx="minor">
+            <a:schemeClr val="lt1"/>
+          </a:fontRef>
+        </p:style>
+        <p:txBody>
+          <a:bodyPr rot="0" spcFirstLastPara="0" vertOverflow="overflow" horzOverflow="overflow" vert="horz" wrap="square" lIns="91440" tIns="45720" rIns="91440" bIns="45720" numCol="1" spcCol="0" rtlCol="0" fromWordArt="0" anchor="ctr" anchorCtr="0" forceAA="0" compatLnSpc="1">
+            <a:prstTxWarp prst="textNoShape">
+              <a:avLst/>
+            </a:prstTxWarp>
+            <a:noAutofit/>
+          </a:bodyPr>
+          <a:lstStyle/>
+          <a:p>
+            <a:pPr algn="ctr"/>
+            <a:r>
+              <a:rPr lang="en-US" sz="2000" dirty="0"/>
+              <a:t>ADD</a:t>
+            </a:r>
+          </a:p>
+        </p:txBody>
+      </p:sp>
     </p:spTree>
     <p:extLst>
       <p:ext uri="{BB962C8B-B14F-4D97-AF65-F5344CB8AC3E}">
@@ -19550,6 +19836,65 @@
             <a:r>
               <a:rPr lang="en-US" dirty="0"/>
               <a:t>MQTT</a:t>
+            </a:r>
+          </a:p>
+        </p:txBody>
+      </p:sp>
+      <p:sp>
+        <p:nvSpPr>
+          <p:cNvPr id="17" name="Rectangle 16">
+            <a:extLst>
+              <a:ext uri="{FF2B5EF4-FFF2-40B4-BE49-F238E27FC236}">
+                <a16:creationId xmlns:a16="http://schemas.microsoft.com/office/drawing/2014/main" id="{23C4AB67-C512-3540-9FB5-CDAA7B1BF73B}"/>
+              </a:ext>
+            </a:extLst>
+          </p:cNvPr>
+          <p:cNvSpPr/>
+          <p:nvPr/>
+        </p:nvSpPr>
+        <p:spPr>
+          <a:xfrm>
+            <a:off x="10829473" y="316659"/>
+            <a:ext cx="928947" cy="336514"/>
+          </a:xfrm>
+          <a:prstGeom prst="rect">
+            <a:avLst/>
+          </a:prstGeom>
+          <a:solidFill>
+            <a:srgbClr val="FF0000"/>
+          </a:solidFill>
+          <a:ln>
+            <a:noFill/>
+          </a:ln>
+          <a:effectLst/>
+        </p:spPr>
+        <p:style>
+          <a:lnRef idx="1">
+            <a:schemeClr val="accent1"/>
+          </a:lnRef>
+          <a:fillRef idx="3">
+            <a:schemeClr val="accent1"/>
+          </a:fillRef>
+          <a:effectRef idx="2">
+            <a:schemeClr val="accent1"/>
+          </a:effectRef>
+          <a:fontRef idx="minor">
+            <a:schemeClr val="lt1"/>
+          </a:fontRef>
+        </p:style>
+        <p:txBody>
+          <a:bodyPr rot="0" spcFirstLastPara="0" vertOverflow="overflow" horzOverflow="overflow" vert="horz" wrap="square" lIns="91440" tIns="45720" rIns="91440" bIns="45720" numCol="1" spcCol="0" rtlCol="0" fromWordArt="0" anchor="ctr" anchorCtr="0" forceAA="0" compatLnSpc="1">
+            <a:prstTxWarp prst="textNoShape">
+              <a:avLst/>
+            </a:prstTxWarp>
+            <a:noAutofit/>
+          </a:bodyPr>
+          <a:lstStyle/>
+          <a:p>
+            <a:pPr algn="ctr"/>
+            <a:r>
+              <a:rPr lang="en-US" sz="2000" dirty="0"/>
+              <a:t>ADD</a:t>
             </a:r>
           </a:p>
         </p:txBody>
@@ -28061,7 +28406,7 @@
                 <a:latin typeface="Arial" panose="020B0604020202020204" pitchFamily="34" charset="0"/>
                 <a:cs typeface="Arial" panose="020B0604020202020204" pitchFamily="34" charset="0"/>
               </a:rPr>
-              <a:t>Confirm received telemetry events using Azure IoT Explorer</a:t>
+              <a:t>Confirm IoT Hub receives telemetry events using Azure IoT Explorer</a:t>
             </a:r>
           </a:p>
           <a:p>
@@ -28074,7 +28419,7 @@
                 <a:latin typeface="Arial" panose="020B0604020202020204" pitchFamily="34" charset="0"/>
                 <a:cs typeface="Arial" panose="020B0604020202020204" pitchFamily="34" charset="0"/>
               </a:rPr>
-              <a:t>All 4 operations must be completed within 5 seconds</a:t>
+              <a:t>All 4 operations should be completed within 5 seconds</a:t>
             </a:r>
           </a:p>
         </p:txBody>
@@ -29060,6 +29405,74 @@
 </file>
 
 <file path=customXml/item1.xml><?xml version="1.0" encoding="utf-8"?>
+<?mso-contentType ?>
+<FormTemplates xmlns="http://schemas.microsoft.com/sharepoint/v3/contenttype/forms">
+  <Display>DocumentLibraryForm</Display>
+  <Edit>DocumentLibraryForm</Edit>
+  <New>DocumentLibraryForm</New>
+</FormTemplates>
+</file>
+
+<file path=customXml/item2.xml><?xml version="1.0" encoding="utf-8"?>
+<p:properties xmlns:p="http://schemas.microsoft.com/office/2006/metadata/properties" xmlns:xsi="http://www.w3.org/2001/XMLSchema-instance" xmlns:pc="http://schemas.microsoft.com/office/infopath/2007/PartnerControls">
+  <documentManagement>
+    <Content_x0020_Archived xmlns="df7acb31-37ac-40e2-81bb-c44e3630f613">false</Content_x0020_Archived>
+    <_dlc_DocId xmlns="38ef598d-997c-498b-b737-2f6b2c50ccab">SV5CHKDEWJXD-84-133</_dlc_DocId>
+    <_dlc_DocIdUrl xmlns="38ef598d-997c-498b-b737-2f6b2c50ccab">
+      <Url>http://mchpweb-2010/marcom/home/Resources/_layouts/DocIdRedir.aspx?ID=SV5CHKDEWJXD-84-133</Url>
+      <Description>SV5CHKDEWJXD-84-133</Description>
+    </_dlc_DocIdUrl>
+  </documentManagement>
+</p:properties>
+</file>
+
+<file path=customXml/item3.xml><?xml version="1.0" encoding="utf-8"?>
+<?mso-contentType ?>
+<spe:Receivers xmlns:spe="http://schemas.microsoft.com/sharepoint/events">
+  <Receiver>
+    <Name>Document ID Generator</Name>
+    <Synchronization>Synchronous</Synchronization>
+    <Type>10001</Type>
+    <SequenceNumber>1000</SequenceNumber>
+    <Assembly>Microsoft.Office.DocumentManagement, Version=14.0.0.0, Culture=neutral, PublicKeyToken=71e9bce111e9429c</Assembly>
+    <Class>Microsoft.Office.DocumentManagement.Internal.DocIdHandler</Class>
+    <Data/>
+    <Filter/>
+  </Receiver>
+  <Receiver>
+    <Name>Document ID Generator</Name>
+    <Synchronization>Synchronous</Synchronization>
+    <Type>10002</Type>
+    <SequenceNumber>1001</SequenceNumber>
+    <Assembly>Microsoft.Office.DocumentManagement, Version=14.0.0.0, Culture=neutral, PublicKeyToken=71e9bce111e9429c</Assembly>
+    <Class>Microsoft.Office.DocumentManagement.Internal.DocIdHandler</Class>
+    <Data/>
+    <Filter/>
+  </Receiver>
+  <Receiver>
+    <Name>Document ID Generator</Name>
+    <Synchronization>Synchronous</Synchronization>
+    <Type>10004</Type>
+    <SequenceNumber>1002</SequenceNumber>
+    <Assembly>Microsoft.Office.DocumentManagement, Version=14.0.0.0, Culture=neutral, PublicKeyToken=71e9bce111e9429c</Assembly>
+    <Class>Microsoft.Office.DocumentManagement.Internal.DocIdHandler</Class>
+    <Data/>
+    <Filter/>
+  </Receiver>
+  <Receiver>
+    <Name>Document ID Generator</Name>
+    <Synchronization>Synchronous</Synchronization>
+    <Type>10006</Type>
+    <SequenceNumber>1003</SequenceNumber>
+    <Assembly>Microsoft.Office.DocumentManagement, Version=14.0.0.0, Culture=neutral, PublicKeyToken=71e9bce111e9429c</Assembly>
+    <Class>Microsoft.Office.DocumentManagement.Internal.DocIdHandler</Class>
+    <Data/>
+    <Filter/>
+  </Receiver>
+</spe:Receivers>
+</file>
+
+<file path=customXml/item4.xml><?xml version="1.0" encoding="utf-8"?>
 <ct:contentTypeSchema xmlns:ct="http://schemas.microsoft.com/office/2006/metadata/contentType" xmlns:ma="http://schemas.microsoft.com/office/2006/metadata/properties/metaAttributes" ct:_="" ma:_="" ma:contentTypeName="Document" ma:contentTypeID="0x01010006EF9829FE6FB94D84D3D1D5B1820991" ma:contentTypeVersion="2" ma:contentTypeDescription="Create a new document." ma:contentTypeScope="" ma:versionID="84d427fd2fb92a215479da5b0fe5e4ad">
   <xsd:schema xmlns:xsd="http://www.w3.org/2001/XMLSchema" xmlns:xs="http://www.w3.org/2001/XMLSchema" xmlns:p="http://schemas.microsoft.com/office/2006/metadata/properties" xmlns:ns2="38ef598d-997c-498b-b737-2f6b2c50ccab" xmlns:ns3="df7acb31-37ac-40e2-81bb-c44e3630f613" targetNamespace="http://schemas.microsoft.com/office/2006/metadata/properties" ma:root="true" ma:fieldsID="156788901a84a305ff90b9b24ba2d9fb" ns2:_="" ns3:_="">
     <xsd:import namespace="38ef598d-997c-498b-b737-2f6b2c50ccab"/>
@@ -29215,75 +29628,34 @@
 </ct:contentTypeSchema>
 </file>
 
-<file path=customXml/item2.xml><?xml version="1.0" encoding="utf-8"?>
-<?mso-contentType ?>
-<spe:Receivers xmlns:spe="http://schemas.microsoft.com/sharepoint/events">
-  <Receiver>
-    <Name>Document ID Generator</Name>
-    <Synchronization>Synchronous</Synchronization>
-    <Type>10001</Type>
-    <SequenceNumber>1000</SequenceNumber>
-    <Assembly>Microsoft.Office.DocumentManagement, Version=14.0.0.0, Culture=neutral, PublicKeyToken=71e9bce111e9429c</Assembly>
-    <Class>Microsoft.Office.DocumentManagement.Internal.DocIdHandler</Class>
-    <Data/>
-    <Filter/>
-  </Receiver>
-  <Receiver>
-    <Name>Document ID Generator</Name>
-    <Synchronization>Synchronous</Synchronization>
-    <Type>10002</Type>
-    <SequenceNumber>1001</SequenceNumber>
-    <Assembly>Microsoft.Office.DocumentManagement, Version=14.0.0.0, Culture=neutral, PublicKeyToken=71e9bce111e9429c</Assembly>
-    <Class>Microsoft.Office.DocumentManagement.Internal.DocIdHandler</Class>
-    <Data/>
-    <Filter/>
-  </Receiver>
-  <Receiver>
-    <Name>Document ID Generator</Name>
-    <Synchronization>Synchronous</Synchronization>
-    <Type>10004</Type>
-    <SequenceNumber>1002</SequenceNumber>
-    <Assembly>Microsoft.Office.DocumentManagement, Version=14.0.0.0, Culture=neutral, PublicKeyToken=71e9bce111e9429c</Assembly>
-    <Class>Microsoft.Office.DocumentManagement.Internal.DocIdHandler</Class>
-    <Data/>
-    <Filter/>
-  </Receiver>
-  <Receiver>
-    <Name>Document ID Generator</Name>
-    <Synchronization>Synchronous</Synchronization>
-    <Type>10006</Type>
-    <SequenceNumber>1003</SequenceNumber>
-    <Assembly>Microsoft.Office.DocumentManagement, Version=14.0.0.0, Culture=neutral, PublicKeyToken=71e9bce111e9429c</Assembly>
-    <Class>Microsoft.Office.DocumentManagement.Internal.DocIdHandler</Class>
-    <Data/>
-    <Filter/>
-  </Receiver>
-</spe:Receivers>
+<file path=customXml/itemProps1.xml><?xml version="1.0" encoding="utf-8"?>
+<ds:datastoreItem xmlns:ds="http://schemas.openxmlformats.org/officeDocument/2006/customXml" ds:itemID="{0CE24DD7-9317-4AD8-82D4-5A6998DA79C7}">
+  <ds:schemaRefs>
+    <ds:schemaRef ds:uri="http://schemas.microsoft.com/sharepoint/v3/contenttype/forms"/>
+  </ds:schemaRefs>
+</ds:datastoreItem>
 </file>
 
-<file path=customXml/item3.xml><?xml version="1.0" encoding="utf-8"?>
-<p:properties xmlns:p="http://schemas.microsoft.com/office/2006/metadata/properties" xmlns:xsi="http://www.w3.org/2001/XMLSchema-instance" xmlns:pc="http://schemas.microsoft.com/office/infopath/2007/PartnerControls">
-  <documentManagement>
-    <Content_x0020_Archived xmlns="df7acb31-37ac-40e2-81bb-c44e3630f613">false</Content_x0020_Archived>
-    <_dlc_DocId xmlns="38ef598d-997c-498b-b737-2f6b2c50ccab">SV5CHKDEWJXD-84-133</_dlc_DocId>
-    <_dlc_DocIdUrl xmlns="38ef598d-997c-498b-b737-2f6b2c50ccab">
-      <Url>http://mchpweb-2010/marcom/home/Resources/_layouts/DocIdRedir.aspx?ID=SV5CHKDEWJXD-84-133</Url>
-      <Description>SV5CHKDEWJXD-84-133</Description>
-    </_dlc_DocIdUrl>
-  </documentManagement>
-</p:properties>
+<file path=customXml/itemProps2.xml><?xml version="1.0" encoding="utf-8"?>
+<ds:datastoreItem xmlns:ds="http://schemas.openxmlformats.org/officeDocument/2006/customXml" ds:itemID="{15774815-801A-4D0C-AAC8-304A8EA5EAE0}">
+  <ds:schemaRefs>
+    <ds:schemaRef ds:uri="http://schemas.microsoft.com/office/2006/metadata/properties"/>
+    <ds:schemaRef ds:uri="http://schemas.microsoft.com/office/infopath/2007/PartnerControls"/>
+    <ds:schemaRef ds:uri="df7acb31-37ac-40e2-81bb-c44e3630f613"/>
+    <ds:schemaRef ds:uri="38ef598d-997c-498b-b737-2f6b2c50ccab"/>
+  </ds:schemaRefs>
+</ds:datastoreItem>
 </file>
 
-<file path=customXml/item4.xml><?xml version="1.0" encoding="utf-8"?>
-<?mso-contentType ?>
-<FormTemplates xmlns="http://schemas.microsoft.com/sharepoint/v3/contenttype/forms">
-  <Display>DocumentLibraryForm</Display>
-  <Edit>DocumentLibraryForm</Edit>
-  <New>DocumentLibraryForm</New>
-</FormTemplates>
+<file path=customXml/itemProps3.xml><?xml version="1.0" encoding="utf-8"?>
+<ds:datastoreItem xmlns:ds="http://schemas.openxmlformats.org/officeDocument/2006/customXml" ds:itemID="{36ECED7C-7E24-4B80-B6AD-5BF0A508FB7B}">
+  <ds:schemaRefs>
+    <ds:schemaRef ds:uri="http://schemas.microsoft.com/sharepoint/events"/>
+  </ds:schemaRefs>
+</ds:datastoreItem>
 </file>
 
-<file path=customXml/itemProps1.xml><?xml version="1.0" encoding="utf-8"?>
+<file path=customXml/itemProps4.xml><?xml version="1.0" encoding="utf-8"?>
 <ds:datastoreItem xmlns:ds="http://schemas.openxmlformats.org/officeDocument/2006/customXml" ds:itemID="{AF9647E8-EA5A-4469-8198-396AF1DA17E0}">
   <ds:schemaRefs>
     <ds:schemaRef ds:uri="http://schemas.microsoft.com/office/2006/metadata/contentType"/>
@@ -29300,31 +29672,4 @@
     <ds:schemaRef ds:uri="http://schemas.microsoft.com/internal/obd"/>
   </ds:schemaRefs>
 </ds:datastoreItem>
-</file>
-
-<file path=customXml/itemProps2.xml><?xml version="1.0" encoding="utf-8"?>
-<ds:datastoreItem xmlns:ds="http://schemas.openxmlformats.org/officeDocument/2006/customXml" ds:itemID="{36ECED7C-7E24-4B80-B6AD-5BF0A508FB7B}">
-  <ds:schemaRefs>
-    <ds:schemaRef ds:uri="http://schemas.microsoft.com/sharepoint/events"/>
-  </ds:schemaRefs>
-</ds:datastoreItem>
-</file>
-
-<file path=customXml/itemProps3.xml><?xml version="1.0" encoding="utf-8"?>
-<ds:datastoreItem xmlns:ds="http://schemas.openxmlformats.org/officeDocument/2006/customXml" ds:itemID="{15774815-801A-4D0C-AAC8-304A8EA5EAE0}">
-  <ds:schemaRefs>
-    <ds:schemaRef ds:uri="http://schemas.microsoft.com/office/2006/metadata/properties"/>
-    <ds:schemaRef ds:uri="http://schemas.microsoft.com/office/infopath/2007/PartnerControls"/>
-    <ds:schemaRef ds:uri="df7acb31-37ac-40e2-81bb-c44e3630f613"/>
-    <ds:schemaRef ds:uri="38ef598d-997c-498b-b737-2f6b2c50ccab"/>
-  </ds:schemaRefs>
-</ds:datastoreItem>
-</file>
-
-<file path=customXml/itemProps4.xml><?xml version="1.0" encoding="utf-8"?>
-<ds:datastoreItem xmlns:ds="http://schemas.openxmlformats.org/officeDocument/2006/customXml" ds:itemID="{0CE24DD7-9317-4AD8-82D4-5A6998DA79C7}">
-  <ds:schemaRefs>
-    <ds:schemaRef ds:uri="http://schemas.microsoft.com/sharepoint/v3/contenttype/forms"/>
-  </ds:schemaRefs>
-</ds:datastoreItem>
 </file>
--- a/AO-Smith-MSFT-MCHP-r6.pptx
+++ b/AO-Smith-MSFT-MCHP-r6.pptx
@@ -5396,7 +5396,7 @@
           <a:p>
             <a:r>
               <a:rPr lang="en-US" dirty="0"/>
-              <a:t>Azure IoT PnP Interface for SAM-IoT (Extended)</a:t>
+              <a:t>Azure IoT PnP Interface for SAM-IoT (version 2)</a:t>
             </a:r>
           </a:p>
         </p:txBody>
@@ -14515,14 +14515,14 @@
           <p:nvPr>
             <p:extLst>
               <p:ext uri="{D42A27DB-BD31-4B8C-83A1-F6EECF244321}">
-                <p14:modId xmlns:p14="http://schemas.microsoft.com/office/powerpoint/2010/main" val="3278752623"/>
+                <p14:modId xmlns:p14="http://schemas.microsoft.com/office/powerpoint/2010/main" val="3400722622"/>
               </p:ext>
             </p:extLst>
           </p:nvPr>
         </p:nvGraphicFramePr>
         <p:xfrm>
-          <a:off x="1443652" y="5186645"/>
-          <a:ext cx="4989300" cy="640080"/>
+          <a:off x="1443651" y="5186645"/>
+          <a:ext cx="6544211" cy="640080"/>
         </p:xfrm>
         <a:graphic>
           <a:graphicData uri="http://schemas.openxmlformats.org/drawingml/2006/table">
@@ -14531,38 +14531,45 @@
                 <a:tableStyleId>{5C22544A-7EE6-4342-B048-85BDC9FD1C3A}</a:tableStyleId>
               </a:tblPr>
               <a:tblGrid>
-                <a:gridCol w="997860">
+                <a:gridCol w="983847">
                   <a:extLst>
                     <a:ext uri="{9D8B030D-6E8A-4147-A177-3AD203B41FA5}">
                       <a16:colId xmlns:a16="http://schemas.microsoft.com/office/drawing/2014/main" val="2062451749"/>
                     </a:ext>
                   </a:extLst>
                 </a:gridCol>
-                <a:gridCol w="997860">
+                <a:gridCol w="983847">
                   <a:extLst>
                     <a:ext uri="{9D8B030D-6E8A-4147-A177-3AD203B41FA5}">
                       <a16:colId xmlns:a16="http://schemas.microsoft.com/office/drawing/2014/main" val="2207569799"/>
                     </a:ext>
                   </a:extLst>
                 </a:gridCol>
-                <a:gridCol w="997860">
+                <a:gridCol w="983847">
                   <a:extLst>
                     <a:ext uri="{9D8B030D-6E8A-4147-A177-3AD203B41FA5}">
                       <a16:colId xmlns:a16="http://schemas.microsoft.com/office/drawing/2014/main" val="2389990835"/>
                     </a:ext>
                   </a:extLst>
                 </a:gridCol>
-                <a:gridCol w="997860">
+                <a:gridCol w="983847">
                   <a:extLst>
                     <a:ext uri="{9D8B030D-6E8A-4147-A177-3AD203B41FA5}">
                       <a16:colId xmlns:a16="http://schemas.microsoft.com/office/drawing/2014/main" val="2351764435"/>
                     </a:ext>
                   </a:extLst>
                 </a:gridCol>
-                <a:gridCol w="997860">
+                <a:gridCol w="1557789">
                   <a:extLst>
                     <a:ext uri="{9D8B030D-6E8A-4147-A177-3AD203B41FA5}">
                       <a16:colId xmlns:a16="http://schemas.microsoft.com/office/drawing/2014/main" val="1259906589"/>
+                    </a:ext>
+                  </a:extLst>
+                </a:gridCol>
+                <a:gridCol w="1051034">
+                  <a:extLst>
+                    <a:ext uri="{9D8B030D-6E8A-4147-A177-3AD203B41FA5}">
+                      <a16:colId xmlns:a16="http://schemas.microsoft.com/office/drawing/2014/main" val="4242141684"/>
                     </a:ext>
                   </a:extLst>
                 </a:gridCol>
@@ -14585,6 +14592,19 @@
                         <a:t>Index</a:t>
                       </a:r>
                     </a:p>
+                    <a:p>
+                      <a:pPr algn="ctr"/>
+                      <a:r>
+                        <a:rPr lang="en-US" sz="1800" dirty="0">
+                          <a:solidFill>
+                            <a:schemeClr val="bg1"/>
+                          </a:solidFill>
+                          <a:latin typeface="Arial" panose="020B0604020202020204" pitchFamily="34" charset="0"/>
+                          <a:cs typeface="Arial" panose="020B0604020202020204" pitchFamily="34" charset="0"/>
+                        </a:rPr>
+                        <a:t>Byte</a:t>
+                      </a:r>
+                    </a:p>
                   </a:txBody>
                   <a:tcPr/>
                 </a:tc>
@@ -14605,6 +14625,19 @@
                         <a:t>Length</a:t>
                       </a:r>
                     </a:p>
+                    <a:p>
+                      <a:pPr algn="ctr"/>
+                      <a:r>
+                        <a:rPr lang="en-US" sz="1800" dirty="0">
+                          <a:solidFill>
+                            <a:schemeClr val="bg1"/>
+                          </a:solidFill>
+                          <a:latin typeface="Arial" panose="020B0604020202020204" pitchFamily="34" charset="0"/>
+                          <a:cs typeface="Arial" panose="020B0604020202020204" pitchFamily="34" charset="0"/>
+                        </a:rPr>
+                        <a:t>(MSB)</a:t>
+                      </a:r>
+                    </a:p>
                   </a:txBody>
                   <a:tcPr/>
                 </a:tc>
@@ -14614,6 +14647,55 @@
                     <a:lstStyle/>
                     <a:p>
                       <a:pPr algn="ctr"/>
+                      <a:r>
+                        <a:rPr lang="en-US" sz="1800" dirty="0">
+                          <a:solidFill>
+                            <a:schemeClr val="bg1"/>
+                          </a:solidFill>
+                          <a:latin typeface="Arial" panose="020B0604020202020204" pitchFamily="34" charset="0"/>
+                          <a:cs typeface="Arial" panose="020B0604020202020204" pitchFamily="34" charset="0"/>
+                        </a:rPr>
+                        <a:t>Length</a:t>
+                      </a:r>
+                    </a:p>
+                    <a:p>
+                      <a:pPr algn="ctr"/>
+                      <a:r>
+                        <a:rPr lang="en-US" sz="1800" dirty="0">
+                          <a:solidFill>
+                            <a:schemeClr val="bg1"/>
+                          </a:solidFill>
+                          <a:latin typeface="Arial" panose="020B0604020202020204" pitchFamily="34" charset="0"/>
+                          <a:cs typeface="Arial" panose="020B0604020202020204" pitchFamily="34" charset="0"/>
+                        </a:rPr>
+                        <a:t>(LSB)</a:t>
+                      </a:r>
+                    </a:p>
+                  </a:txBody>
+                  <a:tcPr/>
+                </a:tc>
+                <a:tc>
+                  <a:txBody>
+                    <a:bodyPr/>
+                    <a:lstStyle/>
+                    <a:p>
+                      <a:pPr marL="0" marR="0" lvl="0" indent="0" algn="ctr" defTabSz="609443" rtl="0" eaLnBrk="1" fontAlgn="auto" latinLnBrk="0" hangingPunct="1">
+                        <a:lnSpc>
+                          <a:spcPct val="100000"/>
+                        </a:lnSpc>
+                        <a:spcBef>
+                          <a:spcPts val="0"/>
+                        </a:spcBef>
+                        <a:spcAft>
+                          <a:spcPts val="0"/>
+                        </a:spcAft>
+                        <a:buClrTx/>
+                        <a:buSzTx/>
+                        <a:buFontTx/>
+                        <a:buNone/>
+                        <a:tabLst/>
+                        <a:defRPr/>
+                      </a:pPr>
                       <a:r>
                         <a:rPr lang="en-US" sz="1800" dirty="0">
                           <a:solidFill>
@@ -14633,7 +14715,23 @@
                     <a:bodyPr/>
                     <a:lstStyle/>
                     <a:p>
-                      <a:pPr algn="ctr"/>
+                      <a:pPr marL="0" marR="0" lvl="0" indent="0" algn="ctr" defTabSz="609443" rtl="0" eaLnBrk="1" fontAlgn="auto" latinLnBrk="0" hangingPunct="1">
+                        <a:lnSpc>
+                          <a:spcPct val="100000"/>
+                        </a:lnSpc>
+                        <a:spcBef>
+                          <a:spcPts val="0"/>
+                        </a:spcBef>
+                        <a:spcAft>
+                          <a:spcPts val="0"/>
+                        </a:spcAft>
+                        <a:buClrTx/>
+                        <a:buSzTx/>
+                        <a:buFontTx/>
+                        <a:buNone/>
+                        <a:tabLst/>
+                        <a:defRPr/>
+                      </a:pPr>
                       <a:r>
                         <a:rPr lang="en-US" sz="1800" dirty="0">
                           <a:solidFill>
@@ -14642,8 +14740,18 @@
                           <a:latin typeface="Arial" panose="020B0604020202020204" pitchFamily="34" charset="0"/>
                           <a:cs typeface="Arial" panose="020B0604020202020204" pitchFamily="34" charset="0"/>
                         </a:rPr>
-                        <a:t>. . .</a:t>
+                        <a:t>. . . . . . . . . . .</a:t>
                       </a:r>
+                    </a:p>
+                    <a:p>
+                      <a:pPr algn="ctr"/>
+                      <a:endParaRPr lang="en-US" sz="1800" dirty="0">
+                        <a:solidFill>
+                          <a:schemeClr val="bg1"/>
+                        </a:solidFill>
+                        <a:latin typeface="Arial" panose="020B0604020202020204" pitchFamily="34" charset="0"/>
+                        <a:cs typeface="Arial" panose="020B0604020202020204" pitchFamily="34" charset="0"/>
+                      </a:endParaRPr>
                     </a:p>
                   </a:txBody>
                   <a:tcPr/>
@@ -14653,7 +14761,23 @@
                     <a:bodyPr/>
                     <a:lstStyle/>
                     <a:p>
-                      <a:pPr algn="ctr"/>
+                      <a:pPr marL="0" marR="0" lvl="0" indent="0" algn="ctr" defTabSz="609443" rtl="0" eaLnBrk="1" fontAlgn="auto" latinLnBrk="0" hangingPunct="1">
+                        <a:lnSpc>
+                          <a:spcPct val="100000"/>
+                        </a:lnSpc>
+                        <a:spcBef>
+                          <a:spcPts val="0"/>
+                        </a:spcBef>
+                        <a:spcAft>
+                          <a:spcPts val="0"/>
+                        </a:spcAft>
+                        <a:buClrTx/>
+                        <a:buSzTx/>
+                        <a:buFontTx/>
+                        <a:buNone/>
+                        <a:tabLst/>
+                        <a:defRPr/>
+                      </a:pPr>
                       <a:r>
                         <a:rPr lang="en-US" sz="1800" dirty="0">
                           <a:solidFill>
@@ -14770,7 +14894,7 @@
         </p:nvCxnSpPr>
         <p:spPr>
           <a:xfrm>
-            <a:off x="965200" y="6155101"/>
+            <a:off x="965200" y="6144591"/>
             <a:ext cx="477520" cy="447352"/>
           </a:xfrm>
           <a:prstGeom prst="bentConnector3">
@@ -14809,7 +14933,7 @@
         </p:nvCxnSpPr>
         <p:spPr>
           <a:xfrm rot="10800000" flipV="1">
-            <a:off x="6381092" y="6155101"/>
+            <a:off x="7998371" y="6155101"/>
             <a:ext cx="466748" cy="447352"/>
           </a:xfrm>
           <a:prstGeom prst="bentConnector3">
@@ -14843,13 +14967,15 @@
               </a:ext>
             </a:extLst>
           </p:cNvPr>
-          <p:cNvCxnSpPr/>
+          <p:cNvCxnSpPr>
+            <a:cxnSpLocks/>
+          </p:cNvCxnSpPr>
           <p:nvPr/>
         </p:nvCxnSpPr>
         <p:spPr>
           <a:xfrm>
             <a:off x="1442720" y="6602453"/>
-            <a:ext cx="4938371" cy="0"/>
+            <a:ext cx="6610349" cy="0"/>
           </a:xfrm>
           <a:prstGeom prst="line">
             <a:avLst/>
@@ -15020,13 +15146,13 @@
         </p:nvSpPr>
         <p:spPr>
           <a:xfrm>
-            <a:off x="1717924" y="4148013"/>
-            <a:ext cx="4205798" cy="671997"/>
+            <a:off x="1432210" y="4169033"/>
+            <a:ext cx="5429744" cy="486213"/>
           </a:xfrm>
           <a:prstGeom prst="wedgeRectCallout">
             <a:avLst>
-              <a:gd name="adj1" fmla="val 22029"/>
-              <a:gd name="adj2" fmla="val -214302"/>
+              <a:gd name="adj1" fmla="val 10996"/>
+              <a:gd name="adj2" fmla="val -279152"/>
             </a:avLst>
           </a:prstGeom>
           <a:solidFill>
@@ -15068,7 +15194,7 @@
                 <a:latin typeface="Arial" panose="020B0604020202020204" pitchFamily="34" charset="0"/>
                 <a:cs typeface="Arial" panose="020B0604020202020204" pitchFamily="34" charset="0"/>
               </a:rPr>
-              <a:t>Send Telemetry Data Frames (index + length + payload) using Chip Select</a:t>
+              <a:t>Send Telemetry Data Frames using Chip Select</a:t>
             </a:r>
           </a:p>
         </p:txBody>
@@ -15233,7 +15359,7 @@
         </p:nvSpPr>
         <p:spPr>
           <a:xfrm>
-            <a:off x="5136237" y="3390271"/>
+            <a:off x="6105388" y="1007505"/>
             <a:ext cx="928947" cy="336514"/>
           </a:xfrm>
           <a:prstGeom prst="rect">
@@ -27247,7 +27373,7 @@
           <a:p>
             <a:r>
               <a:rPr lang="en-US" dirty="0"/>
-              <a:t>Proof of Concept Demo</a:t>
+              <a:t>Proof of Concept Demo using SAM-IoT Board</a:t>
             </a:r>
           </a:p>
         </p:txBody>
@@ -29405,74 +29531,6 @@
 </file>
 
 <file path=customXml/item1.xml><?xml version="1.0" encoding="utf-8"?>
-<?mso-contentType ?>
-<FormTemplates xmlns="http://schemas.microsoft.com/sharepoint/v3/contenttype/forms">
-  <Display>DocumentLibraryForm</Display>
-  <Edit>DocumentLibraryForm</Edit>
-  <New>DocumentLibraryForm</New>
-</FormTemplates>
-</file>
-
-<file path=customXml/item2.xml><?xml version="1.0" encoding="utf-8"?>
-<p:properties xmlns:p="http://schemas.microsoft.com/office/2006/metadata/properties" xmlns:xsi="http://www.w3.org/2001/XMLSchema-instance" xmlns:pc="http://schemas.microsoft.com/office/infopath/2007/PartnerControls">
-  <documentManagement>
-    <Content_x0020_Archived xmlns="df7acb31-37ac-40e2-81bb-c44e3630f613">false</Content_x0020_Archived>
-    <_dlc_DocId xmlns="38ef598d-997c-498b-b737-2f6b2c50ccab">SV5CHKDEWJXD-84-133</_dlc_DocId>
-    <_dlc_DocIdUrl xmlns="38ef598d-997c-498b-b737-2f6b2c50ccab">
-      <Url>http://mchpweb-2010/marcom/home/Resources/_layouts/DocIdRedir.aspx?ID=SV5CHKDEWJXD-84-133</Url>
-      <Description>SV5CHKDEWJXD-84-133</Description>
-    </_dlc_DocIdUrl>
-  </documentManagement>
-</p:properties>
-</file>
-
-<file path=customXml/item3.xml><?xml version="1.0" encoding="utf-8"?>
-<?mso-contentType ?>
-<spe:Receivers xmlns:spe="http://schemas.microsoft.com/sharepoint/events">
-  <Receiver>
-    <Name>Document ID Generator</Name>
-    <Synchronization>Synchronous</Synchronization>
-    <Type>10001</Type>
-    <SequenceNumber>1000</SequenceNumber>
-    <Assembly>Microsoft.Office.DocumentManagement, Version=14.0.0.0, Culture=neutral, PublicKeyToken=71e9bce111e9429c</Assembly>
-    <Class>Microsoft.Office.DocumentManagement.Internal.DocIdHandler</Class>
-    <Data/>
-    <Filter/>
-  </Receiver>
-  <Receiver>
-    <Name>Document ID Generator</Name>
-    <Synchronization>Synchronous</Synchronization>
-    <Type>10002</Type>
-    <SequenceNumber>1001</SequenceNumber>
-    <Assembly>Microsoft.Office.DocumentManagement, Version=14.0.0.0, Culture=neutral, PublicKeyToken=71e9bce111e9429c</Assembly>
-    <Class>Microsoft.Office.DocumentManagement.Internal.DocIdHandler</Class>
-    <Data/>
-    <Filter/>
-  </Receiver>
-  <Receiver>
-    <Name>Document ID Generator</Name>
-    <Synchronization>Synchronous</Synchronization>
-    <Type>10004</Type>
-    <SequenceNumber>1002</SequenceNumber>
-    <Assembly>Microsoft.Office.DocumentManagement, Version=14.0.0.0, Culture=neutral, PublicKeyToken=71e9bce111e9429c</Assembly>
-    <Class>Microsoft.Office.DocumentManagement.Internal.DocIdHandler</Class>
-    <Data/>
-    <Filter/>
-  </Receiver>
-  <Receiver>
-    <Name>Document ID Generator</Name>
-    <Synchronization>Synchronous</Synchronization>
-    <Type>10006</Type>
-    <SequenceNumber>1003</SequenceNumber>
-    <Assembly>Microsoft.Office.DocumentManagement, Version=14.0.0.0, Culture=neutral, PublicKeyToken=71e9bce111e9429c</Assembly>
-    <Class>Microsoft.Office.DocumentManagement.Internal.DocIdHandler</Class>
-    <Data/>
-    <Filter/>
-  </Receiver>
-</spe:Receivers>
-</file>
-
-<file path=customXml/item4.xml><?xml version="1.0" encoding="utf-8"?>
 <ct:contentTypeSchema xmlns:ct="http://schemas.microsoft.com/office/2006/metadata/contentType" xmlns:ma="http://schemas.microsoft.com/office/2006/metadata/properties/metaAttributes" ct:_="" ma:_="" ma:contentTypeName="Document" ma:contentTypeID="0x01010006EF9829FE6FB94D84D3D1D5B1820991" ma:contentTypeVersion="2" ma:contentTypeDescription="Create a new document." ma:contentTypeScope="" ma:versionID="84d427fd2fb92a215479da5b0fe5e4ad">
   <xsd:schema xmlns:xsd="http://www.w3.org/2001/XMLSchema" xmlns:xs="http://www.w3.org/2001/XMLSchema" xmlns:p="http://schemas.microsoft.com/office/2006/metadata/properties" xmlns:ns2="38ef598d-997c-498b-b737-2f6b2c50ccab" xmlns:ns3="df7acb31-37ac-40e2-81bb-c44e3630f613" targetNamespace="http://schemas.microsoft.com/office/2006/metadata/properties" ma:root="true" ma:fieldsID="156788901a84a305ff90b9b24ba2d9fb" ns2:_="" ns3:_="">
     <xsd:import namespace="38ef598d-997c-498b-b737-2f6b2c50ccab"/>
@@ -29628,34 +29686,75 @@
 </ct:contentTypeSchema>
 </file>
 
-<file path=customXml/itemProps1.xml><?xml version="1.0" encoding="utf-8"?>
-<ds:datastoreItem xmlns:ds="http://schemas.openxmlformats.org/officeDocument/2006/customXml" ds:itemID="{0CE24DD7-9317-4AD8-82D4-5A6998DA79C7}">
-  <ds:schemaRefs>
-    <ds:schemaRef ds:uri="http://schemas.microsoft.com/sharepoint/v3/contenttype/forms"/>
-  </ds:schemaRefs>
-</ds:datastoreItem>
+<file path=customXml/item2.xml><?xml version="1.0" encoding="utf-8"?>
+<?mso-contentType ?>
+<spe:Receivers xmlns:spe="http://schemas.microsoft.com/sharepoint/events">
+  <Receiver>
+    <Name>Document ID Generator</Name>
+    <Synchronization>Synchronous</Synchronization>
+    <Type>10001</Type>
+    <SequenceNumber>1000</SequenceNumber>
+    <Assembly>Microsoft.Office.DocumentManagement, Version=14.0.0.0, Culture=neutral, PublicKeyToken=71e9bce111e9429c</Assembly>
+    <Class>Microsoft.Office.DocumentManagement.Internal.DocIdHandler</Class>
+    <Data/>
+    <Filter/>
+  </Receiver>
+  <Receiver>
+    <Name>Document ID Generator</Name>
+    <Synchronization>Synchronous</Synchronization>
+    <Type>10002</Type>
+    <SequenceNumber>1001</SequenceNumber>
+    <Assembly>Microsoft.Office.DocumentManagement, Version=14.0.0.0, Culture=neutral, PublicKeyToken=71e9bce111e9429c</Assembly>
+    <Class>Microsoft.Office.DocumentManagement.Internal.DocIdHandler</Class>
+    <Data/>
+    <Filter/>
+  </Receiver>
+  <Receiver>
+    <Name>Document ID Generator</Name>
+    <Synchronization>Synchronous</Synchronization>
+    <Type>10004</Type>
+    <SequenceNumber>1002</SequenceNumber>
+    <Assembly>Microsoft.Office.DocumentManagement, Version=14.0.0.0, Culture=neutral, PublicKeyToken=71e9bce111e9429c</Assembly>
+    <Class>Microsoft.Office.DocumentManagement.Internal.DocIdHandler</Class>
+    <Data/>
+    <Filter/>
+  </Receiver>
+  <Receiver>
+    <Name>Document ID Generator</Name>
+    <Synchronization>Synchronous</Synchronization>
+    <Type>10006</Type>
+    <SequenceNumber>1003</SequenceNumber>
+    <Assembly>Microsoft.Office.DocumentManagement, Version=14.0.0.0, Culture=neutral, PublicKeyToken=71e9bce111e9429c</Assembly>
+    <Class>Microsoft.Office.DocumentManagement.Internal.DocIdHandler</Class>
+    <Data/>
+    <Filter/>
+  </Receiver>
+</spe:Receivers>
 </file>
 
-<file path=customXml/itemProps2.xml><?xml version="1.0" encoding="utf-8"?>
-<ds:datastoreItem xmlns:ds="http://schemas.openxmlformats.org/officeDocument/2006/customXml" ds:itemID="{15774815-801A-4D0C-AAC8-304A8EA5EAE0}">
-  <ds:schemaRefs>
-    <ds:schemaRef ds:uri="http://schemas.microsoft.com/office/2006/metadata/properties"/>
-    <ds:schemaRef ds:uri="http://schemas.microsoft.com/office/infopath/2007/PartnerControls"/>
-    <ds:schemaRef ds:uri="df7acb31-37ac-40e2-81bb-c44e3630f613"/>
-    <ds:schemaRef ds:uri="38ef598d-997c-498b-b737-2f6b2c50ccab"/>
-  </ds:schemaRefs>
-</ds:datastoreItem>
+<file path=customXml/item3.xml><?xml version="1.0" encoding="utf-8"?>
+<p:properties xmlns:p="http://schemas.microsoft.com/office/2006/metadata/properties" xmlns:xsi="http://www.w3.org/2001/XMLSchema-instance" xmlns:pc="http://schemas.microsoft.com/office/infopath/2007/PartnerControls">
+  <documentManagement>
+    <Content_x0020_Archived xmlns="df7acb31-37ac-40e2-81bb-c44e3630f613">false</Content_x0020_Archived>
+    <_dlc_DocId xmlns="38ef598d-997c-498b-b737-2f6b2c50ccab">SV5CHKDEWJXD-84-133</_dlc_DocId>
+    <_dlc_DocIdUrl xmlns="38ef598d-997c-498b-b737-2f6b2c50ccab">
+      <Url>http://mchpweb-2010/marcom/home/Resources/_layouts/DocIdRedir.aspx?ID=SV5CHKDEWJXD-84-133</Url>
+      <Description>SV5CHKDEWJXD-84-133</Description>
+    </_dlc_DocIdUrl>
+  </documentManagement>
+</p:properties>
 </file>
 
-<file path=customXml/itemProps3.xml><?xml version="1.0" encoding="utf-8"?>
-<ds:datastoreItem xmlns:ds="http://schemas.openxmlformats.org/officeDocument/2006/customXml" ds:itemID="{36ECED7C-7E24-4B80-B6AD-5BF0A508FB7B}">
-  <ds:schemaRefs>
-    <ds:schemaRef ds:uri="http://schemas.microsoft.com/sharepoint/events"/>
-  </ds:schemaRefs>
-</ds:datastoreItem>
+<file path=customXml/item4.xml><?xml version="1.0" encoding="utf-8"?>
+<?mso-contentType ?>
+<FormTemplates xmlns="http://schemas.microsoft.com/sharepoint/v3/contenttype/forms">
+  <Display>DocumentLibraryForm</Display>
+  <Edit>DocumentLibraryForm</Edit>
+  <New>DocumentLibraryForm</New>
+</FormTemplates>
 </file>
 
-<file path=customXml/itemProps4.xml><?xml version="1.0" encoding="utf-8"?>
+<file path=customXml/itemProps1.xml><?xml version="1.0" encoding="utf-8"?>
 <ds:datastoreItem xmlns:ds="http://schemas.openxmlformats.org/officeDocument/2006/customXml" ds:itemID="{AF9647E8-EA5A-4469-8198-396AF1DA17E0}">
   <ds:schemaRefs>
     <ds:schemaRef ds:uri="http://schemas.microsoft.com/office/2006/metadata/contentType"/>
@@ -29672,4 +29771,31 @@
     <ds:schemaRef ds:uri="http://schemas.microsoft.com/internal/obd"/>
   </ds:schemaRefs>
 </ds:datastoreItem>
+</file>
+
+<file path=customXml/itemProps2.xml><?xml version="1.0" encoding="utf-8"?>
+<ds:datastoreItem xmlns:ds="http://schemas.openxmlformats.org/officeDocument/2006/customXml" ds:itemID="{36ECED7C-7E24-4B80-B6AD-5BF0A508FB7B}">
+  <ds:schemaRefs>
+    <ds:schemaRef ds:uri="http://schemas.microsoft.com/sharepoint/events"/>
+  </ds:schemaRefs>
+</ds:datastoreItem>
+</file>
+
+<file path=customXml/itemProps3.xml><?xml version="1.0" encoding="utf-8"?>
+<ds:datastoreItem xmlns:ds="http://schemas.openxmlformats.org/officeDocument/2006/customXml" ds:itemID="{15774815-801A-4D0C-AAC8-304A8EA5EAE0}">
+  <ds:schemaRefs>
+    <ds:schemaRef ds:uri="http://schemas.microsoft.com/office/2006/metadata/properties"/>
+    <ds:schemaRef ds:uri="http://schemas.microsoft.com/office/infopath/2007/PartnerControls"/>
+    <ds:schemaRef ds:uri="df7acb31-37ac-40e2-81bb-c44e3630f613"/>
+    <ds:schemaRef ds:uri="38ef598d-997c-498b-b737-2f6b2c50ccab"/>
+  </ds:schemaRefs>
+</ds:datastoreItem>
+</file>
+
+<file path=customXml/itemProps4.xml><?xml version="1.0" encoding="utf-8"?>
+<ds:datastoreItem xmlns:ds="http://schemas.openxmlformats.org/officeDocument/2006/customXml" ds:itemID="{0CE24DD7-9317-4AD8-82D4-5A6998DA79C7}">
+  <ds:schemaRefs>
+    <ds:schemaRef ds:uri="http://schemas.microsoft.com/sharepoint/v3/contenttype/forms"/>
+  </ds:schemaRefs>
+</ds:datastoreItem>
 </file>
--- a/AO-Smith-MSFT-MCHP-r6.pptx
+++ b/AO-Smith-MSFT-MCHP-r6.pptx
@@ -443,7 +443,7 @@
           <a:p>
             <a:fld id="{98615C2D-FB91-8740-95C2-23C11A10F2F2}" type="datetimeFigureOut">
               <a:rPr lang="en-US" smtClean="0"/>
-              <a:t>10/19/21</a:t>
+              <a:t>10/20/21</a:t>
             </a:fld>
             <a:endParaRPr lang="en-US"/>
           </a:p>
@@ -621,7 +621,7 @@
           <a:p>
             <a:fld id="{F154E49F-5C3A-ED4E-A68A-CCB3AA3B5D59}" type="datetimeFigureOut">
               <a:rPr lang="en-US" smtClean="0"/>
-              <a:t>10/19/21</a:t>
+              <a:t>10/20/21</a:t>
             </a:fld>
             <a:endParaRPr lang="en-US"/>
           </a:p>
@@ -5865,13 +5865,13 @@
             <a:p>
               <a:r>
                 <a:rPr lang="en-US" dirty="0"/>
-                <a:t>Integer (x4)</a:t>
+                <a:t>Integers (x4)</a:t>
               </a:r>
             </a:p>
             <a:p>
               <a:r>
                 <a:rPr lang="en-US" dirty="0"/>
-                <a:t>String (x4)</a:t>
+                <a:t>Strings (x4)</a:t>
               </a:r>
             </a:p>
             <a:p>
@@ -5912,13 +5912,13 @@
             <a:p>
               <a:r>
                 <a:rPr lang="en-US" dirty="0"/>
-                <a:t>Double (x2)</a:t>
+                <a:t>Doubles (x2)</a:t>
               </a:r>
             </a:p>
             <a:p>
               <a:r>
                 <a:rPr lang="en-US" dirty="0"/>
-                <a:t>Float (x2)</a:t>
+                <a:t>Floats (x2)</a:t>
               </a:r>
             </a:p>
             <a:p>
@@ -6003,9 +6003,9 @@
         </p:nvGrpSpPr>
         <p:grpSpPr>
           <a:xfrm>
-            <a:off x="5822498" y="4057019"/>
-            <a:ext cx="4590904" cy="1055267"/>
-            <a:chOff x="5822498" y="4057019"/>
+            <a:off x="5930862" y="4025513"/>
+            <a:ext cx="4763155" cy="1546325"/>
+            <a:chOff x="5797050" y="4027977"/>
             <a:chExt cx="4590904" cy="1055267"/>
           </a:xfrm>
         </p:grpSpPr>
@@ -6023,13 +6023,13 @@
           </p:nvSpPr>
           <p:spPr>
             <a:xfrm>
-              <a:off x="5822498" y="4057019"/>
+              <a:off x="5797050" y="4027977"/>
               <a:ext cx="4590904" cy="1055267"/>
             </a:xfrm>
             <a:prstGeom prst="wedgeRectCallout">
               <a:avLst>
-                <a:gd name="adj1" fmla="val -101347"/>
-                <a:gd name="adj2" fmla="val -143425"/>
+                <a:gd name="adj1" fmla="val -101590"/>
+                <a:gd name="adj2" fmla="val -112907"/>
               </a:avLst>
             </a:prstGeom>
             <a:solidFill>
@@ -6069,7 +6069,7 @@
                     <a:schemeClr val="tx1"/>
                   </a:solidFill>
                 </a:rPr>
-                <a:t>Integer – read only by cloud (x2)</a:t>
+                <a:t>Integers – read only by cloud (x2)</a:t>
               </a:r>
             </a:p>
             <a:p>
@@ -6079,15 +6079,28 @@
                     <a:schemeClr val="tx1"/>
                   </a:solidFill>
                 </a:rPr>
-                <a:t>Integer – writable by cloud (x2)</a:t>
+                <a:t>Integers – writable by cloud (x2)</a:t>
               </a:r>
             </a:p>
             <a:p>
-              <a:endParaRPr lang="en-US" dirty="0">
-                <a:solidFill>
-                  <a:schemeClr val="tx1"/>
-                </a:solidFill>
-              </a:endParaRPr>
+              <a:r>
+                <a:rPr lang="en-US" dirty="0">
+                  <a:solidFill>
+                    <a:schemeClr val="tx1"/>
+                  </a:solidFill>
+                </a:rPr>
+                <a:t>IP Address (string)</a:t>
+              </a:r>
+            </a:p>
+            <a:p>
+              <a:r>
+                <a:rPr lang="en-US" dirty="0">
+                  <a:solidFill>
+                    <a:schemeClr val="tx1"/>
+                  </a:solidFill>
+                </a:rPr>
+                <a:t>Firmware Version (string)</a:t>
+              </a:r>
             </a:p>
           </p:txBody>
         </p:sp>
@@ -6105,7 +6118,7 @@
           </p:nvSpPr>
           <p:spPr>
             <a:xfrm rot="16200000">
-              <a:off x="9670617" y="4369500"/>
+              <a:off x="9648315" y="4346670"/>
               <a:ext cx="1001477" cy="419546"/>
             </a:xfrm>
             <a:prstGeom prst="rect">
@@ -7145,7 +7158,7 @@
         </p:nvSpPr>
         <p:spPr>
           <a:xfrm>
-            <a:off x="5481587" y="3025522"/>
+            <a:off x="5481587" y="2888887"/>
             <a:ext cx="3850106" cy="869918"/>
           </a:xfrm>
           <a:prstGeom prst="rightArrow">
@@ -7189,7 +7202,7 @@
                   <a:schemeClr val="bg1"/>
                 </a:solidFill>
               </a:rPr>
-              <a:t>Integer – read only by cloud (x2)</a:t>
+              <a:t>Integers – read only by cloud (x2)</a:t>
             </a:r>
           </a:p>
         </p:txBody>
@@ -7208,7 +7221,7 @@
         </p:nvSpPr>
         <p:spPr>
           <a:xfrm>
-            <a:off x="5481587" y="3718343"/>
+            <a:off x="5481587" y="3571202"/>
             <a:ext cx="3734602" cy="869918"/>
           </a:xfrm>
           <a:prstGeom prst="leftArrow">
@@ -7252,7 +7265,7 @@
                   <a:schemeClr val="bg1"/>
                 </a:solidFill>
               </a:rPr>
-              <a:t>Integer – writable by cloud (x2)</a:t>
+              <a:t>Integers – writable by cloud (x2)</a:t>
             </a:r>
           </a:p>
         </p:txBody>
@@ -7458,13 +7471,13 @@
             <a:p>
               <a:r>
                 <a:rPr lang="en-US" dirty="0"/>
-                <a:t>Integer (x4)</a:t>
+                <a:t>Integers (x4)</a:t>
               </a:r>
             </a:p>
             <a:p>
               <a:r>
                 <a:rPr lang="en-US" dirty="0"/>
-                <a:t>String (x4)</a:t>
+                <a:t>Strings (x4)</a:t>
               </a:r>
             </a:p>
             <a:p>
@@ -7593,13 +7606,13 @@
             <a:p>
               <a:r>
                 <a:rPr lang="en-US" dirty="0"/>
-                <a:t>Double (x2)</a:t>
+                <a:t>Doubles (x2)</a:t>
               </a:r>
             </a:p>
             <a:p>
               <a:r>
                 <a:rPr lang="en-US" dirty="0"/>
-                <a:t>Float (x2)</a:t>
+                <a:t>Floats (x2)</a:t>
               </a:r>
             </a:p>
             <a:p>
@@ -7893,6 +7906,85 @@
           </a:fontRef>
         </p:style>
       </p:cxnSp>
+      <p:sp>
+        <p:nvSpPr>
+          <p:cNvPr id="19" name="Arrow: Right 6">
+            <a:extLst>
+              <a:ext uri="{FF2B5EF4-FFF2-40B4-BE49-F238E27FC236}">
+                <a16:creationId xmlns:a16="http://schemas.microsoft.com/office/drawing/2014/main" id="{419033BC-601A-DB43-9080-05FC078B813C}"/>
+              </a:ext>
+            </a:extLst>
+          </p:cNvPr>
+          <p:cNvSpPr/>
+          <p:nvPr/>
+        </p:nvSpPr>
+        <p:spPr>
+          <a:xfrm>
+            <a:off x="5504626" y="4288774"/>
+            <a:ext cx="3944173" cy="869918"/>
+          </a:xfrm>
+          <a:prstGeom prst="rightArrow">
+            <a:avLst/>
+          </a:prstGeom>
+          <a:solidFill>
+            <a:srgbClr val="00B050"/>
+          </a:solidFill>
+          <a:ln>
+            <a:noFill/>
+          </a:ln>
+          <a:effectLst/>
+        </p:spPr>
+        <p:style>
+          <a:lnRef idx="1">
+            <a:schemeClr val="accent1"/>
+          </a:lnRef>
+          <a:fillRef idx="3">
+            <a:schemeClr val="accent1"/>
+          </a:fillRef>
+          <a:effectRef idx="2">
+            <a:schemeClr val="accent1"/>
+          </a:effectRef>
+          <a:fontRef idx="minor">
+            <a:schemeClr val="lt1"/>
+          </a:fontRef>
+        </p:style>
+        <p:txBody>
+          <a:bodyPr rot="0" spcFirstLastPara="0" vertOverflow="overflow" horzOverflow="overflow" vert="horz" wrap="square" lIns="91440" tIns="45720" rIns="91440" bIns="45720" numCol="1" spcCol="0" rtlCol="0" fromWordArt="0" anchor="t" anchorCtr="0" forceAA="0" compatLnSpc="1">
+            <a:prstTxWarp prst="textNoShape">
+              <a:avLst/>
+            </a:prstTxWarp>
+            <a:noAutofit/>
+          </a:bodyPr>
+          <a:lstStyle/>
+          <a:p>
+            <a:pPr algn="ctr"/>
+            <a:r>
+              <a:rPr lang="en-US" sz="2000" dirty="0">
+                <a:solidFill>
+                  <a:schemeClr val="bg1"/>
+                </a:solidFill>
+              </a:rPr>
+              <a:t>Strings (IP </a:t>
+            </a:r>
+            <a:r>
+              <a:rPr lang="en-US" sz="2000" dirty="0" err="1">
+                <a:solidFill>
+                  <a:schemeClr val="bg1"/>
+                </a:solidFill>
+              </a:rPr>
+              <a:t>Addr</a:t>
+            </a:r>
+            <a:r>
+              <a:rPr lang="en-US" sz="2000" dirty="0">
+                <a:solidFill>
+                  <a:schemeClr val="bg1"/>
+                </a:solidFill>
+              </a:rPr>
+              <a:t> &amp; FW) – read only</a:t>
+            </a:r>
+          </a:p>
+        </p:txBody>
+      </p:sp>
     </p:spTree>
     <p:extLst>
       <p:ext uri="{BB962C8B-B14F-4D97-AF65-F5344CB8AC3E}">
@@ -8083,7 +8175,7 @@
                             </p:stCondLst>
                             <p:childTnLst>
                               <p:par>
-                                <p:cTn id="20" presetID="22" presetClass="entr" presetSubtype="2" fill="hold" grpId="0" nodeType="clickEffect">
+                                <p:cTn id="20" presetID="22" presetClass="entr" presetSubtype="8" fill="hold" grpId="0" nodeType="clickEffect">
                                   <p:stCondLst>
                                     <p:cond delay="0"/>
                                   </p:stCondLst>
@@ -8091,6 +8183,59 @@
                                     <p:set>
                                       <p:cBhvr>
                                         <p:cTn id="21" dur="1" fill="hold">
+                                          <p:stCondLst>
+                                            <p:cond delay="0"/>
+                                          </p:stCondLst>
+                                        </p:cTn>
+                                        <p:tgtEl>
+                                          <p:spTgt spid="19"/>
+                                        </p:tgtEl>
+                                        <p:attrNameLst>
+                                          <p:attrName>style.visibility</p:attrName>
+                                        </p:attrNameLst>
+                                      </p:cBhvr>
+                                      <p:to>
+                                        <p:strVal val="visible"/>
+                                      </p:to>
+                                    </p:set>
+                                    <p:animEffect transition="in" filter="wipe(left)">
+                                      <p:cBhvr>
+                                        <p:cTn id="22" dur="500"/>
+                                        <p:tgtEl>
+                                          <p:spTgt spid="19"/>
+                                        </p:tgtEl>
+                                      </p:cBhvr>
+                                    </p:animEffect>
+                                  </p:childTnLst>
+                                </p:cTn>
+                              </p:par>
+                            </p:childTnLst>
+                          </p:cTn>
+                        </p:par>
+                      </p:childTnLst>
+                    </p:cTn>
+                  </p:par>
+                  <p:par>
+                    <p:cTn id="23" fill="hold">
+                      <p:stCondLst>
+                        <p:cond delay="indefinite"/>
+                      </p:stCondLst>
+                      <p:childTnLst>
+                        <p:par>
+                          <p:cTn id="24" fill="hold">
+                            <p:stCondLst>
+                              <p:cond delay="0"/>
+                            </p:stCondLst>
+                            <p:childTnLst>
+                              <p:par>
+                                <p:cTn id="25" presetID="22" presetClass="entr" presetSubtype="2" fill="hold" grpId="0" nodeType="clickEffect">
+                                  <p:stCondLst>
+                                    <p:cond delay="0"/>
+                                  </p:stCondLst>
+                                  <p:childTnLst>
+                                    <p:set>
+                                      <p:cBhvr>
+                                        <p:cTn id="26" dur="1" fill="hold">
                                           <p:stCondLst>
                                             <p:cond delay="0"/>
                                           </p:stCondLst>
@@ -8108,7 +8253,7 @@
                                     </p:set>
                                     <p:animEffect transition="in" filter="wipe(right)">
                                       <p:cBhvr>
-                                        <p:cTn id="22" dur="500"/>
+                                        <p:cTn id="27" dur="500"/>
                                         <p:tgtEl>
                                           <p:spTgt spid="25"/>
                                         </p:tgtEl>
@@ -8148,6 +8293,7 @@
       <p:bldP spid="7" grpId="0" animBg="1"/>
       <p:bldP spid="10" grpId="0" animBg="1"/>
       <p:bldP spid="25" grpId="0" animBg="1"/>
+      <p:bldP spid="19" grpId="0" animBg="1"/>
     </p:bldLst>
   </p:timing>
 </p:sld>
@@ -19476,8 +19622,8 @@
         </p:nvSpPr>
         <p:spPr>
           <a:xfrm>
-            <a:off x="6512471" y="3697929"/>
-            <a:ext cx="3886957" cy="894753"/>
+            <a:off x="6512476" y="3624217"/>
+            <a:ext cx="3886957" cy="1368056"/>
           </a:xfrm>
           <a:prstGeom prst="leftArrow">
             <a:avLst/>
@@ -19513,7 +19659,9 @@
           </a:bodyPr>
           <a:lstStyle/>
           <a:p>
-            <a:pPr algn="ctr"/>
+            <a:pPr marL="457200" indent="-457200" algn="ctr">
+              <a:buAutoNum type="arabicPeriod"/>
+            </a:pPr>
             <a:r>
               <a:rPr lang="en-US" sz="2000" dirty="0">
                 <a:solidFill>
@@ -19522,7 +19670,20 @@
                 <a:latin typeface="Arial" panose="020B0604020202020204" pitchFamily="34" charset="0"/>
                 <a:cs typeface="Arial" panose="020B0604020202020204" pitchFamily="34" charset="0"/>
               </a:rPr>
-              <a:t>1. Send ASCII message</a:t>
+              <a:t>Send ASCII message</a:t>
+            </a:r>
+          </a:p>
+          <a:p>
+            <a:pPr algn="ctr"/>
+            <a:r>
+              <a:rPr lang="en-US" sz="2000" dirty="0">
+                <a:solidFill>
+                  <a:schemeClr val="tx1"/>
+                </a:solidFill>
+                <a:latin typeface="Arial" panose="020B0604020202020204" pitchFamily="34" charset="0"/>
+                <a:cs typeface="Arial" panose="020B0604020202020204" pitchFamily="34" charset="0"/>
+              </a:rPr>
+              <a:t>(1024 chars max)</a:t>
             </a:r>
           </a:p>
         </p:txBody>
@@ -28532,7 +28693,7 @@
                 <a:latin typeface="Arial" panose="020B0604020202020204" pitchFamily="34" charset="0"/>
                 <a:cs typeface="Arial" panose="020B0604020202020204" pitchFamily="34" charset="0"/>
               </a:rPr>
-              <a:t>Confirm IoT Hub receives telemetry events using Azure IoT Explorer</a:t>
+              <a:t>Confirm IoT Hub receives data using Azure IoT Explorer</a:t>
             </a:r>
           </a:p>
           <a:p>
@@ -29531,6 +29692,74 @@
 </file>
 
 <file path=customXml/item1.xml><?xml version="1.0" encoding="utf-8"?>
+<?mso-contentType ?>
+<FormTemplates xmlns="http://schemas.microsoft.com/sharepoint/v3/contenttype/forms">
+  <Display>DocumentLibraryForm</Display>
+  <Edit>DocumentLibraryForm</Edit>
+  <New>DocumentLibraryForm</New>
+</FormTemplates>
+</file>
+
+<file path=customXml/item2.xml><?xml version="1.0" encoding="utf-8"?>
+<p:properties xmlns:p="http://schemas.microsoft.com/office/2006/metadata/properties" xmlns:xsi="http://www.w3.org/2001/XMLSchema-instance" xmlns:pc="http://schemas.microsoft.com/office/infopath/2007/PartnerControls">
+  <documentManagement>
+    <Content_x0020_Archived xmlns="df7acb31-37ac-40e2-81bb-c44e3630f613">false</Content_x0020_Archived>
+    <_dlc_DocId xmlns="38ef598d-997c-498b-b737-2f6b2c50ccab">SV5CHKDEWJXD-84-133</_dlc_DocId>
+    <_dlc_DocIdUrl xmlns="38ef598d-997c-498b-b737-2f6b2c50ccab">
+      <Url>http://mchpweb-2010/marcom/home/Resources/_layouts/DocIdRedir.aspx?ID=SV5CHKDEWJXD-84-133</Url>
+      <Description>SV5CHKDEWJXD-84-133</Description>
+    </_dlc_DocIdUrl>
+  </documentManagement>
+</p:properties>
+</file>
+
+<file path=customXml/item3.xml><?xml version="1.0" encoding="utf-8"?>
+<?mso-contentType ?>
+<spe:Receivers xmlns:spe="http://schemas.microsoft.com/sharepoint/events">
+  <Receiver>
+    <Name>Document ID Generator</Name>
+    <Synchronization>Synchronous</Synchronization>
+    <Type>10001</Type>
+    <SequenceNumber>1000</SequenceNumber>
+    <Assembly>Microsoft.Office.DocumentManagement, Version=14.0.0.0, Culture=neutral, PublicKeyToken=71e9bce111e9429c</Assembly>
+    <Class>Microsoft.Office.DocumentManagement.Internal.DocIdHandler</Class>
+    <Data/>
+    <Filter/>
+  </Receiver>
+  <Receiver>
+    <Name>Document ID Generator</Name>
+    <Synchronization>Synchronous</Synchronization>
+    <Type>10002</Type>
+    <SequenceNumber>1001</SequenceNumber>
+    <Assembly>Microsoft.Office.DocumentManagement, Version=14.0.0.0, Culture=neutral, PublicKeyToken=71e9bce111e9429c</Assembly>
+    <Class>Microsoft.Office.DocumentManagement.Internal.DocIdHandler</Class>
+    <Data/>
+    <Filter/>
+  </Receiver>
+  <Receiver>
+    <Name>Document ID Generator</Name>
+    <Synchronization>Synchronous</Synchronization>
+    <Type>10004</Type>
+    <SequenceNumber>1002</SequenceNumber>
+    <Assembly>Microsoft.Office.DocumentManagement, Version=14.0.0.0, Culture=neutral, PublicKeyToken=71e9bce111e9429c</Assembly>
+    <Class>Microsoft.Office.DocumentManagement.Internal.DocIdHandler</Class>
+    <Data/>
+    <Filter/>
+  </Receiver>
+  <Receiver>
+    <Name>Document ID Generator</Name>
+    <Synchronization>Synchronous</Synchronization>
+    <Type>10006</Type>
+    <SequenceNumber>1003</SequenceNumber>
+    <Assembly>Microsoft.Office.DocumentManagement, Version=14.0.0.0, Culture=neutral, PublicKeyToken=71e9bce111e9429c</Assembly>
+    <Class>Microsoft.Office.DocumentManagement.Internal.DocIdHandler</Class>
+    <Data/>
+    <Filter/>
+  </Receiver>
+</spe:Receivers>
+</file>
+
+<file path=customXml/item4.xml><?xml version="1.0" encoding="utf-8"?>
 <ct:contentTypeSchema xmlns:ct="http://schemas.microsoft.com/office/2006/metadata/contentType" xmlns:ma="http://schemas.microsoft.com/office/2006/metadata/properties/metaAttributes" ct:_="" ma:_="" ma:contentTypeName="Document" ma:contentTypeID="0x01010006EF9829FE6FB94D84D3D1D5B1820991" ma:contentTypeVersion="2" ma:contentTypeDescription="Create a new document." ma:contentTypeScope="" ma:versionID="84d427fd2fb92a215479da5b0fe5e4ad">
   <xsd:schema xmlns:xsd="http://www.w3.org/2001/XMLSchema" xmlns:xs="http://www.w3.org/2001/XMLSchema" xmlns:p="http://schemas.microsoft.com/office/2006/metadata/properties" xmlns:ns2="38ef598d-997c-498b-b737-2f6b2c50ccab" xmlns:ns3="df7acb31-37ac-40e2-81bb-c44e3630f613" targetNamespace="http://schemas.microsoft.com/office/2006/metadata/properties" ma:root="true" ma:fieldsID="156788901a84a305ff90b9b24ba2d9fb" ns2:_="" ns3:_="">
     <xsd:import namespace="38ef598d-997c-498b-b737-2f6b2c50ccab"/>
@@ -29686,75 +29915,34 @@
 </ct:contentTypeSchema>
 </file>
 
-<file path=customXml/item2.xml><?xml version="1.0" encoding="utf-8"?>
-<?mso-contentType ?>
-<spe:Receivers xmlns:spe="http://schemas.microsoft.com/sharepoint/events">
-  <Receiver>
-    <Name>Document ID Generator</Name>
-    <Synchronization>Synchronous</Synchronization>
-    <Type>10001</Type>
-    <SequenceNumber>1000</SequenceNumber>
-    <Assembly>Microsoft.Office.DocumentManagement, Version=14.0.0.0, Culture=neutral, PublicKeyToken=71e9bce111e9429c</Assembly>
-    <Class>Microsoft.Office.DocumentManagement.Internal.DocIdHandler</Class>
-    <Data/>
-    <Filter/>
-  </Receiver>
-  <Receiver>
-    <Name>Document ID Generator</Name>
-    <Synchronization>Synchronous</Synchronization>
-    <Type>10002</Type>
-    <SequenceNumber>1001</SequenceNumber>
-    <Assembly>Microsoft.Office.DocumentManagement, Version=14.0.0.0, Culture=neutral, PublicKeyToken=71e9bce111e9429c</Assembly>
-    <Class>Microsoft.Office.DocumentManagement.Internal.DocIdHandler</Class>
-    <Data/>
-    <Filter/>
-  </Receiver>
-  <Receiver>
-    <Name>Document ID Generator</Name>
-    <Synchronization>Synchronous</Synchronization>
-    <Type>10004</Type>
-    <SequenceNumber>1002</SequenceNumber>
-    <Assembly>Microsoft.Office.DocumentManagement, Version=14.0.0.0, Culture=neutral, PublicKeyToken=71e9bce111e9429c</Assembly>
-    <Class>Microsoft.Office.DocumentManagement.Internal.DocIdHandler</Class>
-    <Data/>
-    <Filter/>
-  </Receiver>
-  <Receiver>
-    <Name>Document ID Generator</Name>
-    <Synchronization>Synchronous</Synchronization>
-    <Type>10006</Type>
-    <SequenceNumber>1003</SequenceNumber>
-    <Assembly>Microsoft.Office.DocumentManagement, Version=14.0.0.0, Culture=neutral, PublicKeyToken=71e9bce111e9429c</Assembly>
-    <Class>Microsoft.Office.DocumentManagement.Internal.DocIdHandler</Class>
-    <Data/>
-    <Filter/>
-  </Receiver>
-</spe:Receivers>
+<file path=customXml/itemProps1.xml><?xml version="1.0" encoding="utf-8"?>
+<ds:datastoreItem xmlns:ds="http://schemas.openxmlformats.org/officeDocument/2006/customXml" ds:itemID="{0CE24DD7-9317-4AD8-82D4-5A6998DA79C7}">
+  <ds:schemaRefs>
+    <ds:schemaRef ds:uri="http://schemas.microsoft.com/sharepoint/v3/contenttype/forms"/>
+  </ds:schemaRefs>
+</ds:datastoreItem>
 </file>
 
-<file path=customXml/item3.xml><?xml version="1.0" encoding="utf-8"?>
-<p:properties xmlns:p="http://schemas.microsoft.com/office/2006/metadata/properties" xmlns:xsi="http://www.w3.org/2001/XMLSchema-instance" xmlns:pc="http://schemas.microsoft.com/office/infopath/2007/PartnerControls">
-  <documentManagement>
-    <Content_x0020_Archived xmlns="df7acb31-37ac-40e2-81bb-c44e3630f613">false</Content_x0020_Archived>
-    <_dlc_DocId xmlns="38ef598d-997c-498b-b737-2f6b2c50ccab">SV5CHKDEWJXD-84-133</_dlc_DocId>
-    <_dlc_DocIdUrl xmlns="38ef598d-997c-498b-b737-2f6b2c50ccab">
-      <Url>http://mchpweb-2010/marcom/home/Resources/_layouts/DocIdRedir.aspx?ID=SV5CHKDEWJXD-84-133</Url>
-      <Description>SV5CHKDEWJXD-84-133</Description>
-    </_dlc_DocIdUrl>
-  </documentManagement>
-</p:properties>
+<file path=customXml/itemProps2.xml><?xml version="1.0" encoding="utf-8"?>
+<ds:datastoreItem xmlns:ds="http://schemas.openxmlformats.org/officeDocument/2006/customXml" ds:itemID="{15774815-801A-4D0C-AAC8-304A8EA5EAE0}">
+  <ds:schemaRefs>
+    <ds:schemaRef ds:uri="http://schemas.microsoft.com/office/2006/metadata/properties"/>
+    <ds:schemaRef ds:uri="http://schemas.microsoft.com/office/infopath/2007/PartnerControls"/>
+    <ds:schemaRef ds:uri="df7acb31-37ac-40e2-81bb-c44e3630f613"/>
+    <ds:schemaRef ds:uri="38ef598d-997c-498b-b737-2f6b2c50ccab"/>
+  </ds:schemaRefs>
+</ds:datastoreItem>
 </file>
 
-<file path=customXml/item4.xml><?xml version="1.0" encoding="utf-8"?>
-<?mso-contentType ?>
-<FormTemplates xmlns="http://schemas.microsoft.com/sharepoint/v3/contenttype/forms">
-  <Display>DocumentLibraryForm</Display>
-  <Edit>DocumentLibraryForm</Edit>
-  <New>DocumentLibraryForm</New>
-</FormTemplates>
+<file path=customXml/itemProps3.xml><?xml version="1.0" encoding="utf-8"?>
+<ds:datastoreItem xmlns:ds="http://schemas.openxmlformats.org/officeDocument/2006/customXml" ds:itemID="{36ECED7C-7E24-4B80-B6AD-5BF0A508FB7B}">
+  <ds:schemaRefs>
+    <ds:schemaRef ds:uri="http://schemas.microsoft.com/sharepoint/events"/>
+  </ds:schemaRefs>
+</ds:datastoreItem>
 </file>
 
-<file path=customXml/itemProps1.xml><?xml version="1.0" encoding="utf-8"?>
+<file path=customXml/itemProps4.xml><?xml version="1.0" encoding="utf-8"?>
 <ds:datastoreItem xmlns:ds="http://schemas.openxmlformats.org/officeDocument/2006/customXml" ds:itemID="{AF9647E8-EA5A-4469-8198-396AF1DA17E0}">
   <ds:schemaRefs>
     <ds:schemaRef ds:uri="http://schemas.microsoft.com/office/2006/metadata/contentType"/>
@@ -29771,31 +29959,4 @@
     <ds:schemaRef ds:uri="http://schemas.microsoft.com/internal/obd"/>
   </ds:schemaRefs>
 </ds:datastoreItem>
-</file>
-
-<file path=customXml/itemProps2.xml><?xml version="1.0" encoding="utf-8"?>
-<ds:datastoreItem xmlns:ds="http://schemas.openxmlformats.org/officeDocument/2006/customXml" ds:itemID="{36ECED7C-7E24-4B80-B6AD-5BF0A508FB7B}">
-  <ds:schemaRefs>
-    <ds:schemaRef ds:uri="http://schemas.microsoft.com/sharepoint/events"/>
-  </ds:schemaRefs>
-</ds:datastoreItem>
-</file>
-
-<file path=customXml/itemProps3.xml><?xml version="1.0" encoding="utf-8"?>
-<ds:datastoreItem xmlns:ds="http://schemas.openxmlformats.org/officeDocument/2006/customXml" ds:itemID="{15774815-801A-4D0C-AAC8-304A8EA5EAE0}">
-  <ds:schemaRefs>
-    <ds:schemaRef ds:uri="http://schemas.microsoft.com/office/2006/metadata/properties"/>
-    <ds:schemaRef ds:uri="http://schemas.microsoft.com/office/infopath/2007/PartnerControls"/>
-    <ds:schemaRef ds:uri="df7acb31-37ac-40e2-81bb-c44e3630f613"/>
-    <ds:schemaRef ds:uri="38ef598d-997c-498b-b737-2f6b2c50ccab"/>
-  </ds:schemaRefs>
-</ds:datastoreItem>
-</file>
-
-<file path=customXml/itemProps4.xml><?xml version="1.0" encoding="utf-8"?>
-<ds:datastoreItem xmlns:ds="http://schemas.openxmlformats.org/officeDocument/2006/customXml" ds:itemID="{0CE24DD7-9317-4AD8-82D4-5A6998DA79C7}">
-  <ds:schemaRefs>
-    <ds:schemaRef ds:uri="http://schemas.microsoft.com/sharepoint/v3/contenttype/forms"/>
-  </ds:schemaRefs>
-</ds:datastoreItem>
 </file>
--- a/AO-Smith-MSFT-MCHP-r6.pptx
+++ b/AO-Smith-MSFT-MCHP-r6.pptx
@@ -10295,7 +10295,7 @@
           <p:nvPr>
             <p:extLst>
               <p:ext uri="{D42A27DB-BD31-4B8C-83A1-F6EECF244321}">
-                <p14:modId xmlns:p14="http://schemas.microsoft.com/office/powerpoint/2010/main" val="2701755782"/>
+                <p14:modId xmlns:p14="http://schemas.microsoft.com/office/powerpoint/2010/main" val="2444640454"/>
               </p:ext>
             </p:extLst>
           </p:nvPr>
@@ -10427,10 +10427,10 @@
                         </a:spcAft>
                       </a:pPr>
                       <a:r>
-                        <a:rPr lang="en-US" sz="1200" dirty="0" err="1">
+                        <a:rPr lang="en-US" sz="1200" dirty="0">
                           <a:effectLst/>
                         </a:rPr>
-                        <a:t>displayName</a:t>
+                        <a:t>name</a:t>
                       </a:r>
                       <a:endParaRPr lang="en-US" sz="1200" dirty="0">
                         <a:effectLst/>
@@ -15636,7 +15636,7 @@
           <p:nvPr>
             <p:extLst>
               <p:ext uri="{D42A27DB-BD31-4B8C-83A1-F6EECF244321}">
-                <p14:modId xmlns:p14="http://schemas.microsoft.com/office/powerpoint/2010/main" val="3191191666"/>
+                <p14:modId xmlns:p14="http://schemas.microsoft.com/office/powerpoint/2010/main" val="2554859071"/>
               </p:ext>
             </p:extLst>
           </p:nvPr>
@@ -15761,16 +15761,10 @@
                         </a:spcAft>
                       </a:pPr>
                       <a:r>
-                        <a:rPr lang="en-US" sz="1200" dirty="0" err="1">
-                          <a:effectLst/>
-                        </a:rPr>
-                        <a:t>displayName</a:t>
-                      </a:r>
-                      <a:r>
                         <a:rPr lang="en-US" sz="1200" dirty="0">
                           <a:effectLst/>
                         </a:rPr>
-                        <a:t> / name</a:t>
+                        <a:t>name</a:t>
                       </a:r>
                       <a:endParaRPr lang="en-US" sz="1200" dirty="0">
                         <a:effectLst/>
@@ -16068,12 +16062,12 @@
                         </a:spcAft>
                       </a:pPr>
                       <a:r>
-                        <a:rPr lang="en-US" sz="1200">
+                        <a:rPr lang="en-US" sz="1200" dirty="0">
                           <a:effectLst/>
                         </a:rPr>
                         <a:t>property_2</a:t>
                       </a:r>
-                      <a:endParaRPr lang="en-US" sz="1200">
+                      <a:endParaRPr lang="en-US" sz="1200" dirty="0">
                         <a:effectLst/>
                         <a:latin typeface="Calibri" panose="020F0502020204030204" pitchFamily="34" charset="0"/>
                         <a:ea typeface="Calibri" panose="020F0502020204030204" pitchFamily="34" charset="0"/>
@@ -29692,74 +29686,6 @@
 </file>
 
 <file path=customXml/item1.xml><?xml version="1.0" encoding="utf-8"?>
-<?mso-contentType ?>
-<FormTemplates xmlns="http://schemas.microsoft.com/sharepoint/v3/contenttype/forms">
-  <Display>DocumentLibraryForm</Display>
-  <Edit>DocumentLibraryForm</Edit>
-  <New>DocumentLibraryForm</New>
-</FormTemplates>
-</file>
-
-<file path=customXml/item2.xml><?xml version="1.0" encoding="utf-8"?>
-<p:properties xmlns:p="http://schemas.microsoft.com/office/2006/metadata/properties" xmlns:xsi="http://www.w3.org/2001/XMLSchema-instance" xmlns:pc="http://schemas.microsoft.com/office/infopath/2007/PartnerControls">
-  <documentManagement>
-    <Content_x0020_Archived xmlns="df7acb31-37ac-40e2-81bb-c44e3630f613">false</Content_x0020_Archived>
-    <_dlc_DocId xmlns="38ef598d-997c-498b-b737-2f6b2c50ccab">SV5CHKDEWJXD-84-133</_dlc_DocId>
-    <_dlc_DocIdUrl xmlns="38ef598d-997c-498b-b737-2f6b2c50ccab">
-      <Url>http://mchpweb-2010/marcom/home/Resources/_layouts/DocIdRedir.aspx?ID=SV5CHKDEWJXD-84-133</Url>
-      <Description>SV5CHKDEWJXD-84-133</Description>
-    </_dlc_DocIdUrl>
-  </documentManagement>
-</p:properties>
-</file>
-
-<file path=customXml/item3.xml><?xml version="1.0" encoding="utf-8"?>
-<?mso-contentType ?>
-<spe:Receivers xmlns:spe="http://schemas.microsoft.com/sharepoint/events">
-  <Receiver>
-    <Name>Document ID Generator</Name>
-    <Synchronization>Synchronous</Synchronization>
-    <Type>10001</Type>
-    <SequenceNumber>1000</SequenceNumber>
-    <Assembly>Microsoft.Office.DocumentManagement, Version=14.0.0.0, Culture=neutral, PublicKeyToken=71e9bce111e9429c</Assembly>
-    <Class>Microsoft.Office.DocumentManagement.Internal.DocIdHandler</Class>
-    <Data/>
-    <Filter/>
-  </Receiver>
-  <Receiver>
-    <Name>Document ID Generator</Name>
-    <Synchronization>Synchronous</Synchronization>
-    <Type>10002</Type>
-    <SequenceNumber>1001</SequenceNumber>
-    <Assembly>Microsoft.Office.DocumentManagement, Version=14.0.0.0, Culture=neutral, PublicKeyToken=71e9bce111e9429c</Assembly>
-    <Class>Microsoft.Office.DocumentManagement.Internal.DocIdHandler</Class>
-    <Data/>
-    <Filter/>
-  </Receiver>
-  <Receiver>
-    <Name>Document ID Generator</Name>
-    <Synchronization>Synchronous</Synchronization>
-    <Type>10004</Type>
-    <SequenceNumber>1002</SequenceNumber>
-    <Assembly>Microsoft.Office.DocumentManagement, Version=14.0.0.0, Culture=neutral, PublicKeyToken=71e9bce111e9429c</Assembly>
-    <Class>Microsoft.Office.DocumentManagement.Internal.DocIdHandler</Class>
-    <Data/>
-    <Filter/>
-  </Receiver>
-  <Receiver>
-    <Name>Document ID Generator</Name>
-    <Synchronization>Synchronous</Synchronization>
-    <Type>10006</Type>
-    <SequenceNumber>1003</SequenceNumber>
-    <Assembly>Microsoft.Office.DocumentManagement, Version=14.0.0.0, Culture=neutral, PublicKeyToken=71e9bce111e9429c</Assembly>
-    <Class>Microsoft.Office.DocumentManagement.Internal.DocIdHandler</Class>
-    <Data/>
-    <Filter/>
-  </Receiver>
-</spe:Receivers>
-</file>
-
-<file path=customXml/item4.xml><?xml version="1.0" encoding="utf-8"?>
 <ct:contentTypeSchema xmlns:ct="http://schemas.microsoft.com/office/2006/metadata/contentType" xmlns:ma="http://schemas.microsoft.com/office/2006/metadata/properties/metaAttributes" ct:_="" ma:_="" ma:contentTypeName="Document" ma:contentTypeID="0x01010006EF9829FE6FB94D84D3D1D5B1820991" ma:contentTypeVersion="2" ma:contentTypeDescription="Create a new document." ma:contentTypeScope="" ma:versionID="84d427fd2fb92a215479da5b0fe5e4ad">
   <xsd:schema xmlns:xsd="http://www.w3.org/2001/XMLSchema" xmlns:xs="http://www.w3.org/2001/XMLSchema" xmlns:p="http://schemas.microsoft.com/office/2006/metadata/properties" xmlns:ns2="38ef598d-997c-498b-b737-2f6b2c50ccab" xmlns:ns3="df7acb31-37ac-40e2-81bb-c44e3630f613" targetNamespace="http://schemas.microsoft.com/office/2006/metadata/properties" ma:root="true" ma:fieldsID="156788901a84a305ff90b9b24ba2d9fb" ns2:_="" ns3:_="">
     <xsd:import namespace="38ef598d-997c-498b-b737-2f6b2c50ccab"/>
@@ -29915,34 +29841,75 @@
 </ct:contentTypeSchema>
 </file>
 
-<file path=customXml/itemProps1.xml><?xml version="1.0" encoding="utf-8"?>
-<ds:datastoreItem xmlns:ds="http://schemas.openxmlformats.org/officeDocument/2006/customXml" ds:itemID="{0CE24DD7-9317-4AD8-82D4-5A6998DA79C7}">
-  <ds:schemaRefs>
-    <ds:schemaRef ds:uri="http://schemas.microsoft.com/sharepoint/v3/contenttype/forms"/>
-  </ds:schemaRefs>
-</ds:datastoreItem>
+<file path=customXml/item2.xml><?xml version="1.0" encoding="utf-8"?>
+<?mso-contentType ?>
+<spe:Receivers xmlns:spe="http://schemas.microsoft.com/sharepoint/events">
+  <Receiver>
+    <Name>Document ID Generator</Name>
+    <Synchronization>Synchronous</Synchronization>
+    <Type>10001</Type>
+    <SequenceNumber>1000</SequenceNumber>
+    <Assembly>Microsoft.Office.DocumentManagement, Version=14.0.0.0, Culture=neutral, PublicKeyToken=71e9bce111e9429c</Assembly>
+    <Class>Microsoft.Office.DocumentManagement.Internal.DocIdHandler</Class>
+    <Data/>
+    <Filter/>
+  </Receiver>
+  <Receiver>
+    <Name>Document ID Generator</Name>
+    <Synchronization>Synchronous</Synchronization>
+    <Type>10002</Type>
+    <SequenceNumber>1001</SequenceNumber>
+    <Assembly>Microsoft.Office.DocumentManagement, Version=14.0.0.0, Culture=neutral, PublicKeyToken=71e9bce111e9429c</Assembly>
+    <Class>Microsoft.Office.DocumentManagement.Internal.DocIdHandler</Class>
+    <Data/>
+    <Filter/>
+  </Receiver>
+  <Receiver>
+    <Name>Document ID Generator</Name>
+    <Synchronization>Synchronous</Synchronization>
+    <Type>10004</Type>
+    <SequenceNumber>1002</SequenceNumber>
+    <Assembly>Microsoft.Office.DocumentManagement, Version=14.0.0.0, Culture=neutral, PublicKeyToken=71e9bce111e9429c</Assembly>
+    <Class>Microsoft.Office.DocumentManagement.Internal.DocIdHandler</Class>
+    <Data/>
+    <Filter/>
+  </Receiver>
+  <Receiver>
+    <Name>Document ID Generator</Name>
+    <Synchronization>Synchronous</Synchronization>
+    <Type>10006</Type>
+    <SequenceNumber>1003</SequenceNumber>
+    <Assembly>Microsoft.Office.DocumentManagement, Version=14.0.0.0, Culture=neutral, PublicKeyToken=71e9bce111e9429c</Assembly>
+    <Class>Microsoft.Office.DocumentManagement.Internal.DocIdHandler</Class>
+    <Data/>
+    <Filter/>
+  </Receiver>
+</spe:Receivers>
 </file>
 
-<file path=customXml/itemProps2.xml><?xml version="1.0" encoding="utf-8"?>
-<ds:datastoreItem xmlns:ds="http://schemas.openxmlformats.org/officeDocument/2006/customXml" ds:itemID="{15774815-801A-4D0C-AAC8-304A8EA5EAE0}">
-  <ds:schemaRefs>
-    <ds:schemaRef ds:uri="http://schemas.microsoft.com/office/2006/metadata/properties"/>
-    <ds:schemaRef ds:uri="http://schemas.microsoft.com/office/infopath/2007/PartnerControls"/>
-    <ds:schemaRef ds:uri="df7acb31-37ac-40e2-81bb-c44e3630f613"/>
-    <ds:schemaRef ds:uri="38ef598d-997c-498b-b737-2f6b2c50ccab"/>
-  </ds:schemaRefs>
-</ds:datastoreItem>
+<file path=customXml/item3.xml><?xml version="1.0" encoding="utf-8"?>
+<p:properties xmlns:p="http://schemas.microsoft.com/office/2006/metadata/properties" xmlns:xsi="http://www.w3.org/2001/XMLSchema-instance" xmlns:pc="http://schemas.microsoft.com/office/infopath/2007/PartnerControls">
+  <documentManagement>
+    <Content_x0020_Archived xmlns="df7acb31-37ac-40e2-81bb-c44e3630f613">false</Content_x0020_Archived>
+    <_dlc_DocId xmlns="38ef598d-997c-498b-b737-2f6b2c50ccab">SV5CHKDEWJXD-84-133</_dlc_DocId>
+    <_dlc_DocIdUrl xmlns="38ef598d-997c-498b-b737-2f6b2c50ccab">
+      <Url>http://mchpweb-2010/marcom/home/Resources/_layouts/DocIdRedir.aspx?ID=SV5CHKDEWJXD-84-133</Url>
+      <Description>SV5CHKDEWJXD-84-133</Description>
+    </_dlc_DocIdUrl>
+  </documentManagement>
+</p:properties>
 </file>
 
-<file path=customXml/itemProps3.xml><?xml version="1.0" encoding="utf-8"?>
-<ds:datastoreItem xmlns:ds="http://schemas.openxmlformats.org/officeDocument/2006/customXml" ds:itemID="{36ECED7C-7E24-4B80-B6AD-5BF0A508FB7B}">
-  <ds:schemaRefs>
-    <ds:schemaRef ds:uri="http://schemas.microsoft.com/sharepoint/events"/>
-  </ds:schemaRefs>
-</ds:datastoreItem>
+<file path=customXml/item4.xml><?xml version="1.0" encoding="utf-8"?>
+<?mso-contentType ?>
+<FormTemplates xmlns="http://schemas.microsoft.com/sharepoint/v3/contenttype/forms">
+  <Display>DocumentLibraryForm</Display>
+  <Edit>DocumentLibraryForm</Edit>
+  <New>DocumentLibraryForm</New>
+</FormTemplates>
 </file>
 
-<file path=customXml/itemProps4.xml><?xml version="1.0" encoding="utf-8"?>
+<file path=customXml/itemProps1.xml><?xml version="1.0" encoding="utf-8"?>
 <ds:datastoreItem xmlns:ds="http://schemas.openxmlformats.org/officeDocument/2006/customXml" ds:itemID="{AF9647E8-EA5A-4469-8198-396AF1DA17E0}">
   <ds:schemaRefs>
     <ds:schemaRef ds:uri="http://schemas.microsoft.com/office/2006/metadata/contentType"/>
@@ -29959,4 +29926,31 @@
     <ds:schemaRef ds:uri="http://schemas.microsoft.com/internal/obd"/>
   </ds:schemaRefs>
 </ds:datastoreItem>
+</file>
+
+<file path=customXml/itemProps2.xml><?xml version="1.0" encoding="utf-8"?>
+<ds:datastoreItem xmlns:ds="http://schemas.openxmlformats.org/officeDocument/2006/customXml" ds:itemID="{36ECED7C-7E24-4B80-B6AD-5BF0A508FB7B}">
+  <ds:schemaRefs>
+    <ds:schemaRef ds:uri="http://schemas.microsoft.com/sharepoint/events"/>
+  </ds:schemaRefs>
+</ds:datastoreItem>
+</file>
+
+<file path=customXml/itemProps3.xml><?xml version="1.0" encoding="utf-8"?>
+<ds:datastoreItem xmlns:ds="http://schemas.openxmlformats.org/officeDocument/2006/customXml" ds:itemID="{15774815-801A-4D0C-AAC8-304A8EA5EAE0}">
+  <ds:schemaRefs>
+    <ds:schemaRef ds:uri="http://schemas.microsoft.com/office/2006/metadata/properties"/>
+    <ds:schemaRef ds:uri="http://schemas.microsoft.com/office/infopath/2007/PartnerControls"/>
+    <ds:schemaRef ds:uri="df7acb31-37ac-40e2-81bb-c44e3630f613"/>
+    <ds:schemaRef ds:uri="38ef598d-997c-498b-b737-2f6b2c50ccab"/>
+  </ds:schemaRefs>
+</ds:datastoreItem>
+</file>
+
+<file path=customXml/itemProps4.xml><?xml version="1.0" encoding="utf-8"?>
+<ds:datastoreItem xmlns:ds="http://schemas.openxmlformats.org/officeDocument/2006/customXml" ds:itemID="{0CE24DD7-9317-4AD8-82D4-5A6998DA79C7}">
+  <ds:schemaRefs>
+    <ds:schemaRef ds:uri="http://schemas.microsoft.com/sharepoint/v3/contenttype/forms"/>
+  </ds:schemaRefs>
+</ds:datastoreItem>
 </file>
--- a/AO-Smith-MSFT-MCHP-r6.pptx
+++ b/AO-Smith-MSFT-MCHP-r6.pptx
@@ -5415,7 +5415,7 @@
         </p:nvSpPr>
         <p:spPr>
           <a:xfrm>
-            <a:off x="8868089" y="2067339"/>
+            <a:off x="8762984" y="2067339"/>
             <a:ext cx="3257315" cy="1546325"/>
           </a:xfrm>
           <a:prstGeom prst="cloud">
@@ -6365,7 +6365,7 @@
         </p:nvSpPr>
         <p:spPr>
           <a:xfrm>
-            <a:off x="4920258" y="2490378"/>
+            <a:off x="4836178" y="2490378"/>
             <a:ext cx="4193625" cy="902958"/>
           </a:xfrm>
           <a:prstGeom prst="leftRightArrow">
@@ -29686,6 +29686,74 @@
 </file>
 
 <file path=customXml/item1.xml><?xml version="1.0" encoding="utf-8"?>
+<?mso-contentType ?>
+<FormTemplates xmlns="http://schemas.microsoft.com/sharepoint/v3/contenttype/forms">
+  <Display>DocumentLibraryForm</Display>
+  <Edit>DocumentLibraryForm</Edit>
+  <New>DocumentLibraryForm</New>
+</FormTemplates>
+</file>
+
+<file path=customXml/item2.xml><?xml version="1.0" encoding="utf-8"?>
+<p:properties xmlns:p="http://schemas.microsoft.com/office/2006/metadata/properties" xmlns:xsi="http://www.w3.org/2001/XMLSchema-instance" xmlns:pc="http://schemas.microsoft.com/office/infopath/2007/PartnerControls">
+  <documentManagement>
+    <Content_x0020_Archived xmlns="df7acb31-37ac-40e2-81bb-c44e3630f613">false</Content_x0020_Archived>
+    <_dlc_DocId xmlns="38ef598d-997c-498b-b737-2f6b2c50ccab">SV5CHKDEWJXD-84-133</_dlc_DocId>
+    <_dlc_DocIdUrl xmlns="38ef598d-997c-498b-b737-2f6b2c50ccab">
+      <Url>http://mchpweb-2010/marcom/home/Resources/_layouts/DocIdRedir.aspx?ID=SV5CHKDEWJXD-84-133</Url>
+      <Description>SV5CHKDEWJXD-84-133</Description>
+    </_dlc_DocIdUrl>
+  </documentManagement>
+</p:properties>
+</file>
+
+<file path=customXml/item3.xml><?xml version="1.0" encoding="utf-8"?>
+<?mso-contentType ?>
+<spe:Receivers xmlns:spe="http://schemas.microsoft.com/sharepoint/events">
+  <Receiver>
+    <Name>Document ID Generator</Name>
+    <Synchronization>Synchronous</Synchronization>
+    <Type>10001</Type>
+    <SequenceNumber>1000</SequenceNumber>
+    <Assembly>Microsoft.Office.DocumentManagement, Version=14.0.0.0, Culture=neutral, PublicKeyToken=71e9bce111e9429c</Assembly>
+    <Class>Microsoft.Office.DocumentManagement.Internal.DocIdHandler</Class>
+    <Data/>
+    <Filter/>
+  </Receiver>
+  <Receiver>
+    <Name>Document ID Generator</Name>
+    <Synchronization>Synchronous</Synchronization>
+    <Type>10002</Type>
+    <SequenceNumber>1001</SequenceNumber>
+    <Assembly>Microsoft.Office.DocumentManagement, Version=14.0.0.0, Culture=neutral, PublicKeyToken=71e9bce111e9429c</Assembly>
+    <Class>Microsoft.Office.DocumentManagement.Internal.DocIdHandler</Class>
+    <Data/>
+    <Filter/>
+  </Receiver>
+  <Receiver>
+    <Name>Document ID Generator</Name>
+    <Synchronization>Synchronous</Synchronization>
+    <Type>10004</Type>
+    <SequenceNumber>1002</SequenceNumber>
+    <Assembly>Microsoft.Office.DocumentManagement, Version=14.0.0.0, Culture=neutral, PublicKeyToken=71e9bce111e9429c</Assembly>
+    <Class>Microsoft.Office.DocumentManagement.Internal.DocIdHandler</Class>
+    <Data/>
+    <Filter/>
+  </Receiver>
+  <Receiver>
+    <Name>Document ID Generator</Name>
+    <Synchronization>Synchronous</Synchronization>
+    <Type>10006</Type>
+    <SequenceNumber>1003</SequenceNumber>
+    <Assembly>Microsoft.Office.DocumentManagement, Version=14.0.0.0, Culture=neutral, PublicKeyToken=71e9bce111e9429c</Assembly>
+    <Class>Microsoft.Office.DocumentManagement.Internal.DocIdHandler</Class>
+    <Data/>
+    <Filter/>
+  </Receiver>
+</spe:Receivers>
+</file>
+
+<file path=customXml/item4.xml><?xml version="1.0" encoding="utf-8"?>
 <ct:contentTypeSchema xmlns:ct="http://schemas.microsoft.com/office/2006/metadata/contentType" xmlns:ma="http://schemas.microsoft.com/office/2006/metadata/properties/metaAttributes" ct:_="" ma:_="" ma:contentTypeName="Document" ma:contentTypeID="0x01010006EF9829FE6FB94D84D3D1D5B1820991" ma:contentTypeVersion="2" ma:contentTypeDescription="Create a new document." ma:contentTypeScope="" ma:versionID="84d427fd2fb92a215479da5b0fe5e4ad">
   <xsd:schema xmlns:xsd="http://www.w3.org/2001/XMLSchema" xmlns:xs="http://www.w3.org/2001/XMLSchema" xmlns:p="http://schemas.microsoft.com/office/2006/metadata/properties" xmlns:ns2="38ef598d-997c-498b-b737-2f6b2c50ccab" xmlns:ns3="df7acb31-37ac-40e2-81bb-c44e3630f613" targetNamespace="http://schemas.microsoft.com/office/2006/metadata/properties" ma:root="true" ma:fieldsID="156788901a84a305ff90b9b24ba2d9fb" ns2:_="" ns3:_="">
     <xsd:import namespace="38ef598d-997c-498b-b737-2f6b2c50ccab"/>
@@ -29841,75 +29909,34 @@
 </ct:contentTypeSchema>
 </file>
 
-<file path=customXml/item2.xml><?xml version="1.0" encoding="utf-8"?>
-<?mso-contentType ?>
-<spe:Receivers xmlns:spe="http://schemas.microsoft.com/sharepoint/events">
-  <Receiver>
-    <Name>Document ID Generator</Name>
-    <Synchronization>Synchronous</Synchronization>
-    <Type>10001</Type>
-    <SequenceNumber>1000</SequenceNumber>
-    <Assembly>Microsoft.Office.DocumentManagement, Version=14.0.0.0, Culture=neutral, PublicKeyToken=71e9bce111e9429c</Assembly>
-    <Class>Microsoft.Office.DocumentManagement.Internal.DocIdHandler</Class>
-    <Data/>
-    <Filter/>
-  </Receiver>
-  <Receiver>
-    <Name>Document ID Generator</Name>
-    <Synchronization>Synchronous</Synchronization>
-    <Type>10002</Type>
-    <SequenceNumber>1001</SequenceNumber>
-    <Assembly>Microsoft.Office.DocumentManagement, Version=14.0.0.0, Culture=neutral, PublicKeyToken=71e9bce111e9429c</Assembly>
-    <Class>Microsoft.Office.DocumentManagement.Internal.DocIdHandler</Class>
-    <Data/>
-    <Filter/>
-  </Receiver>
-  <Receiver>
-    <Name>Document ID Generator</Name>
-    <Synchronization>Synchronous</Synchronization>
-    <Type>10004</Type>
-    <SequenceNumber>1002</SequenceNumber>
-    <Assembly>Microsoft.Office.DocumentManagement, Version=14.0.0.0, Culture=neutral, PublicKeyToken=71e9bce111e9429c</Assembly>
-    <Class>Microsoft.Office.DocumentManagement.Internal.DocIdHandler</Class>
-    <Data/>
-    <Filter/>
-  </Receiver>
-  <Receiver>
-    <Name>Document ID Generator</Name>
-    <Synchronization>Synchronous</Synchronization>
-    <Type>10006</Type>
-    <SequenceNumber>1003</SequenceNumber>
-    <Assembly>Microsoft.Office.DocumentManagement, Version=14.0.0.0, Culture=neutral, PublicKeyToken=71e9bce111e9429c</Assembly>
-    <Class>Microsoft.Office.DocumentManagement.Internal.DocIdHandler</Class>
-    <Data/>
-    <Filter/>
-  </Receiver>
-</spe:Receivers>
+<file path=customXml/itemProps1.xml><?xml version="1.0" encoding="utf-8"?>
+<ds:datastoreItem xmlns:ds="http://schemas.openxmlformats.org/officeDocument/2006/customXml" ds:itemID="{0CE24DD7-9317-4AD8-82D4-5A6998DA79C7}">
+  <ds:schemaRefs>
+    <ds:schemaRef ds:uri="http://schemas.microsoft.com/sharepoint/v3/contenttype/forms"/>
+  </ds:schemaRefs>
+</ds:datastoreItem>
 </file>
 
-<file path=customXml/item3.xml><?xml version="1.0" encoding="utf-8"?>
-<p:properties xmlns:p="http://schemas.microsoft.com/office/2006/metadata/properties" xmlns:xsi="http://www.w3.org/2001/XMLSchema-instance" xmlns:pc="http://schemas.microsoft.com/office/infopath/2007/PartnerControls">
-  <documentManagement>
-    <Content_x0020_Archived xmlns="df7acb31-37ac-40e2-81bb-c44e3630f613">false</Content_x0020_Archived>
-    <_dlc_DocId xmlns="38ef598d-997c-498b-b737-2f6b2c50ccab">SV5CHKDEWJXD-84-133</_dlc_DocId>
-    <_dlc_DocIdUrl xmlns="38ef598d-997c-498b-b737-2f6b2c50ccab">
-      <Url>http://mchpweb-2010/marcom/home/Resources/_layouts/DocIdRedir.aspx?ID=SV5CHKDEWJXD-84-133</Url>
-      <Description>SV5CHKDEWJXD-84-133</Description>
-    </_dlc_DocIdUrl>
-  </documentManagement>
-</p:properties>
+<file path=customXml/itemProps2.xml><?xml version="1.0" encoding="utf-8"?>
+<ds:datastoreItem xmlns:ds="http://schemas.openxmlformats.org/officeDocument/2006/customXml" ds:itemID="{15774815-801A-4D0C-AAC8-304A8EA5EAE0}">
+  <ds:schemaRefs>
+    <ds:schemaRef ds:uri="http://schemas.microsoft.com/office/2006/metadata/properties"/>
+    <ds:schemaRef ds:uri="http://schemas.microsoft.com/office/infopath/2007/PartnerControls"/>
+    <ds:schemaRef ds:uri="df7acb31-37ac-40e2-81bb-c44e3630f613"/>
+    <ds:schemaRef ds:uri="38ef598d-997c-498b-b737-2f6b2c50ccab"/>
+  </ds:schemaRefs>
+</ds:datastoreItem>
 </file>
 
-<file path=customXml/item4.xml><?xml version="1.0" encoding="utf-8"?>
-<?mso-contentType ?>
-<FormTemplates xmlns="http://schemas.microsoft.com/sharepoint/v3/contenttype/forms">
-  <Display>DocumentLibraryForm</Display>
-  <Edit>DocumentLibraryForm</Edit>
-  <New>DocumentLibraryForm</New>
-</FormTemplates>
+<file path=customXml/itemProps3.xml><?xml version="1.0" encoding="utf-8"?>
+<ds:datastoreItem xmlns:ds="http://schemas.openxmlformats.org/officeDocument/2006/customXml" ds:itemID="{36ECED7C-7E24-4B80-B6AD-5BF0A508FB7B}">
+  <ds:schemaRefs>
+    <ds:schemaRef ds:uri="http://schemas.microsoft.com/sharepoint/events"/>
+  </ds:schemaRefs>
+</ds:datastoreItem>
 </file>
 
-<file path=customXml/itemProps1.xml><?xml version="1.0" encoding="utf-8"?>
+<file path=customXml/itemProps4.xml><?xml version="1.0" encoding="utf-8"?>
 <ds:datastoreItem xmlns:ds="http://schemas.openxmlformats.org/officeDocument/2006/customXml" ds:itemID="{AF9647E8-EA5A-4469-8198-396AF1DA17E0}">
   <ds:schemaRefs>
     <ds:schemaRef ds:uri="http://schemas.microsoft.com/office/2006/metadata/contentType"/>
@@ -29926,31 +29953,4 @@
     <ds:schemaRef ds:uri="http://schemas.microsoft.com/internal/obd"/>
   </ds:schemaRefs>
 </ds:datastoreItem>
-</file>
-
-<file path=customXml/itemProps2.xml><?xml version="1.0" encoding="utf-8"?>
-<ds:datastoreItem xmlns:ds="http://schemas.openxmlformats.org/officeDocument/2006/customXml" ds:itemID="{36ECED7C-7E24-4B80-B6AD-5BF0A508FB7B}">
-  <ds:schemaRefs>
-    <ds:schemaRef ds:uri="http://schemas.microsoft.com/sharepoint/events"/>
-  </ds:schemaRefs>
-</ds:datastoreItem>
-</file>
-
-<file path=customXml/itemProps3.xml><?xml version="1.0" encoding="utf-8"?>
-<ds:datastoreItem xmlns:ds="http://schemas.openxmlformats.org/officeDocument/2006/customXml" ds:itemID="{15774815-801A-4D0C-AAC8-304A8EA5EAE0}">
-  <ds:schemaRefs>
-    <ds:schemaRef ds:uri="http://schemas.microsoft.com/office/2006/metadata/properties"/>
-    <ds:schemaRef ds:uri="http://schemas.microsoft.com/office/infopath/2007/PartnerControls"/>
-    <ds:schemaRef ds:uri="df7acb31-37ac-40e2-81bb-c44e3630f613"/>
-    <ds:schemaRef ds:uri="38ef598d-997c-498b-b737-2f6b2c50ccab"/>
-  </ds:schemaRefs>
-</ds:datastoreItem>
-</file>
-
-<file path=customXml/itemProps4.xml><?xml version="1.0" encoding="utf-8"?>
-<ds:datastoreItem xmlns:ds="http://schemas.openxmlformats.org/officeDocument/2006/customXml" ds:itemID="{0CE24DD7-9317-4AD8-82D4-5A6998DA79C7}">
-  <ds:schemaRefs>
-    <ds:schemaRef ds:uri="http://schemas.microsoft.com/sharepoint/v3/contenttype/forms"/>
-  </ds:schemaRefs>
-</ds:datastoreItem>
 </file>
--- a/AO-Smith-MSFT-MCHP-r6.pptx
+++ b/AO-Smith-MSFT-MCHP-r6.pptx
@@ -5865,19 +5865,19 @@
             <a:p>
               <a:r>
                 <a:rPr lang="en-US" dirty="0"/>
-                <a:t>Integers (x4)</a:t>
+                <a:t>Integers (4)</a:t>
               </a:r>
             </a:p>
             <a:p>
               <a:r>
                 <a:rPr lang="en-US" dirty="0"/>
-                <a:t>Strings (x4)</a:t>
+                <a:t>Strings (4)</a:t>
               </a:r>
             </a:p>
             <a:p>
               <a:r>
                 <a:rPr lang="en-US" dirty="0"/>
-                <a:t>Boolean</a:t>
+                <a:t>Boolean (1)</a:t>
               </a:r>
             </a:p>
           </p:txBody>
@@ -5912,19 +5912,19 @@
             <a:p>
               <a:r>
                 <a:rPr lang="en-US" dirty="0"/>
-                <a:t>Doubles (x2)</a:t>
+                <a:t>Doubles (2)</a:t>
               </a:r>
             </a:p>
             <a:p>
               <a:r>
                 <a:rPr lang="en-US" dirty="0"/>
-                <a:t>Floats (x2)</a:t>
+                <a:t>Floats (2)</a:t>
               </a:r>
             </a:p>
             <a:p>
               <a:r>
                 <a:rPr lang="en-US" dirty="0"/>
-                <a:t>Long</a:t>
+                <a:t>Long (1)</a:t>
               </a:r>
             </a:p>
           </p:txBody>
@@ -6069,7 +6069,7 @@
                     <a:schemeClr val="tx1"/>
                   </a:solidFill>
                 </a:rPr>
-                <a:t>Integers – read only by cloud (x2)</a:t>
+                <a:t>Integers – read only by cloud (2)</a:t>
               </a:r>
             </a:p>
             <a:p>
@@ -6079,7 +6079,7 @@
                     <a:schemeClr val="tx1"/>
                   </a:solidFill>
                 </a:rPr>
-                <a:t>Integers – writable by cloud (x2)</a:t>
+                <a:t>Integers – writable by cloud (2)</a:t>
               </a:r>
             </a:p>
             <a:p>
@@ -7202,7 +7202,7 @@
                   <a:schemeClr val="bg1"/>
                 </a:solidFill>
               </a:rPr>
-              <a:t>Integers – read only by cloud (x2)</a:t>
+              <a:t>Integers – read only by cloud (2)</a:t>
             </a:r>
           </a:p>
         </p:txBody>
@@ -7265,7 +7265,7 @@
                   <a:schemeClr val="bg1"/>
                 </a:solidFill>
               </a:rPr>
-              <a:t>Integers – writable by cloud (x2)</a:t>
+              <a:t>Integers – writable by cloud (2)</a:t>
             </a:r>
           </a:p>
         </p:txBody>
@@ -7471,19 +7471,19 @@
             <a:p>
               <a:r>
                 <a:rPr lang="en-US" dirty="0"/>
-                <a:t>Integers (x4)</a:t>
+                <a:t>Integers (4)</a:t>
               </a:r>
             </a:p>
             <a:p>
               <a:r>
                 <a:rPr lang="en-US" dirty="0"/>
-                <a:t>Strings (x4)</a:t>
+                <a:t>Strings (4)</a:t>
               </a:r>
             </a:p>
             <a:p>
               <a:r>
                 <a:rPr lang="en-US" dirty="0"/>
-                <a:t>Boolean</a:t>
+                <a:t>Boolean (1)</a:t>
               </a:r>
             </a:p>
           </p:txBody>
@@ -7606,19 +7606,19 @@
             <a:p>
               <a:r>
                 <a:rPr lang="en-US" dirty="0"/>
-                <a:t>Doubles (x2)</a:t>
+                <a:t>Doubles (2)</a:t>
               </a:r>
             </a:p>
             <a:p>
               <a:r>
                 <a:rPr lang="en-US" dirty="0"/>
-                <a:t>Floats (x2)</a:t>
+                <a:t>Floats (2)</a:t>
               </a:r>
             </a:p>
             <a:p>
               <a:r>
                 <a:rPr lang="en-US" dirty="0"/>
-                <a:t>Long</a:t>
+                <a:t>Long (1)</a:t>
               </a:r>
             </a:p>
           </p:txBody>
@@ -9026,7 +9026,7 @@
           <p:nvPr>
             <p:extLst>
               <p:ext uri="{D42A27DB-BD31-4B8C-83A1-F6EECF244321}">
-                <p14:modId xmlns:p14="http://schemas.microsoft.com/office/powerpoint/2010/main" val="1360481069"/>
+                <p14:modId xmlns:p14="http://schemas.microsoft.com/office/powerpoint/2010/main" val="3037768964"/>
               </p:ext>
             </p:extLst>
           </p:nvPr>
@@ -13817,7 +13817,7 @@
         <p:spPr bwMode="auto">
           <a:xfrm>
             <a:off x="791850" y="5757401"/>
-            <a:ext cx="9395757" cy="723275"/>
+            <a:ext cx="10896566" cy="723275"/>
           </a:xfrm>
           <a:prstGeom prst="rect">
             <a:avLst/>
@@ -13920,7 +13920,7 @@
                 <a:ea typeface="Calibri" panose="020F0502020204030204" pitchFamily="34" charset="0"/>
                 <a:cs typeface="Times New Roman" panose="02020603050405020304" pitchFamily="18" charset="0"/>
               </a:rPr>
-              <a:t>For strings, each data value is the raw data byte received over the serial link (i.e. no translation from ASCII to hex is required)</a:t>
+              <a:t>For strings, each data value is the raw data byte received over the serial link (i.e. no translation from ASCII to hex is required – just pass through)</a:t>
             </a:r>
             <a:endParaRPr kumimoji="0" lang="en-US" altLang="en-US" sz="1200" b="0" i="0" u="none" strike="noStrike" cap="none" normalizeH="0" baseline="0" dirty="0">
               <a:ln>
@@ -15292,13 +15292,13 @@
         </p:nvSpPr>
         <p:spPr>
           <a:xfrm>
-            <a:off x="1432210" y="4169033"/>
-            <a:ext cx="5429744" cy="486213"/>
+            <a:off x="1432209" y="4337198"/>
+            <a:ext cx="5703865" cy="486213"/>
           </a:xfrm>
           <a:prstGeom prst="wedgeRectCallout">
             <a:avLst>
-              <a:gd name="adj1" fmla="val 10996"/>
-              <a:gd name="adj2" fmla="val -279152"/>
+              <a:gd name="adj1" fmla="val 8048"/>
+              <a:gd name="adj2" fmla="val -307254"/>
             </a:avLst>
           </a:prstGeom>
           <a:solidFill>
@@ -15340,7 +15340,7 @@
                 <a:latin typeface="Arial" panose="020B0604020202020204" pitchFamily="34" charset="0"/>
                 <a:cs typeface="Arial" panose="020B0604020202020204" pitchFamily="34" charset="0"/>
               </a:rPr>
-              <a:t>Send Telemetry Data Frames using Chip Select</a:t>
+              <a:t>Send Telemetry Data Frame after setting Chip Select</a:t>
             </a:r>
           </a:p>
         </p:txBody>
@@ -29686,74 +29686,6 @@
 </file>
 
 <file path=customXml/item1.xml><?xml version="1.0" encoding="utf-8"?>
-<?mso-contentType ?>
-<FormTemplates xmlns="http://schemas.microsoft.com/sharepoint/v3/contenttype/forms">
-  <Display>DocumentLibraryForm</Display>
-  <Edit>DocumentLibraryForm</Edit>
-  <New>DocumentLibraryForm</New>
-</FormTemplates>
-</file>
-
-<file path=customXml/item2.xml><?xml version="1.0" encoding="utf-8"?>
-<p:properties xmlns:p="http://schemas.microsoft.com/office/2006/metadata/properties" xmlns:xsi="http://www.w3.org/2001/XMLSchema-instance" xmlns:pc="http://schemas.microsoft.com/office/infopath/2007/PartnerControls">
-  <documentManagement>
-    <Content_x0020_Archived xmlns="df7acb31-37ac-40e2-81bb-c44e3630f613">false</Content_x0020_Archived>
-    <_dlc_DocId xmlns="38ef598d-997c-498b-b737-2f6b2c50ccab">SV5CHKDEWJXD-84-133</_dlc_DocId>
-    <_dlc_DocIdUrl xmlns="38ef598d-997c-498b-b737-2f6b2c50ccab">
-      <Url>http://mchpweb-2010/marcom/home/Resources/_layouts/DocIdRedir.aspx?ID=SV5CHKDEWJXD-84-133</Url>
-      <Description>SV5CHKDEWJXD-84-133</Description>
-    </_dlc_DocIdUrl>
-  </documentManagement>
-</p:properties>
-</file>
-
-<file path=customXml/item3.xml><?xml version="1.0" encoding="utf-8"?>
-<?mso-contentType ?>
-<spe:Receivers xmlns:spe="http://schemas.microsoft.com/sharepoint/events">
-  <Receiver>
-    <Name>Document ID Generator</Name>
-    <Synchronization>Synchronous</Synchronization>
-    <Type>10001</Type>
-    <SequenceNumber>1000</SequenceNumber>
-    <Assembly>Microsoft.Office.DocumentManagement, Version=14.0.0.0, Culture=neutral, PublicKeyToken=71e9bce111e9429c</Assembly>
-    <Class>Microsoft.Office.DocumentManagement.Internal.DocIdHandler</Class>
-    <Data/>
-    <Filter/>
-  </Receiver>
-  <Receiver>
-    <Name>Document ID Generator</Name>
-    <Synchronization>Synchronous</Synchronization>
-    <Type>10002</Type>
-    <SequenceNumber>1001</SequenceNumber>
-    <Assembly>Microsoft.Office.DocumentManagement, Version=14.0.0.0, Culture=neutral, PublicKeyToken=71e9bce111e9429c</Assembly>
-    <Class>Microsoft.Office.DocumentManagement.Internal.DocIdHandler</Class>
-    <Data/>
-    <Filter/>
-  </Receiver>
-  <Receiver>
-    <Name>Document ID Generator</Name>
-    <Synchronization>Synchronous</Synchronization>
-    <Type>10004</Type>
-    <SequenceNumber>1002</SequenceNumber>
-    <Assembly>Microsoft.Office.DocumentManagement, Version=14.0.0.0, Culture=neutral, PublicKeyToken=71e9bce111e9429c</Assembly>
-    <Class>Microsoft.Office.DocumentManagement.Internal.DocIdHandler</Class>
-    <Data/>
-    <Filter/>
-  </Receiver>
-  <Receiver>
-    <Name>Document ID Generator</Name>
-    <Synchronization>Synchronous</Synchronization>
-    <Type>10006</Type>
-    <SequenceNumber>1003</SequenceNumber>
-    <Assembly>Microsoft.Office.DocumentManagement, Version=14.0.0.0, Culture=neutral, PublicKeyToken=71e9bce111e9429c</Assembly>
-    <Class>Microsoft.Office.DocumentManagement.Internal.DocIdHandler</Class>
-    <Data/>
-    <Filter/>
-  </Receiver>
-</spe:Receivers>
-</file>
-
-<file path=customXml/item4.xml><?xml version="1.0" encoding="utf-8"?>
 <ct:contentTypeSchema xmlns:ct="http://schemas.microsoft.com/office/2006/metadata/contentType" xmlns:ma="http://schemas.microsoft.com/office/2006/metadata/properties/metaAttributes" ct:_="" ma:_="" ma:contentTypeName="Document" ma:contentTypeID="0x01010006EF9829FE6FB94D84D3D1D5B1820991" ma:contentTypeVersion="2" ma:contentTypeDescription="Create a new document." ma:contentTypeScope="" ma:versionID="84d427fd2fb92a215479da5b0fe5e4ad">
   <xsd:schema xmlns:xsd="http://www.w3.org/2001/XMLSchema" xmlns:xs="http://www.w3.org/2001/XMLSchema" xmlns:p="http://schemas.microsoft.com/office/2006/metadata/properties" xmlns:ns2="38ef598d-997c-498b-b737-2f6b2c50ccab" xmlns:ns3="df7acb31-37ac-40e2-81bb-c44e3630f613" targetNamespace="http://schemas.microsoft.com/office/2006/metadata/properties" ma:root="true" ma:fieldsID="156788901a84a305ff90b9b24ba2d9fb" ns2:_="" ns3:_="">
     <xsd:import namespace="38ef598d-997c-498b-b737-2f6b2c50ccab"/>
@@ -29909,34 +29841,75 @@
 </ct:contentTypeSchema>
 </file>
 
-<file path=customXml/itemProps1.xml><?xml version="1.0" encoding="utf-8"?>
-<ds:datastoreItem xmlns:ds="http://schemas.openxmlformats.org/officeDocument/2006/customXml" ds:itemID="{0CE24DD7-9317-4AD8-82D4-5A6998DA79C7}">
-  <ds:schemaRefs>
-    <ds:schemaRef ds:uri="http://schemas.microsoft.com/sharepoint/v3/contenttype/forms"/>
-  </ds:schemaRefs>
-</ds:datastoreItem>
+<file path=customXml/item2.xml><?xml version="1.0" encoding="utf-8"?>
+<?mso-contentType ?>
+<spe:Receivers xmlns:spe="http://schemas.microsoft.com/sharepoint/events">
+  <Receiver>
+    <Name>Document ID Generator</Name>
+    <Synchronization>Synchronous</Synchronization>
+    <Type>10001</Type>
+    <SequenceNumber>1000</SequenceNumber>
+    <Assembly>Microsoft.Office.DocumentManagement, Version=14.0.0.0, Culture=neutral, PublicKeyToken=71e9bce111e9429c</Assembly>
+    <Class>Microsoft.Office.DocumentManagement.Internal.DocIdHandler</Class>
+    <Data/>
+    <Filter/>
+  </Receiver>
+  <Receiver>
+    <Name>Document ID Generator</Name>
+    <Synchronization>Synchronous</Synchronization>
+    <Type>10002</Type>
+    <SequenceNumber>1001</SequenceNumber>
+    <Assembly>Microsoft.Office.DocumentManagement, Version=14.0.0.0, Culture=neutral, PublicKeyToken=71e9bce111e9429c</Assembly>
+    <Class>Microsoft.Office.DocumentManagement.Internal.DocIdHandler</Class>
+    <Data/>
+    <Filter/>
+  </Receiver>
+  <Receiver>
+    <Name>Document ID Generator</Name>
+    <Synchronization>Synchronous</Synchronization>
+    <Type>10004</Type>
+    <SequenceNumber>1002</SequenceNumber>
+    <Assembly>Microsoft.Office.DocumentManagement, Version=14.0.0.0, Culture=neutral, PublicKeyToken=71e9bce111e9429c</Assembly>
+    <Class>Microsoft.Office.DocumentManagement.Internal.DocIdHandler</Class>
+    <Data/>
+    <Filter/>
+  </Receiver>
+  <Receiver>
+    <Name>Document ID Generator</Name>
+    <Synchronization>Synchronous</Synchronization>
+    <Type>10006</Type>
+    <SequenceNumber>1003</SequenceNumber>
+    <Assembly>Microsoft.Office.DocumentManagement, Version=14.0.0.0, Culture=neutral, PublicKeyToken=71e9bce111e9429c</Assembly>
+    <Class>Microsoft.Office.DocumentManagement.Internal.DocIdHandler</Class>
+    <Data/>
+    <Filter/>
+  </Receiver>
+</spe:Receivers>
 </file>
 
-<file path=customXml/itemProps2.xml><?xml version="1.0" encoding="utf-8"?>
-<ds:datastoreItem xmlns:ds="http://schemas.openxmlformats.org/officeDocument/2006/customXml" ds:itemID="{15774815-801A-4D0C-AAC8-304A8EA5EAE0}">
-  <ds:schemaRefs>
-    <ds:schemaRef ds:uri="http://schemas.microsoft.com/office/2006/metadata/properties"/>
-    <ds:schemaRef ds:uri="http://schemas.microsoft.com/office/infopath/2007/PartnerControls"/>
-    <ds:schemaRef ds:uri="df7acb31-37ac-40e2-81bb-c44e3630f613"/>
-    <ds:schemaRef ds:uri="38ef598d-997c-498b-b737-2f6b2c50ccab"/>
-  </ds:schemaRefs>
-</ds:datastoreItem>
+<file path=customXml/item3.xml><?xml version="1.0" encoding="utf-8"?>
+<p:properties xmlns:p="http://schemas.microsoft.com/office/2006/metadata/properties" xmlns:xsi="http://www.w3.org/2001/XMLSchema-instance" xmlns:pc="http://schemas.microsoft.com/office/infopath/2007/PartnerControls">
+  <documentManagement>
+    <Content_x0020_Archived xmlns="df7acb31-37ac-40e2-81bb-c44e3630f613">false</Content_x0020_Archived>
+    <_dlc_DocId xmlns="38ef598d-997c-498b-b737-2f6b2c50ccab">SV5CHKDEWJXD-84-133</_dlc_DocId>
+    <_dlc_DocIdUrl xmlns="38ef598d-997c-498b-b737-2f6b2c50ccab">
+      <Url>http://mchpweb-2010/marcom/home/Resources/_layouts/DocIdRedir.aspx?ID=SV5CHKDEWJXD-84-133</Url>
+      <Description>SV5CHKDEWJXD-84-133</Description>
+    </_dlc_DocIdUrl>
+  </documentManagement>
+</p:properties>
 </file>
 
-<file path=customXml/itemProps3.xml><?xml version="1.0" encoding="utf-8"?>
-<ds:datastoreItem xmlns:ds="http://schemas.openxmlformats.org/officeDocument/2006/customXml" ds:itemID="{36ECED7C-7E24-4B80-B6AD-5BF0A508FB7B}">
-  <ds:schemaRefs>
-    <ds:schemaRef ds:uri="http://schemas.microsoft.com/sharepoint/events"/>
-  </ds:schemaRefs>
-</ds:datastoreItem>
+<file path=customXml/item4.xml><?xml version="1.0" encoding="utf-8"?>
+<?mso-contentType ?>
+<FormTemplates xmlns="http://schemas.microsoft.com/sharepoint/v3/contenttype/forms">
+  <Display>DocumentLibraryForm</Display>
+  <Edit>DocumentLibraryForm</Edit>
+  <New>DocumentLibraryForm</New>
+</FormTemplates>
 </file>
 
-<file path=customXml/itemProps4.xml><?xml version="1.0" encoding="utf-8"?>
+<file path=customXml/itemProps1.xml><?xml version="1.0" encoding="utf-8"?>
 <ds:datastoreItem xmlns:ds="http://schemas.openxmlformats.org/officeDocument/2006/customXml" ds:itemID="{AF9647E8-EA5A-4469-8198-396AF1DA17E0}">
   <ds:schemaRefs>
     <ds:schemaRef ds:uri="http://schemas.microsoft.com/office/2006/metadata/contentType"/>
@@ -29953,4 +29926,31 @@
     <ds:schemaRef ds:uri="http://schemas.microsoft.com/internal/obd"/>
   </ds:schemaRefs>
 </ds:datastoreItem>
+</file>
+
+<file path=customXml/itemProps2.xml><?xml version="1.0" encoding="utf-8"?>
+<ds:datastoreItem xmlns:ds="http://schemas.openxmlformats.org/officeDocument/2006/customXml" ds:itemID="{36ECED7C-7E24-4B80-B6AD-5BF0A508FB7B}">
+  <ds:schemaRefs>
+    <ds:schemaRef ds:uri="http://schemas.microsoft.com/sharepoint/events"/>
+  </ds:schemaRefs>
+</ds:datastoreItem>
+</file>
+
+<file path=customXml/itemProps3.xml><?xml version="1.0" encoding="utf-8"?>
+<ds:datastoreItem xmlns:ds="http://schemas.openxmlformats.org/officeDocument/2006/customXml" ds:itemID="{15774815-801A-4D0C-AAC8-304A8EA5EAE0}">
+  <ds:schemaRefs>
+    <ds:schemaRef ds:uri="http://schemas.microsoft.com/office/2006/metadata/properties"/>
+    <ds:schemaRef ds:uri="http://schemas.microsoft.com/office/infopath/2007/PartnerControls"/>
+    <ds:schemaRef ds:uri="df7acb31-37ac-40e2-81bb-c44e3630f613"/>
+    <ds:schemaRef ds:uri="38ef598d-997c-498b-b737-2f6b2c50ccab"/>
+  </ds:schemaRefs>
+</ds:datastoreItem>
+</file>
+
+<file path=customXml/itemProps4.xml><?xml version="1.0" encoding="utf-8"?>
+<ds:datastoreItem xmlns:ds="http://schemas.openxmlformats.org/officeDocument/2006/customXml" ds:itemID="{0CE24DD7-9317-4AD8-82D4-5A6998DA79C7}">
+  <ds:schemaRefs>
+    <ds:schemaRef ds:uri="http://schemas.microsoft.com/sharepoint/v3/contenttype/forms"/>
+  </ds:schemaRefs>
+</ds:datastoreItem>
 </file>
--- a/AO-Smith-MSFT-MCHP-r6.pptx
+++ b/AO-Smith-MSFT-MCHP-r6.pptx
@@ -6004,7 +6004,7 @@
         <p:grpSpPr>
           <a:xfrm>
             <a:off x="5930862" y="4025513"/>
-            <a:ext cx="4763155" cy="1546325"/>
+            <a:ext cx="4997333" cy="1546325"/>
             <a:chOff x="5797050" y="4027977"/>
             <a:chExt cx="4590904" cy="1055267"/>
           </a:xfrm>
@@ -6089,7 +6089,7 @@
                     <a:schemeClr val="tx1"/>
                   </a:solidFill>
                 </a:rPr>
-                <a:t>IP Address (string)</a:t>
+                <a:t>IP Address (read only string)</a:t>
               </a:r>
             </a:p>
             <a:p>
@@ -6099,7 +6099,7 @@
                     <a:schemeClr val="tx1"/>
                   </a:solidFill>
                 </a:rPr>
-                <a:t>Firmware Version (string)</a:t>
+                <a:t>Firmware Version (read only string)</a:t>
               </a:r>
             </a:p>
           </p:txBody>
@@ -7920,8 +7920,8 @@
         </p:nvSpPr>
         <p:spPr>
           <a:xfrm>
-            <a:off x="5504626" y="4288774"/>
-            <a:ext cx="3944173" cy="869918"/>
+            <a:off x="5370786" y="4288774"/>
+            <a:ext cx="4214648" cy="869918"/>
           </a:xfrm>
           <a:prstGeom prst="rightArrow">
             <a:avLst/>
@@ -7959,7 +7959,7 @@
           <a:p>
             <a:pPr algn="ctr"/>
             <a:r>
-              <a:rPr lang="en-US" sz="2000" dirty="0">
+              <a:rPr lang="en-US" sz="1800" dirty="0">
                 <a:solidFill>
                   <a:schemeClr val="bg1"/>
                 </a:solidFill>
@@ -7967,7 +7967,7 @@
               <a:t>Strings (IP </a:t>
             </a:r>
             <a:r>
-              <a:rPr lang="en-US" sz="2000" dirty="0" err="1">
+              <a:rPr lang="en-US" sz="1800" dirty="0" err="1">
                 <a:solidFill>
                   <a:schemeClr val="bg1"/>
                 </a:solidFill>
@@ -7975,12 +7975,28 @@
               <a:t>Addr</a:t>
             </a:r>
             <a:r>
-              <a:rPr lang="en-US" sz="2000" dirty="0">
+              <a:rPr lang="en-US" sz="1800" dirty="0">
                 <a:solidFill>
                   <a:schemeClr val="bg1"/>
                 </a:solidFill>
               </a:rPr>
-              <a:t> &amp; FW) – read only</a:t>
+              <a:t> &amp; FW </a:t>
+            </a:r>
+            <a:r>
+              <a:rPr lang="en-US" sz="1800" dirty="0" err="1">
+                <a:solidFill>
+                  <a:schemeClr val="bg1"/>
+                </a:solidFill>
+              </a:rPr>
+              <a:t>ver</a:t>
+            </a:r>
+            <a:r>
+              <a:rPr lang="en-US" sz="1800" dirty="0">
+                <a:solidFill>
+                  <a:schemeClr val="bg1"/>
+                </a:solidFill>
+              </a:rPr>
+              <a:t>) – read only</a:t>
             </a:r>
           </a:p>
         </p:txBody>
@@ -29686,6 +29702,74 @@
 </file>
 
 <file path=customXml/item1.xml><?xml version="1.0" encoding="utf-8"?>
+<?mso-contentType ?>
+<FormTemplates xmlns="http://schemas.microsoft.com/sharepoint/v3/contenttype/forms">
+  <Display>DocumentLibraryForm</Display>
+  <Edit>DocumentLibraryForm</Edit>
+  <New>DocumentLibraryForm</New>
+</FormTemplates>
+</file>
+
+<file path=customXml/item2.xml><?xml version="1.0" encoding="utf-8"?>
+<p:properties xmlns:p="http://schemas.microsoft.com/office/2006/metadata/properties" xmlns:xsi="http://www.w3.org/2001/XMLSchema-instance" xmlns:pc="http://schemas.microsoft.com/office/infopath/2007/PartnerControls">
+  <documentManagement>
+    <Content_x0020_Archived xmlns="df7acb31-37ac-40e2-81bb-c44e3630f613">false</Content_x0020_Archived>
+    <_dlc_DocId xmlns="38ef598d-997c-498b-b737-2f6b2c50ccab">SV5CHKDEWJXD-84-133</_dlc_DocId>
+    <_dlc_DocIdUrl xmlns="38ef598d-997c-498b-b737-2f6b2c50ccab">
+      <Url>http://mchpweb-2010/marcom/home/Resources/_layouts/DocIdRedir.aspx?ID=SV5CHKDEWJXD-84-133</Url>
+      <Description>SV5CHKDEWJXD-84-133</Description>
+    </_dlc_DocIdUrl>
+  </documentManagement>
+</p:properties>
+</file>
+
+<file path=customXml/item3.xml><?xml version="1.0" encoding="utf-8"?>
+<?mso-contentType ?>
+<spe:Receivers xmlns:spe="http://schemas.microsoft.com/sharepoint/events">
+  <Receiver>
+    <Name>Document ID Generator</Name>
+    <Synchronization>Synchronous</Synchronization>
+    <Type>10001</Type>
+    <SequenceNumber>1000</SequenceNumber>
+    <Assembly>Microsoft.Office.DocumentManagement, Version=14.0.0.0, Culture=neutral, PublicKeyToken=71e9bce111e9429c</Assembly>
+    <Class>Microsoft.Office.DocumentManagement.Internal.DocIdHandler</Class>
+    <Data/>
+    <Filter/>
+  </Receiver>
+  <Receiver>
+    <Name>Document ID Generator</Name>
+    <Synchronization>Synchronous</Synchronization>
+    <Type>10002</Type>
+    <SequenceNumber>1001</SequenceNumber>
+    <Assembly>Microsoft.Office.DocumentManagement, Version=14.0.0.0, Culture=neutral, PublicKeyToken=71e9bce111e9429c</Assembly>
+    <Class>Microsoft.Office.DocumentManagement.Internal.DocIdHandler</Class>
+    <Data/>
+    <Filter/>
+  </Receiver>
+  <Receiver>
+    <Name>Document ID Generator</Name>
+    <Synchronization>Synchronous</Synchronization>
+    <Type>10004</Type>
+    <SequenceNumber>1002</SequenceNumber>
+    <Assembly>Microsoft.Office.DocumentManagement, Version=14.0.0.0, Culture=neutral, PublicKeyToken=71e9bce111e9429c</Assembly>
+    <Class>Microsoft.Office.DocumentManagement.Internal.DocIdHandler</Class>
+    <Data/>
+    <Filter/>
+  </Receiver>
+  <Receiver>
+    <Name>Document ID Generator</Name>
+    <Synchronization>Synchronous</Synchronization>
+    <Type>10006</Type>
+    <SequenceNumber>1003</SequenceNumber>
+    <Assembly>Microsoft.Office.DocumentManagement, Version=14.0.0.0, Culture=neutral, PublicKeyToken=71e9bce111e9429c</Assembly>
+    <Class>Microsoft.Office.DocumentManagement.Internal.DocIdHandler</Class>
+    <Data/>
+    <Filter/>
+  </Receiver>
+</spe:Receivers>
+</file>
+
+<file path=customXml/item4.xml><?xml version="1.0" encoding="utf-8"?>
 <ct:contentTypeSchema xmlns:ct="http://schemas.microsoft.com/office/2006/metadata/contentType" xmlns:ma="http://schemas.microsoft.com/office/2006/metadata/properties/metaAttributes" ct:_="" ma:_="" ma:contentTypeName="Document" ma:contentTypeID="0x01010006EF9829FE6FB94D84D3D1D5B1820991" ma:contentTypeVersion="2" ma:contentTypeDescription="Create a new document." ma:contentTypeScope="" ma:versionID="84d427fd2fb92a215479da5b0fe5e4ad">
   <xsd:schema xmlns:xsd="http://www.w3.org/2001/XMLSchema" xmlns:xs="http://www.w3.org/2001/XMLSchema" xmlns:p="http://schemas.microsoft.com/office/2006/metadata/properties" xmlns:ns2="38ef598d-997c-498b-b737-2f6b2c50ccab" xmlns:ns3="df7acb31-37ac-40e2-81bb-c44e3630f613" targetNamespace="http://schemas.microsoft.com/office/2006/metadata/properties" ma:root="true" ma:fieldsID="156788901a84a305ff90b9b24ba2d9fb" ns2:_="" ns3:_="">
     <xsd:import namespace="38ef598d-997c-498b-b737-2f6b2c50ccab"/>
@@ -29841,75 +29925,34 @@
 </ct:contentTypeSchema>
 </file>
 
-<file path=customXml/item2.xml><?xml version="1.0" encoding="utf-8"?>
-<?mso-contentType ?>
-<spe:Receivers xmlns:spe="http://schemas.microsoft.com/sharepoint/events">
-  <Receiver>
-    <Name>Document ID Generator</Name>
-    <Synchronization>Synchronous</Synchronization>
-    <Type>10001</Type>
-    <SequenceNumber>1000</SequenceNumber>
-    <Assembly>Microsoft.Office.DocumentManagement, Version=14.0.0.0, Culture=neutral, PublicKeyToken=71e9bce111e9429c</Assembly>
-    <Class>Microsoft.Office.DocumentManagement.Internal.DocIdHandler</Class>
-    <Data/>
-    <Filter/>
-  </Receiver>
-  <Receiver>
-    <Name>Document ID Generator</Name>
-    <Synchronization>Synchronous</Synchronization>
-    <Type>10002</Type>
-    <SequenceNumber>1001</SequenceNumber>
-    <Assembly>Microsoft.Office.DocumentManagement, Version=14.0.0.0, Culture=neutral, PublicKeyToken=71e9bce111e9429c</Assembly>
-    <Class>Microsoft.Office.DocumentManagement.Internal.DocIdHandler</Class>
-    <Data/>
-    <Filter/>
-  </Receiver>
-  <Receiver>
-    <Name>Document ID Generator</Name>
-    <Synchronization>Synchronous</Synchronization>
-    <Type>10004</Type>
-    <SequenceNumber>1002</SequenceNumber>
-    <Assembly>Microsoft.Office.DocumentManagement, Version=14.0.0.0, Culture=neutral, PublicKeyToken=71e9bce111e9429c</Assembly>
-    <Class>Microsoft.Office.DocumentManagement.Internal.DocIdHandler</Class>
-    <Data/>
-    <Filter/>
-  </Receiver>
-  <Receiver>
-    <Name>Document ID Generator</Name>
-    <Synchronization>Synchronous</Synchronization>
-    <Type>10006</Type>
-    <SequenceNumber>1003</SequenceNumber>
-    <Assembly>Microsoft.Office.DocumentManagement, Version=14.0.0.0, Culture=neutral, PublicKeyToken=71e9bce111e9429c</Assembly>
-    <Class>Microsoft.Office.DocumentManagement.Internal.DocIdHandler</Class>
-    <Data/>
-    <Filter/>
-  </Receiver>
-</spe:Receivers>
+<file path=customXml/itemProps1.xml><?xml version="1.0" encoding="utf-8"?>
+<ds:datastoreItem xmlns:ds="http://schemas.openxmlformats.org/officeDocument/2006/customXml" ds:itemID="{0CE24DD7-9317-4AD8-82D4-5A6998DA79C7}">
+  <ds:schemaRefs>
+    <ds:schemaRef ds:uri="http://schemas.microsoft.com/sharepoint/v3/contenttype/forms"/>
+  </ds:schemaRefs>
+</ds:datastoreItem>
 </file>
 
-<file path=customXml/item3.xml><?xml version="1.0" encoding="utf-8"?>
-<p:properties xmlns:p="http://schemas.microsoft.com/office/2006/metadata/properties" xmlns:xsi="http://www.w3.org/2001/XMLSchema-instance" xmlns:pc="http://schemas.microsoft.com/office/infopath/2007/PartnerControls">
-  <documentManagement>
-    <Content_x0020_Archived xmlns="df7acb31-37ac-40e2-81bb-c44e3630f613">false</Content_x0020_Archived>
-    <_dlc_DocId xmlns="38ef598d-997c-498b-b737-2f6b2c50ccab">SV5CHKDEWJXD-84-133</_dlc_DocId>
-    <_dlc_DocIdUrl xmlns="38ef598d-997c-498b-b737-2f6b2c50ccab">
-      <Url>http://mchpweb-2010/marcom/home/Resources/_layouts/DocIdRedir.aspx?ID=SV5CHKDEWJXD-84-133</Url>
-      <Description>SV5CHKDEWJXD-84-133</Description>
-    </_dlc_DocIdUrl>
-  </documentManagement>
-</p:properties>
+<file path=customXml/itemProps2.xml><?xml version="1.0" encoding="utf-8"?>
+<ds:datastoreItem xmlns:ds="http://schemas.openxmlformats.org/officeDocument/2006/customXml" ds:itemID="{15774815-801A-4D0C-AAC8-304A8EA5EAE0}">
+  <ds:schemaRefs>
+    <ds:schemaRef ds:uri="http://schemas.microsoft.com/office/2006/metadata/properties"/>
+    <ds:schemaRef ds:uri="http://schemas.microsoft.com/office/infopath/2007/PartnerControls"/>
+    <ds:schemaRef ds:uri="df7acb31-37ac-40e2-81bb-c44e3630f613"/>
+    <ds:schemaRef ds:uri="38ef598d-997c-498b-b737-2f6b2c50ccab"/>
+  </ds:schemaRefs>
+</ds:datastoreItem>
 </file>
 
-<file path=customXml/item4.xml><?xml version="1.0" encoding="utf-8"?>
-<?mso-contentType ?>
-<FormTemplates xmlns="http://schemas.microsoft.com/sharepoint/v3/contenttype/forms">
-  <Display>DocumentLibraryForm</Display>
-  <Edit>DocumentLibraryForm</Edit>
-  <New>DocumentLibraryForm</New>
-</FormTemplates>
+<file path=customXml/itemProps3.xml><?xml version="1.0" encoding="utf-8"?>
+<ds:datastoreItem xmlns:ds="http://schemas.openxmlformats.org/officeDocument/2006/customXml" ds:itemID="{36ECED7C-7E24-4B80-B6AD-5BF0A508FB7B}">
+  <ds:schemaRefs>
+    <ds:schemaRef ds:uri="http://schemas.microsoft.com/sharepoint/events"/>
+  </ds:schemaRefs>
+</ds:datastoreItem>
 </file>
 
-<file path=customXml/itemProps1.xml><?xml version="1.0" encoding="utf-8"?>
+<file path=customXml/itemProps4.xml><?xml version="1.0" encoding="utf-8"?>
 <ds:datastoreItem xmlns:ds="http://schemas.openxmlformats.org/officeDocument/2006/customXml" ds:itemID="{AF9647E8-EA5A-4469-8198-396AF1DA17E0}">
   <ds:schemaRefs>
     <ds:schemaRef ds:uri="http://schemas.microsoft.com/office/2006/metadata/contentType"/>
@@ -29926,31 +29969,4 @@
     <ds:schemaRef ds:uri="http://schemas.microsoft.com/internal/obd"/>
   </ds:schemaRefs>
 </ds:datastoreItem>
-</file>
-
-<file path=customXml/itemProps2.xml><?xml version="1.0" encoding="utf-8"?>
-<ds:datastoreItem xmlns:ds="http://schemas.openxmlformats.org/officeDocument/2006/customXml" ds:itemID="{36ECED7C-7E24-4B80-B6AD-5BF0A508FB7B}">
-  <ds:schemaRefs>
-    <ds:schemaRef ds:uri="http://schemas.microsoft.com/sharepoint/events"/>
-  </ds:schemaRefs>
-</ds:datastoreItem>
-</file>
-
-<file path=customXml/itemProps3.xml><?xml version="1.0" encoding="utf-8"?>
-<ds:datastoreItem xmlns:ds="http://schemas.openxmlformats.org/officeDocument/2006/customXml" ds:itemID="{15774815-801A-4D0C-AAC8-304A8EA5EAE0}">
-  <ds:schemaRefs>
-    <ds:schemaRef ds:uri="http://schemas.microsoft.com/office/2006/metadata/properties"/>
-    <ds:schemaRef ds:uri="http://schemas.microsoft.com/office/infopath/2007/PartnerControls"/>
-    <ds:schemaRef ds:uri="df7acb31-37ac-40e2-81bb-c44e3630f613"/>
-    <ds:schemaRef ds:uri="38ef598d-997c-498b-b737-2f6b2c50ccab"/>
-  </ds:schemaRefs>
-</ds:datastoreItem>
-</file>
-
-<file path=customXml/itemProps4.xml><?xml version="1.0" encoding="utf-8"?>
-<ds:datastoreItem xmlns:ds="http://schemas.openxmlformats.org/officeDocument/2006/customXml" ds:itemID="{0CE24DD7-9317-4AD8-82D4-5A6998DA79C7}">
-  <ds:schemaRefs>
-    <ds:schemaRef ds:uri="http://schemas.microsoft.com/sharepoint/v3/contenttype/forms"/>
-  </ds:schemaRefs>
-</ds:datastoreItem>
 </file>
--- a/AO-Smith-MSFT-MCHP-r6.pptx
+++ b/AO-Smith-MSFT-MCHP-r6.pptx
@@ -6003,7 +6003,7 @@
         </p:nvGrpSpPr>
         <p:grpSpPr>
           <a:xfrm>
-            <a:off x="5930862" y="4025513"/>
+            <a:off x="6088512" y="4025513"/>
             <a:ext cx="4997333" cy="1546325"/>
             <a:chOff x="5797050" y="4027977"/>
             <a:chExt cx="4590904" cy="1055267"/>
@@ -29702,74 +29702,6 @@
 </file>
 
 <file path=customXml/item1.xml><?xml version="1.0" encoding="utf-8"?>
-<?mso-contentType ?>
-<FormTemplates xmlns="http://schemas.microsoft.com/sharepoint/v3/contenttype/forms">
-  <Display>DocumentLibraryForm</Display>
-  <Edit>DocumentLibraryForm</Edit>
-  <New>DocumentLibraryForm</New>
-</FormTemplates>
-</file>
-
-<file path=customXml/item2.xml><?xml version="1.0" encoding="utf-8"?>
-<p:properties xmlns:p="http://schemas.microsoft.com/office/2006/metadata/properties" xmlns:xsi="http://www.w3.org/2001/XMLSchema-instance" xmlns:pc="http://schemas.microsoft.com/office/infopath/2007/PartnerControls">
-  <documentManagement>
-    <Content_x0020_Archived xmlns="df7acb31-37ac-40e2-81bb-c44e3630f613">false</Content_x0020_Archived>
-    <_dlc_DocId xmlns="38ef598d-997c-498b-b737-2f6b2c50ccab">SV5CHKDEWJXD-84-133</_dlc_DocId>
-    <_dlc_DocIdUrl xmlns="38ef598d-997c-498b-b737-2f6b2c50ccab">
-      <Url>http://mchpweb-2010/marcom/home/Resources/_layouts/DocIdRedir.aspx?ID=SV5CHKDEWJXD-84-133</Url>
-      <Description>SV5CHKDEWJXD-84-133</Description>
-    </_dlc_DocIdUrl>
-  </documentManagement>
-</p:properties>
-</file>
-
-<file path=customXml/item3.xml><?xml version="1.0" encoding="utf-8"?>
-<?mso-contentType ?>
-<spe:Receivers xmlns:spe="http://schemas.microsoft.com/sharepoint/events">
-  <Receiver>
-    <Name>Document ID Generator</Name>
-    <Synchronization>Synchronous</Synchronization>
-    <Type>10001</Type>
-    <SequenceNumber>1000</SequenceNumber>
-    <Assembly>Microsoft.Office.DocumentManagement, Version=14.0.0.0, Culture=neutral, PublicKeyToken=71e9bce111e9429c</Assembly>
-    <Class>Microsoft.Office.DocumentManagement.Internal.DocIdHandler</Class>
-    <Data/>
-    <Filter/>
-  </Receiver>
-  <Receiver>
-    <Name>Document ID Generator</Name>
-    <Synchronization>Synchronous</Synchronization>
-    <Type>10002</Type>
-    <SequenceNumber>1001</SequenceNumber>
-    <Assembly>Microsoft.Office.DocumentManagement, Version=14.0.0.0, Culture=neutral, PublicKeyToken=71e9bce111e9429c</Assembly>
-    <Class>Microsoft.Office.DocumentManagement.Internal.DocIdHandler</Class>
-    <Data/>
-    <Filter/>
-  </Receiver>
-  <Receiver>
-    <Name>Document ID Generator</Name>
-    <Synchronization>Synchronous</Synchronization>
-    <Type>10004</Type>
-    <SequenceNumber>1002</SequenceNumber>
-    <Assembly>Microsoft.Office.DocumentManagement, Version=14.0.0.0, Culture=neutral, PublicKeyToken=71e9bce111e9429c</Assembly>
-    <Class>Microsoft.Office.DocumentManagement.Internal.DocIdHandler</Class>
-    <Data/>
-    <Filter/>
-  </Receiver>
-  <Receiver>
-    <Name>Document ID Generator</Name>
-    <Synchronization>Synchronous</Synchronization>
-    <Type>10006</Type>
-    <SequenceNumber>1003</SequenceNumber>
-    <Assembly>Microsoft.Office.DocumentManagement, Version=14.0.0.0, Culture=neutral, PublicKeyToken=71e9bce111e9429c</Assembly>
-    <Class>Microsoft.Office.DocumentManagement.Internal.DocIdHandler</Class>
-    <Data/>
-    <Filter/>
-  </Receiver>
-</spe:Receivers>
-</file>
-
-<file path=customXml/item4.xml><?xml version="1.0" encoding="utf-8"?>
 <ct:contentTypeSchema xmlns:ct="http://schemas.microsoft.com/office/2006/metadata/contentType" xmlns:ma="http://schemas.microsoft.com/office/2006/metadata/properties/metaAttributes" ct:_="" ma:_="" ma:contentTypeName="Document" ma:contentTypeID="0x01010006EF9829FE6FB94D84D3D1D5B1820991" ma:contentTypeVersion="2" ma:contentTypeDescription="Create a new document." ma:contentTypeScope="" ma:versionID="84d427fd2fb92a215479da5b0fe5e4ad">
   <xsd:schema xmlns:xsd="http://www.w3.org/2001/XMLSchema" xmlns:xs="http://www.w3.org/2001/XMLSchema" xmlns:p="http://schemas.microsoft.com/office/2006/metadata/properties" xmlns:ns2="38ef598d-997c-498b-b737-2f6b2c50ccab" xmlns:ns3="df7acb31-37ac-40e2-81bb-c44e3630f613" targetNamespace="http://schemas.microsoft.com/office/2006/metadata/properties" ma:root="true" ma:fieldsID="156788901a84a305ff90b9b24ba2d9fb" ns2:_="" ns3:_="">
     <xsd:import namespace="38ef598d-997c-498b-b737-2f6b2c50ccab"/>
@@ -29925,34 +29857,75 @@
 </ct:contentTypeSchema>
 </file>
 
-<file path=customXml/itemProps1.xml><?xml version="1.0" encoding="utf-8"?>
-<ds:datastoreItem xmlns:ds="http://schemas.openxmlformats.org/officeDocument/2006/customXml" ds:itemID="{0CE24DD7-9317-4AD8-82D4-5A6998DA79C7}">
-  <ds:schemaRefs>
-    <ds:schemaRef ds:uri="http://schemas.microsoft.com/sharepoint/v3/contenttype/forms"/>
-  </ds:schemaRefs>
-</ds:datastoreItem>
+<file path=customXml/item2.xml><?xml version="1.0" encoding="utf-8"?>
+<?mso-contentType ?>
+<spe:Receivers xmlns:spe="http://schemas.microsoft.com/sharepoint/events">
+  <Receiver>
+    <Name>Document ID Generator</Name>
+    <Synchronization>Synchronous</Synchronization>
+    <Type>10001</Type>
+    <SequenceNumber>1000</SequenceNumber>
+    <Assembly>Microsoft.Office.DocumentManagement, Version=14.0.0.0, Culture=neutral, PublicKeyToken=71e9bce111e9429c</Assembly>
+    <Class>Microsoft.Office.DocumentManagement.Internal.DocIdHandler</Class>
+    <Data/>
+    <Filter/>
+  </Receiver>
+  <Receiver>
+    <Name>Document ID Generator</Name>
+    <Synchronization>Synchronous</Synchronization>
+    <Type>10002</Type>
+    <SequenceNumber>1001</SequenceNumber>
+    <Assembly>Microsoft.Office.DocumentManagement, Version=14.0.0.0, Culture=neutral, PublicKeyToken=71e9bce111e9429c</Assembly>
+    <Class>Microsoft.Office.DocumentManagement.Internal.DocIdHandler</Class>
+    <Data/>
+    <Filter/>
+  </Receiver>
+  <Receiver>
+    <Name>Document ID Generator</Name>
+    <Synchronization>Synchronous</Synchronization>
+    <Type>10004</Type>
+    <SequenceNumber>1002</SequenceNumber>
+    <Assembly>Microsoft.Office.DocumentManagement, Version=14.0.0.0, Culture=neutral, PublicKeyToken=71e9bce111e9429c</Assembly>
+    <Class>Microsoft.Office.DocumentManagement.Internal.DocIdHandler</Class>
+    <Data/>
+    <Filter/>
+  </Receiver>
+  <Receiver>
+    <Name>Document ID Generator</Name>
+    <Synchronization>Synchronous</Synchronization>
+    <Type>10006</Type>
+    <SequenceNumber>1003</SequenceNumber>
+    <Assembly>Microsoft.Office.DocumentManagement, Version=14.0.0.0, Culture=neutral, PublicKeyToken=71e9bce111e9429c</Assembly>
+    <Class>Microsoft.Office.DocumentManagement.Internal.DocIdHandler</Class>
+    <Data/>
+    <Filter/>
+  </Receiver>
+</spe:Receivers>
 </file>
 
-<file path=customXml/itemProps2.xml><?xml version="1.0" encoding="utf-8"?>
-<ds:datastoreItem xmlns:ds="http://schemas.openxmlformats.org/officeDocument/2006/customXml" ds:itemID="{15774815-801A-4D0C-AAC8-304A8EA5EAE0}">
-  <ds:schemaRefs>
-    <ds:schemaRef ds:uri="http://schemas.microsoft.com/office/2006/metadata/properties"/>
-    <ds:schemaRef ds:uri="http://schemas.microsoft.com/office/infopath/2007/PartnerControls"/>
-    <ds:schemaRef ds:uri="df7acb31-37ac-40e2-81bb-c44e3630f613"/>
-    <ds:schemaRef ds:uri="38ef598d-997c-498b-b737-2f6b2c50ccab"/>
-  </ds:schemaRefs>
-</ds:datastoreItem>
+<file path=customXml/item3.xml><?xml version="1.0" encoding="utf-8"?>
+<p:properties xmlns:p="http://schemas.microsoft.com/office/2006/metadata/properties" xmlns:xsi="http://www.w3.org/2001/XMLSchema-instance" xmlns:pc="http://schemas.microsoft.com/office/infopath/2007/PartnerControls">
+  <documentManagement>
+    <Content_x0020_Archived xmlns="df7acb31-37ac-40e2-81bb-c44e3630f613">false</Content_x0020_Archived>
+    <_dlc_DocId xmlns="38ef598d-997c-498b-b737-2f6b2c50ccab">SV5CHKDEWJXD-84-133</_dlc_DocId>
+    <_dlc_DocIdUrl xmlns="38ef598d-997c-498b-b737-2f6b2c50ccab">
+      <Url>http://mchpweb-2010/marcom/home/Resources/_layouts/DocIdRedir.aspx?ID=SV5CHKDEWJXD-84-133</Url>
+      <Description>SV5CHKDEWJXD-84-133</Description>
+    </_dlc_DocIdUrl>
+  </documentManagement>
+</p:properties>
 </file>
 
-<file path=customXml/itemProps3.xml><?xml version="1.0" encoding="utf-8"?>
-<ds:datastoreItem xmlns:ds="http://schemas.openxmlformats.org/officeDocument/2006/customXml" ds:itemID="{36ECED7C-7E24-4B80-B6AD-5BF0A508FB7B}">
-  <ds:schemaRefs>
-    <ds:schemaRef ds:uri="http://schemas.microsoft.com/sharepoint/events"/>
-  </ds:schemaRefs>
-</ds:datastoreItem>
+<file path=customXml/item4.xml><?xml version="1.0" encoding="utf-8"?>
+<?mso-contentType ?>
+<FormTemplates xmlns="http://schemas.microsoft.com/sharepoint/v3/contenttype/forms">
+  <Display>DocumentLibraryForm</Display>
+  <Edit>DocumentLibraryForm</Edit>
+  <New>DocumentLibraryForm</New>
+</FormTemplates>
 </file>
 
-<file path=customXml/itemProps4.xml><?xml version="1.0" encoding="utf-8"?>
+<file path=customXml/itemProps1.xml><?xml version="1.0" encoding="utf-8"?>
 <ds:datastoreItem xmlns:ds="http://schemas.openxmlformats.org/officeDocument/2006/customXml" ds:itemID="{AF9647E8-EA5A-4469-8198-396AF1DA17E0}">
   <ds:schemaRefs>
     <ds:schemaRef ds:uri="http://schemas.microsoft.com/office/2006/metadata/contentType"/>
@@ -29969,4 +29942,31 @@
     <ds:schemaRef ds:uri="http://schemas.microsoft.com/internal/obd"/>
   </ds:schemaRefs>
 </ds:datastoreItem>
+</file>
+
+<file path=customXml/itemProps2.xml><?xml version="1.0" encoding="utf-8"?>
+<ds:datastoreItem xmlns:ds="http://schemas.openxmlformats.org/officeDocument/2006/customXml" ds:itemID="{36ECED7C-7E24-4B80-B6AD-5BF0A508FB7B}">
+  <ds:schemaRefs>
+    <ds:schemaRef ds:uri="http://schemas.microsoft.com/sharepoint/events"/>
+  </ds:schemaRefs>
+</ds:datastoreItem>
+</file>
+
+<file path=customXml/itemProps3.xml><?xml version="1.0" encoding="utf-8"?>
+<ds:datastoreItem xmlns:ds="http://schemas.openxmlformats.org/officeDocument/2006/customXml" ds:itemID="{15774815-801A-4D0C-AAC8-304A8EA5EAE0}">
+  <ds:schemaRefs>
+    <ds:schemaRef ds:uri="http://schemas.microsoft.com/office/2006/metadata/properties"/>
+    <ds:schemaRef ds:uri="http://schemas.microsoft.com/office/infopath/2007/PartnerControls"/>
+    <ds:schemaRef ds:uri="df7acb31-37ac-40e2-81bb-c44e3630f613"/>
+    <ds:schemaRef ds:uri="38ef598d-997c-498b-b737-2f6b2c50ccab"/>
+  </ds:schemaRefs>
+</ds:datastoreItem>
+</file>
+
+<file path=customXml/itemProps4.xml><?xml version="1.0" encoding="utf-8"?>
+<ds:datastoreItem xmlns:ds="http://schemas.openxmlformats.org/officeDocument/2006/customXml" ds:itemID="{0CE24DD7-9317-4AD8-82D4-5A6998DA79C7}">
+  <ds:schemaRefs>
+    <ds:schemaRef ds:uri="http://schemas.microsoft.com/sharepoint/v3/contenttype/forms"/>
+  </ds:schemaRefs>
+</ds:datastoreItem>
 </file>
--- a/AO-Smith-MSFT-MCHP-r6.pptx
+++ b/AO-Smith-MSFT-MCHP-r6.pptx
@@ -5,10 +5,10 @@
     <p:sldMasterId id="2147483648" r:id="rId5"/>
   </p:sldMasterIdLst>
   <p:notesMasterIdLst>
-    <p:notesMasterId r:id="rId26"/>
+    <p:notesMasterId r:id="rId27"/>
   </p:notesMasterIdLst>
   <p:handoutMasterIdLst>
-    <p:handoutMasterId r:id="rId27"/>
+    <p:handoutMasterId r:id="rId28"/>
   </p:handoutMasterIdLst>
   <p:sldIdLst>
     <p:sldId id="1954" r:id="rId6"/>
@@ -25,12 +25,13 @@
     <p:sldId id="1972" r:id="rId17"/>
     <p:sldId id="1977" r:id="rId18"/>
     <p:sldId id="1973" r:id="rId19"/>
-    <p:sldId id="2146846837" r:id="rId20"/>
-    <p:sldId id="1974" r:id="rId21"/>
-    <p:sldId id="1975" r:id="rId22"/>
-    <p:sldId id="1976" r:id="rId23"/>
-    <p:sldId id="2146846836" r:id="rId24"/>
-    <p:sldId id="2146846835" r:id="rId25"/>
+    <p:sldId id="2146846839" r:id="rId20"/>
+    <p:sldId id="2146846837" r:id="rId21"/>
+    <p:sldId id="1974" r:id="rId22"/>
+    <p:sldId id="1975" r:id="rId23"/>
+    <p:sldId id="1976" r:id="rId24"/>
+    <p:sldId id="2146846836" r:id="rId25"/>
+    <p:sldId id="2146846835" r:id="rId26"/>
   </p:sldIdLst>
   <p:sldSz cx="12188825" cy="6858000"/>
   <p:notesSz cx="6858000" cy="9144000"/>
@@ -443,7 +444,7 @@
           <a:p>
             <a:fld id="{98615C2D-FB91-8740-95C2-23C11A10F2F2}" type="datetimeFigureOut">
               <a:rPr lang="en-US" smtClean="0"/>
-              <a:t>10/20/21</a:t>
+              <a:t>10/21/21</a:t>
             </a:fld>
             <a:endParaRPr lang="en-US"/>
           </a:p>
@@ -621,7 +622,7 @@
           <a:p>
             <a:fld id="{F154E49F-5C3A-ED4E-A68A-CCB3AA3B5D59}" type="datetimeFigureOut">
               <a:rPr lang="en-US" smtClean="0"/>
-              <a:t>10/20/21</a:t>
+              <a:t>10/21/21</a:t>
             </a:fld>
             <a:endParaRPr lang="en-US"/>
           </a:p>
@@ -1316,7 +1317,7 @@
     </p:spTree>
     <p:extLst>
       <p:ext uri="{BB962C8B-B14F-4D97-AF65-F5344CB8AC3E}">
-        <p14:creationId xmlns:p14="http://schemas.microsoft.com/office/powerpoint/2010/main" val="3757753522"/>
+        <p14:creationId xmlns:p14="http://schemas.microsoft.com/office/powerpoint/2010/main" val="904166358"/>
       </p:ext>
     </p:extLst>
   </p:cSld>
@@ -1370,6 +1371,119 @@
           <a:bodyPr/>
           <a:lstStyle/>
           <a:p>
+            <a:endParaRPr lang="en-US" dirty="0"/>
+          </a:p>
+          <a:p>
+            <a:pPr marL="0" marR="0" lvl="0" indent="0" algn="l" defTabSz="1218936" rtl="0" eaLnBrk="1" fontAlgn="auto" latinLnBrk="0" hangingPunct="1">
+              <a:lnSpc>
+                <a:spcPct val="100000"/>
+              </a:lnSpc>
+              <a:spcBef>
+                <a:spcPts val="0"/>
+              </a:spcBef>
+              <a:spcAft>
+                <a:spcPts val="0"/>
+              </a:spcAft>
+              <a:buClrTx/>
+              <a:buSzTx/>
+              <a:buFontTx/>
+              <a:buNone/>
+              <a:tabLst/>
+              <a:defRPr/>
+            </a:pPr>
+            <a:r>
+              <a:rPr lang="en-US" dirty="0"/>
+              <a:t>1. (5000 milliseconds / 2048 Words) = 2.44 msec per update</a:t>
+            </a:r>
+          </a:p>
+          <a:p>
+            <a:r>
+              <a:rPr lang="en-US" dirty="0"/>
+              <a:t>2. (5000 milliseconds / 1024 Integers) = 4.88 msec per update</a:t>
+            </a:r>
+          </a:p>
+        </p:txBody>
+      </p:sp>
+      <p:sp>
+        <p:nvSpPr>
+          <p:cNvPr id="4" name="Slide Number Placeholder 3"/>
+          <p:cNvSpPr>
+            <a:spLocks noGrp="1"/>
+          </p:cNvSpPr>
+          <p:nvPr>
+            <p:ph type="sldNum" sz="quarter" idx="5"/>
+          </p:nvPr>
+        </p:nvSpPr>
+        <p:spPr/>
+        <p:txBody>
+          <a:bodyPr/>
+          <a:lstStyle/>
+          <a:p>
+            <a:fld id="{BFF8CB49-A7FB-5E4A-B599-DE2118135120}" type="slidenum">
+              <a:rPr lang="en-US" smtClean="0"/>
+              <a:t>16</a:t>
+            </a:fld>
+            <a:endParaRPr lang="en-US"/>
+          </a:p>
+        </p:txBody>
+      </p:sp>
+    </p:spTree>
+    <p:extLst>
+      <p:ext uri="{BB962C8B-B14F-4D97-AF65-F5344CB8AC3E}">
+        <p14:creationId xmlns:p14="http://schemas.microsoft.com/office/powerpoint/2010/main" val="3757753522"/>
+      </p:ext>
+    </p:extLst>
+  </p:cSld>
+  <p:clrMapOvr>
+    <a:masterClrMapping/>
+  </p:clrMapOvr>
+</p:notes>
+</file>
+
+<file path=ppt/notesSlides/notesSlide6.xml><?xml version="1.0" encoding="utf-8"?>
+<p:notes xmlns:a="http://schemas.openxmlformats.org/drawingml/2006/main" xmlns:r="http://schemas.openxmlformats.org/officeDocument/2006/relationships" xmlns:p="http://schemas.openxmlformats.org/presentationml/2006/main">
+  <p:cSld>
+    <p:spTree>
+      <p:nvGrpSpPr>
+        <p:cNvPr id="1" name=""/>
+        <p:cNvGrpSpPr/>
+        <p:nvPr/>
+      </p:nvGrpSpPr>
+      <p:grpSpPr>
+        <a:xfrm>
+          <a:off x="0" y="0"/>
+          <a:ext cx="0" cy="0"/>
+          <a:chOff x="0" y="0"/>
+          <a:chExt cx="0" cy="0"/>
+        </a:xfrm>
+      </p:grpSpPr>
+      <p:sp>
+        <p:nvSpPr>
+          <p:cNvPr id="2" name="Slide Image Placeholder 1"/>
+          <p:cNvSpPr>
+            <a:spLocks noGrp="1" noRot="1" noChangeAspect="1"/>
+          </p:cNvSpPr>
+          <p:nvPr>
+            <p:ph type="sldImg"/>
+          </p:nvPr>
+        </p:nvSpPr>
+        <p:spPr/>
+      </p:sp>
+      <p:sp>
+        <p:nvSpPr>
+          <p:cNvPr id="3" name="Notes Placeholder 2"/>
+          <p:cNvSpPr>
+            <a:spLocks noGrp="1"/>
+          </p:cNvSpPr>
+          <p:nvPr>
+            <p:ph type="body" idx="1"/>
+          </p:nvPr>
+        </p:nvSpPr>
+        <p:spPr/>
+        <p:txBody>
+          <a:bodyPr/>
+          <a:lstStyle/>
+          <a:p>
             <a:r>
               <a:rPr lang="en-US" dirty="0"/>
               <a:t>4 blocks of 1KB every 5 seconds</a:t>
@@ -1441,7 +1555,7 @@
                 <a:tabLst/>
                 <a:defRPr/>
               </a:pPr>
-              <a:t>20</a:t>
+              <a:t>21</a:t>
             </a:fld>
             <a:endParaRPr kumimoji="0" lang="en-US" altLang="en-US" sz="1200" b="0" i="0" u="none" strike="noStrike" kern="1200" cap="none" spc="0" normalizeH="0" baseline="0" noProof="0">
               <a:ln>
@@ -14013,65 +14127,6 @@
           </a:p>
         </p:txBody>
       </p:sp>
-      <p:sp>
-        <p:nvSpPr>
-          <p:cNvPr id="10" name="Rectangle 9">
-            <a:extLst>
-              <a:ext uri="{FF2B5EF4-FFF2-40B4-BE49-F238E27FC236}">
-                <a16:creationId xmlns:a16="http://schemas.microsoft.com/office/drawing/2014/main" id="{FCFF2E11-4BE1-8F4C-907F-181AC118A7DF}"/>
-              </a:ext>
-            </a:extLst>
-          </p:cNvPr>
-          <p:cNvSpPr/>
-          <p:nvPr/>
-        </p:nvSpPr>
-        <p:spPr>
-          <a:xfrm>
-            <a:off x="3713983" y="1120003"/>
-            <a:ext cx="928947" cy="336514"/>
-          </a:xfrm>
-          <a:prstGeom prst="rect">
-            <a:avLst/>
-          </a:prstGeom>
-          <a:solidFill>
-            <a:srgbClr val="FF0000"/>
-          </a:solidFill>
-          <a:ln>
-            <a:noFill/>
-          </a:ln>
-          <a:effectLst/>
-        </p:spPr>
-        <p:style>
-          <a:lnRef idx="1">
-            <a:schemeClr val="accent1"/>
-          </a:lnRef>
-          <a:fillRef idx="3">
-            <a:schemeClr val="accent1"/>
-          </a:fillRef>
-          <a:effectRef idx="2">
-            <a:schemeClr val="accent1"/>
-          </a:effectRef>
-          <a:fontRef idx="minor">
-            <a:schemeClr val="lt1"/>
-          </a:fontRef>
-        </p:style>
-        <p:txBody>
-          <a:bodyPr rot="0" spcFirstLastPara="0" vertOverflow="overflow" horzOverflow="overflow" vert="horz" wrap="square" lIns="91440" tIns="45720" rIns="91440" bIns="45720" numCol="1" spcCol="0" rtlCol="0" fromWordArt="0" anchor="ctr" anchorCtr="0" forceAA="0" compatLnSpc="1">
-            <a:prstTxWarp prst="textNoShape">
-              <a:avLst/>
-            </a:prstTxWarp>
-            <a:noAutofit/>
-          </a:bodyPr>
-          <a:lstStyle/>
-          <a:p>
-            <a:pPr algn="ctr"/>
-            <a:r>
-              <a:rPr lang="en-US" sz="2000" dirty="0"/>
-              <a:t>ADD</a:t>
-            </a:r>
-          </a:p>
-        </p:txBody>
-      </p:sp>
     </p:spTree>
     <p:extLst>
       <p:ext uri="{BB962C8B-B14F-4D97-AF65-F5344CB8AC3E}">
@@ -14129,8 +14184,1277 @@
           <a:lstStyle/>
           <a:p>
             <a:r>
-              <a:rPr lang="en-US" dirty="0"/>
-              <a:t>Dedicated Telemetry Interface using SPI</a:t>
+              <a:rPr lang="en-US" sz="4000" dirty="0"/>
+              <a:t>Enhancement: Dedicated Telemetry Interface (UART)</a:t>
+            </a:r>
+          </a:p>
+        </p:txBody>
+      </p:sp>
+      <p:pic>
+        <p:nvPicPr>
+          <p:cNvPr id="28" name="Picture 27">
+            <a:extLst>
+              <a:ext uri="{FF2B5EF4-FFF2-40B4-BE49-F238E27FC236}">
+                <a16:creationId xmlns:a16="http://schemas.microsoft.com/office/drawing/2014/main" id="{96F59593-74EE-4111-83B3-ACE4E019F2A4}"/>
+              </a:ext>
+            </a:extLst>
+          </p:cNvPr>
+          <p:cNvPicPr>
+            <a:picLocks noChangeAspect="1"/>
+          </p:cNvPicPr>
+          <p:nvPr/>
+        </p:nvPicPr>
+        <p:blipFill>
+          <a:blip r:embed="rId3"/>
+          <a:stretch>
+            <a:fillRect/>
+          </a:stretch>
+        </p:blipFill>
+        <p:spPr>
+          <a:xfrm rot="16200000">
+            <a:off x="6265970" y="1841312"/>
+            <a:ext cx="2733675" cy="1162050"/>
+          </a:xfrm>
+          <a:prstGeom prst="rect">
+            <a:avLst/>
+          </a:prstGeom>
+        </p:spPr>
+      </p:pic>
+      <p:sp>
+        <p:nvSpPr>
+          <p:cNvPr id="3" name="Cloud 2">
+            <a:extLst>
+              <a:ext uri="{FF2B5EF4-FFF2-40B4-BE49-F238E27FC236}">
+                <a16:creationId xmlns:a16="http://schemas.microsoft.com/office/drawing/2014/main" id="{31F5091D-CD34-E241-A496-934E4B669D2C}"/>
+              </a:ext>
+            </a:extLst>
+          </p:cNvPr>
+          <p:cNvSpPr/>
+          <p:nvPr/>
+        </p:nvSpPr>
+        <p:spPr>
+          <a:xfrm>
+            <a:off x="9227439" y="1055500"/>
+            <a:ext cx="2931570" cy="2322846"/>
+          </a:xfrm>
+          <a:prstGeom prst="cloud">
+            <a:avLst/>
+          </a:prstGeom>
+          <a:solidFill>
+            <a:schemeClr val="accent3">
+              <a:lumMod val="60000"/>
+              <a:lumOff val="40000"/>
+            </a:schemeClr>
+          </a:solidFill>
+          <a:ln>
+            <a:noFill/>
+          </a:ln>
+          <a:effectLst/>
+        </p:spPr>
+        <p:style>
+          <a:lnRef idx="1">
+            <a:schemeClr val="accent1"/>
+          </a:lnRef>
+          <a:fillRef idx="3">
+            <a:schemeClr val="accent1"/>
+          </a:fillRef>
+          <a:effectRef idx="2">
+            <a:schemeClr val="accent1"/>
+          </a:effectRef>
+          <a:fontRef idx="minor">
+            <a:schemeClr val="lt1"/>
+          </a:fontRef>
+        </p:style>
+        <p:txBody>
+          <a:bodyPr rot="0" spcFirstLastPara="0" vertOverflow="overflow" horzOverflow="overflow" vert="horz" wrap="square" lIns="91440" tIns="45720" rIns="91440" bIns="45720" numCol="1" spcCol="0" rtlCol="0" fromWordArt="0" anchor="ctr" anchorCtr="0" forceAA="0" compatLnSpc="1">
+            <a:prstTxWarp prst="textNoShape">
+              <a:avLst/>
+            </a:prstTxWarp>
+            <a:noAutofit/>
+          </a:bodyPr>
+          <a:lstStyle/>
+          <a:p>
+            <a:pPr algn="ctr"/>
+            <a:endParaRPr lang="en-US" dirty="0"/>
+          </a:p>
+        </p:txBody>
+      </p:sp>
+      <p:sp>
+        <p:nvSpPr>
+          <p:cNvPr id="16" name="Rectangle 15">
+            <a:extLst>
+              <a:ext uri="{FF2B5EF4-FFF2-40B4-BE49-F238E27FC236}">
+                <a16:creationId xmlns:a16="http://schemas.microsoft.com/office/drawing/2014/main" id="{EC6B95A8-CB8D-DA4B-8131-E8699978C57B}"/>
+              </a:ext>
+            </a:extLst>
+          </p:cNvPr>
+          <p:cNvSpPr/>
+          <p:nvPr/>
+        </p:nvSpPr>
+        <p:spPr>
+          <a:xfrm>
+            <a:off x="535681" y="1316136"/>
+            <a:ext cx="2620597" cy="2286842"/>
+          </a:xfrm>
+          <a:prstGeom prst="rect">
+            <a:avLst/>
+          </a:prstGeom>
+        </p:spPr>
+        <p:style>
+          <a:lnRef idx="2">
+            <a:schemeClr val="accent1">
+              <a:shade val="50000"/>
+            </a:schemeClr>
+          </a:lnRef>
+          <a:fillRef idx="1">
+            <a:schemeClr val="accent1"/>
+          </a:fillRef>
+          <a:effectRef idx="0">
+            <a:schemeClr val="accent1"/>
+          </a:effectRef>
+          <a:fontRef idx="minor">
+            <a:schemeClr val="lt1"/>
+          </a:fontRef>
+        </p:style>
+        <p:txBody>
+          <a:bodyPr rtlCol="0" anchor="ctr"/>
+          <a:lstStyle/>
+          <a:p>
+            <a:pPr algn="ctr"/>
+            <a:r>
+              <a:rPr lang="en-US" sz="2399" dirty="0"/>
+              <a:t>Application MCU</a:t>
+            </a:r>
+          </a:p>
+          <a:p>
+            <a:pPr algn="ctr"/>
+            <a:endParaRPr lang="en-US" sz="2399" dirty="0"/>
+          </a:p>
+          <a:p>
+            <a:pPr algn="ctr"/>
+            <a:r>
+              <a:rPr lang="en-US" sz="2399" dirty="0"/>
+              <a:t>UART </a:t>
+            </a:r>
+            <a:r>
+              <a:rPr lang="en-US" sz="2399" dirty="0">
+                <a:solidFill>
+                  <a:srgbClr val="FFFF00"/>
+                </a:solidFill>
+              </a:rPr>
+              <a:t>921.6K</a:t>
+            </a:r>
+            <a:r>
+              <a:rPr lang="en-US" sz="2399" dirty="0"/>
+              <a:t>baud</a:t>
+            </a:r>
+          </a:p>
+        </p:txBody>
+      </p:sp>
+      <p:sp>
+        <p:nvSpPr>
+          <p:cNvPr id="5" name="Right Arrow 4">
+            <a:extLst>
+              <a:ext uri="{FF2B5EF4-FFF2-40B4-BE49-F238E27FC236}">
+                <a16:creationId xmlns:a16="http://schemas.microsoft.com/office/drawing/2014/main" id="{858B5250-744F-364A-8323-94316619C120}"/>
+              </a:ext>
+            </a:extLst>
+          </p:cNvPr>
+          <p:cNvSpPr/>
+          <p:nvPr/>
+        </p:nvSpPr>
+        <p:spPr>
+          <a:xfrm>
+            <a:off x="3181233" y="2740468"/>
+            <a:ext cx="3965663" cy="435562"/>
+          </a:xfrm>
+          <a:prstGeom prst="rightArrow">
+            <a:avLst/>
+          </a:prstGeom>
+          <a:solidFill>
+            <a:srgbClr val="FFC000"/>
+          </a:solidFill>
+          <a:ln>
+            <a:noFill/>
+          </a:ln>
+          <a:effectLst/>
+        </p:spPr>
+        <p:style>
+          <a:lnRef idx="1">
+            <a:schemeClr val="accent1"/>
+          </a:lnRef>
+          <a:fillRef idx="3">
+            <a:schemeClr val="accent1"/>
+          </a:fillRef>
+          <a:effectRef idx="2">
+            <a:schemeClr val="accent1"/>
+          </a:effectRef>
+          <a:fontRef idx="minor">
+            <a:schemeClr val="lt1"/>
+          </a:fontRef>
+        </p:style>
+        <p:txBody>
+          <a:bodyPr rot="0" spcFirstLastPara="0" vertOverflow="overflow" horzOverflow="overflow" vert="horz" wrap="square" lIns="91440" tIns="45720" rIns="91440" bIns="45720" numCol="1" spcCol="0" rtlCol="0" fromWordArt="0" anchor="ctr" anchorCtr="0" forceAA="0" compatLnSpc="1">
+            <a:prstTxWarp prst="textNoShape">
+              <a:avLst/>
+            </a:prstTxWarp>
+            <a:noAutofit/>
+          </a:bodyPr>
+          <a:lstStyle/>
+          <a:p>
+            <a:pPr algn="ctr"/>
+            <a:r>
+              <a:rPr lang="en-US" sz="1800" dirty="0">
+                <a:solidFill>
+                  <a:schemeClr val="tx1"/>
+                </a:solidFill>
+                <a:latin typeface="Arial" panose="020B0604020202020204" pitchFamily="34" charset="0"/>
+                <a:cs typeface="Arial" panose="020B0604020202020204" pitchFamily="34" charset="0"/>
+              </a:rPr>
+              <a:t>INT (PA24)</a:t>
+            </a:r>
+          </a:p>
+        </p:txBody>
+      </p:sp>
+      <p:sp>
+        <p:nvSpPr>
+          <p:cNvPr id="14" name="Right Arrow 13">
+            <a:extLst>
+              <a:ext uri="{FF2B5EF4-FFF2-40B4-BE49-F238E27FC236}">
+                <a16:creationId xmlns:a16="http://schemas.microsoft.com/office/drawing/2014/main" id="{499BA48B-41C7-4848-8E42-92B93C924073}"/>
+              </a:ext>
+            </a:extLst>
+          </p:cNvPr>
+          <p:cNvSpPr/>
+          <p:nvPr/>
+        </p:nvSpPr>
+        <p:spPr>
+          <a:xfrm>
+            <a:off x="3170412" y="2257106"/>
+            <a:ext cx="3965663" cy="435562"/>
+          </a:xfrm>
+          <a:prstGeom prst="rightArrow">
+            <a:avLst/>
+          </a:prstGeom>
+          <a:solidFill>
+            <a:srgbClr val="FFC000"/>
+          </a:solidFill>
+          <a:ln>
+            <a:noFill/>
+          </a:ln>
+          <a:effectLst/>
+        </p:spPr>
+        <p:style>
+          <a:lnRef idx="1">
+            <a:schemeClr val="accent1"/>
+          </a:lnRef>
+          <a:fillRef idx="3">
+            <a:schemeClr val="accent1"/>
+          </a:fillRef>
+          <a:effectRef idx="2">
+            <a:schemeClr val="accent1"/>
+          </a:effectRef>
+          <a:fontRef idx="minor">
+            <a:schemeClr val="lt1"/>
+          </a:fontRef>
+        </p:style>
+        <p:txBody>
+          <a:bodyPr rot="0" spcFirstLastPara="0" vertOverflow="overflow" horzOverflow="overflow" vert="horz" wrap="square" lIns="91440" tIns="45720" rIns="91440" bIns="45720" numCol="1" spcCol="0" rtlCol="0" fromWordArt="0" anchor="ctr" anchorCtr="0" forceAA="0" compatLnSpc="1">
+            <a:prstTxWarp prst="textNoShape">
+              <a:avLst/>
+            </a:prstTxWarp>
+            <a:noAutofit/>
+          </a:bodyPr>
+          <a:lstStyle/>
+          <a:p>
+            <a:pPr algn="ctr"/>
+            <a:r>
+              <a:rPr lang="en-US" sz="1800" dirty="0">
+                <a:solidFill>
+                  <a:schemeClr val="tx1"/>
+                </a:solidFill>
+                <a:latin typeface="Arial" panose="020B0604020202020204" pitchFamily="34" charset="0"/>
+                <a:cs typeface="Arial" panose="020B0604020202020204" pitchFamily="34" charset="0"/>
+              </a:rPr>
+              <a:t>TXD (PA08)</a:t>
+            </a:r>
+          </a:p>
+        </p:txBody>
+      </p:sp>
+      <p:sp>
+        <p:nvSpPr>
+          <p:cNvPr id="7" name="Left Arrow 6">
+            <a:extLst>
+              <a:ext uri="{FF2B5EF4-FFF2-40B4-BE49-F238E27FC236}">
+                <a16:creationId xmlns:a16="http://schemas.microsoft.com/office/drawing/2014/main" id="{F876F9C6-46B1-EE4A-8AD0-928E6CD6C8E7}"/>
+              </a:ext>
+            </a:extLst>
+          </p:cNvPr>
+          <p:cNvSpPr/>
+          <p:nvPr/>
+        </p:nvSpPr>
+        <p:spPr>
+          <a:xfrm>
+            <a:off x="3180791" y="1779535"/>
+            <a:ext cx="3965663" cy="436880"/>
+          </a:xfrm>
+          <a:prstGeom prst="leftArrow">
+            <a:avLst/>
+          </a:prstGeom>
+          <a:solidFill>
+            <a:srgbClr val="FFC000"/>
+          </a:solidFill>
+          <a:ln>
+            <a:noFill/>
+          </a:ln>
+          <a:effectLst/>
+        </p:spPr>
+        <p:style>
+          <a:lnRef idx="1">
+            <a:schemeClr val="accent1"/>
+          </a:lnRef>
+          <a:fillRef idx="3">
+            <a:schemeClr val="accent1"/>
+          </a:fillRef>
+          <a:effectRef idx="2">
+            <a:schemeClr val="accent1"/>
+          </a:effectRef>
+          <a:fontRef idx="minor">
+            <a:schemeClr val="lt1"/>
+          </a:fontRef>
+        </p:style>
+        <p:txBody>
+          <a:bodyPr rot="0" spcFirstLastPara="0" vertOverflow="overflow" horzOverflow="overflow" vert="horz" wrap="square" lIns="91440" tIns="45720" rIns="91440" bIns="45720" numCol="1" spcCol="0" rtlCol="0" fromWordArt="0" anchor="ctr" anchorCtr="0" forceAA="0" compatLnSpc="1">
+            <a:prstTxWarp prst="textNoShape">
+              <a:avLst/>
+            </a:prstTxWarp>
+            <a:noAutofit/>
+          </a:bodyPr>
+          <a:lstStyle/>
+          <a:p>
+            <a:pPr algn="ctr"/>
+            <a:r>
+              <a:rPr lang="en-US" sz="1800" dirty="0">
+                <a:solidFill>
+                  <a:schemeClr val="tx1"/>
+                </a:solidFill>
+                <a:latin typeface="Arial" panose="020B0604020202020204" pitchFamily="34" charset="0"/>
+                <a:cs typeface="Arial" panose="020B0604020202020204" pitchFamily="34" charset="0"/>
+              </a:rPr>
+              <a:t>RXD (PA09)</a:t>
+            </a:r>
+          </a:p>
+        </p:txBody>
+      </p:sp>
+      <p:sp>
+        <p:nvSpPr>
+          <p:cNvPr id="18" name="Right Arrow 17">
+            <a:extLst>
+              <a:ext uri="{FF2B5EF4-FFF2-40B4-BE49-F238E27FC236}">
+                <a16:creationId xmlns:a16="http://schemas.microsoft.com/office/drawing/2014/main" id="{C4F9AF54-FA0A-214E-8A35-AC851040A1B1}"/>
+              </a:ext>
+            </a:extLst>
+          </p:cNvPr>
+          <p:cNvSpPr/>
+          <p:nvPr/>
+        </p:nvSpPr>
+        <p:spPr>
+          <a:xfrm>
+            <a:off x="8170438" y="2006379"/>
+            <a:ext cx="1763243" cy="777240"/>
+          </a:xfrm>
+          <a:prstGeom prst="rightArrow">
+            <a:avLst/>
+          </a:prstGeom>
+          <a:solidFill>
+            <a:srgbClr val="FFC000"/>
+          </a:solidFill>
+          <a:ln>
+            <a:noFill/>
+          </a:ln>
+          <a:effectLst/>
+        </p:spPr>
+        <p:style>
+          <a:lnRef idx="1">
+            <a:schemeClr val="accent1"/>
+          </a:lnRef>
+          <a:fillRef idx="3">
+            <a:schemeClr val="accent1"/>
+          </a:fillRef>
+          <a:effectRef idx="2">
+            <a:schemeClr val="accent1"/>
+          </a:effectRef>
+          <a:fontRef idx="minor">
+            <a:schemeClr val="lt1"/>
+          </a:fontRef>
+        </p:style>
+        <p:txBody>
+          <a:bodyPr rot="0" spcFirstLastPara="0" vertOverflow="overflow" horzOverflow="overflow" vert="horz" wrap="square" lIns="91440" tIns="45720" rIns="91440" bIns="45720" numCol="1" spcCol="0" rtlCol="0" fromWordArt="0" anchor="ctr" anchorCtr="0" forceAA="0" compatLnSpc="1">
+            <a:prstTxWarp prst="textNoShape">
+              <a:avLst/>
+            </a:prstTxWarp>
+            <a:noAutofit/>
+          </a:bodyPr>
+          <a:lstStyle/>
+          <a:p>
+            <a:pPr algn="ctr"/>
+            <a:r>
+              <a:rPr lang="en-US" sz="1800" dirty="0">
+                <a:solidFill>
+                  <a:schemeClr val="tx1"/>
+                </a:solidFill>
+                <a:latin typeface="Arial" panose="020B0604020202020204" pitchFamily="34" charset="0"/>
+                <a:cs typeface="Arial" panose="020B0604020202020204" pitchFamily="34" charset="0"/>
+              </a:rPr>
+              <a:t>MQTT</a:t>
+            </a:r>
+          </a:p>
+        </p:txBody>
+      </p:sp>
+      <p:graphicFrame>
+        <p:nvGraphicFramePr>
+          <p:cNvPr id="10" name="Table 10">
+            <a:extLst>
+              <a:ext uri="{FF2B5EF4-FFF2-40B4-BE49-F238E27FC236}">
+                <a16:creationId xmlns:a16="http://schemas.microsoft.com/office/drawing/2014/main" id="{BF78424B-A652-EC45-9AE7-6C51CBFEFCBE}"/>
+              </a:ext>
+            </a:extLst>
+          </p:cNvPr>
+          <p:cNvGraphicFramePr>
+            <a:graphicFrameLocks noGrp="1"/>
+          </p:cNvGraphicFramePr>
+          <p:nvPr/>
+        </p:nvGraphicFramePr>
+        <p:xfrm>
+          <a:off x="1443651" y="5186645"/>
+          <a:ext cx="6544211" cy="640080"/>
+        </p:xfrm>
+        <a:graphic>
+          <a:graphicData uri="http://schemas.openxmlformats.org/drawingml/2006/table">
+            <a:tbl>
+              <a:tblPr firstRow="1" bandRow="1">
+                <a:tableStyleId>{5C22544A-7EE6-4342-B048-85BDC9FD1C3A}</a:tableStyleId>
+              </a:tblPr>
+              <a:tblGrid>
+                <a:gridCol w="983847">
+                  <a:extLst>
+                    <a:ext uri="{9D8B030D-6E8A-4147-A177-3AD203B41FA5}">
+                      <a16:colId xmlns:a16="http://schemas.microsoft.com/office/drawing/2014/main" val="2062451749"/>
+                    </a:ext>
+                  </a:extLst>
+                </a:gridCol>
+                <a:gridCol w="983847">
+                  <a:extLst>
+                    <a:ext uri="{9D8B030D-6E8A-4147-A177-3AD203B41FA5}">
+                      <a16:colId xmlns:a16="http://schemas.microsoft.com/office/drawing/2014/main" val="2207569799"/>
+                    </a:ext>
+                  </a:extLst>
+                </a:gridCol>
+                <a:gridCol w="983847">
+                  <a:extLst>
+                    <a:ext uri="{9D8B030D-6E8A-4147-A177-3AD203B41FA5}">
+                      <a16:colId xmlns:a16="http://schemas.microsoft.com/office/drawing/2014/main" val="2389990835"/>
+                    </a:ext>
+                  </a:extLst>
+                </a:gridCol>
+                <a:gridCol w="983847">
+                  <a:extLst>
+                    <a:ext uri="{9D8B030D-6E8A-4147-A177-3AD203B41FA5}">
+                      <a16:colId xmlns:a16="http://schemas.microsoft.com/office/drawing/2014/main" val="2351764435"/>
+                    </a:ext>
+                  </a:extLst>
+                </a:gridCol>
+                <a:gridCol w="1557789">
+                  <a:extLst>
+                    <a:ext uri="{9D8B030D-6E8A-4147-A177-3AD203B41FA5}">
+                      <a16:colId xmlns:a16="http://schemas.microsoft.com/office/drawing/2014/main" val="1259906589"/>
+                    </a:ext>
+                  </a:extLst>
+                </a:gridCol>
+                <a:gridCol w="1051034">
+                  <a:extLst>
+                    <a:ext uri="{9D8B030D-6E8A-4147-A177-3AD203B41FA5}">
+                      <a16:colId xmlns:a16="http://schemas.microsoft.com/office/drawing/2014/main" val="4242141684"/>
+                    </a:ext>
+                  </a:extLst>
+                </a:gridCol>
+              </a:tblGrid>
+              <a:tr h="370840">
+                <a:tc>
+                  <a:txBody>
+                    <a:bodyPr/>
+                    <a:lstStyle/>
+                    <a:p>
+                      <a:pPr algn="ctr"/>
+                      <a:r>
+                        <a:rPr lang="en-US" sz="1800" dirty="0">
+                          <a:solidFill>
+                            <a:schemeClr val="bg1"/>
+                          </a:solidFill>
+                          <a:latin typeface="Arial" panose="020B0604020202020204" pitchFamily="34" charset="0"/>
+                          <a:cs typeface="Arial" panose="020B0604020202020204" pitchFamily="34" charset="0"/>
+                        </a:rPr>
+                        <a:t>Index</a:t>
+                      </a:r>
+                    </a:p>
+                    <a:p>
+                      <a:pPr algn="ctr"/>
+                      <a:r>
+                        <a:rPr lang="en-US" sz="1800" dirty="0">
+                          <a:solidFill>
+                            <a:schemeClr val="bg1"/>
+                          </a:solidFill>
+                          <a:latin typeface="Arial" panose="020B0604020202020204" pitchFamily="34" charset="0"/>
+                          <a:cs typeface="Arial" panose="020B0604020202020204" pitchFamily="34" charset="0"/>
+                        </a:rPr>
+                        <a:t>Byte</a:t>
+                      </a:r>
+                    </a:p>
+                  </a:txBody>
+                  <a:tcPr/>
+                </a:tc>
+                <a:tc>
+                  <a:txBody>
+                    <a:bodyPr/>
+                    <a:lstStyle/>
+                    <a:p>
+                      <a:pPr algn="ctr"/>
+                      <a:r>
+                        <a:rPr lang="en-US" sz="1800" dirty="0">
+                          <a:solidFill>
+                            <a:schemeClr val="bg1"/>
+                          </a:solidFill>
+                          <a:latin typeface="Arial" panose="020B0604020202020204" pitchFamily="34" charset="0"/>
+                          <a:cs typeface="Arial" panose="020B0604020202020204" pitchFamily="34" charset="0"/>
+                        </a:rPr>
+                        <a:t>Length</a:t>
+                      </a:r>
+                    </a:p>
+                    <a:p>
+                      <a:pPr algn="ctr"/>
+                      <a:r>
+                        <a:rPr lang="en-US" sz="1800" dirty="0">
+                          <a:solidFill>
+                            <a:schemeClr val="bg1"/>
+                          </a:solidFill>
+                          <a:latin typeface="Arial" panose="020B0604020202020204" pitchFamily="34" charset="0"/>
+                          <a:cs typeface="Arial" panose="020B0604020202020204" pitchFamily="34" charset="0"/>
+                        </a:rPr>
+                        <a:t>(MSB)</a:t>
+                      </a:r>
+                    </a:p>
+                  </a:txBody>
+                  <a:tcPr/>
+                </a:tc>
+                <a:tc>
+                  <a:txBody>
+                    <a:bodyPr/>
+                    <a:lstStyle/>
+                    <a:p>
+                      <a:pPr algn="ctr"/>
+                      <a:r>
+                        <a:rPr lang="en-US" sz="1800" dirty="0">
+                          <a:solidFill>
+                            <a:schemeClr val="bg1"/>
+                          </a:solidFill>
+                          <a:latin typeface="Arial" panose="020B0604020202020204" pitchFamily="34" charset="0"/>
+                          <a:cs typeface="Arial" panose="020B0604020202020204" pitchFamily="34" charset="0"/>
+                        </a:rPr>
+                        <a:t>Length</a:t>
+                      </a:r>
+                    </a:p>
+                    <a:p>
+                      <a:pPr algn="ctr"/>
+                      <a:r>
+                        <a:rPr lang="en-US" sz="1800" dirty="0">
+                          <a:solidFill>
+                            <a:schemeClr val="bg1"/>
+                          </a:solidFill>
+                          <a:latin typeface="Arial" panose="020B0604020202020204" pitchFamily="34" charset="0"/>
+                          <a:cs typeface="Arial" panose="020B0604020202020204" pitchFamily="34" charset="0"/>
+                        </a:rPr>
+                        <a:t>(LSB)</a:t>
+                      </a:r>
+                    </a:p>
+                  </a:txBody>
+                  <a:tcPr/>
+                </a:tc>
+                <a:tc>
+                  <a:txBody>
+                    <a:bodyPr/>
+                    <a:lstStyle/>
+                    <a:p>
+                      <a:pPr marL="0" marR="0" lvl="0" indent="0" algn="ctr" defTabSz="609443" rtl="0" eaLnBrk="1" fontAlgn="auto" latinLnBrk="0" hangingPunct="1">
+                        <a:lnSpc>
+                          <a:spcPct val="100000"/>
+                        </a:lnSpc>
+                        <a:spcBef>
+                          <a:spcPts val="0"/>
+                        </a:spcBef>
+                        <a:spcAft>
+                          <a:spcPts val="0"/>
+                        </a:spcAft>
+                        <a:buClrTx/>
+                        <a:buSzTx/>
+                        <a:buFontTx/>
+                        <a:buNone/>
+                        <a:tabLst/>
+                        <a:defRPr/>
+                      </a:pPr>
+                      <a:r>
+                        <a:rPr lang="en-US" sz="1800" dirty="0">
+                          <a:solidFill>
+                            <a:schemeClr val="bg1"/>
+                          </a:solidFill>
+                          <a:latin typeface="Arial" panose="020B0604020202020204" pitchFamily="34" charset="0"/>
+                          <a:cs typeface="Arial" panose="020B0604020202020204" pitchFamily="34" charset="0"/>
+                        </a:rPr>
+                        <a:t>Data Byte</a:t>
+                      </a:r>
+                    </a:p>
+                  </a:txBody>
+                  <a:tcPr/>
+                </a:tc>
+                <a:tc>
+                  <a:txBody>
+                    <a:bodyPr/>
+                    <a:lstStyle/>
+                    <a:p>
+                      <a:pPr marL="0" marR="0" lvl="0" indent="0" algn="ctr" defTabSz="609443" rtl="0" eaLnBrk="1" fontAlgn="auto" latinLnBrk="0" hangingPunct="1">
+                        <a:lnSpc>
+                          <a:spcPct val="100000"/>
+                        </a:lnSpc>
+                        <a:spcBef>
+                          <a:spcPts val="0"/>
+                        </a:spcBef>
+                        <a:spcAft>
+                          <a:spcPts val="0"/>
+                        </a:spcAft>
+                        <a:buClrTx/>
+                        <a:buSzTx/>
+                        <a:buFontTx/>
+                        <a:buNone/>
+                        <a:tabLst/>
+                        <a:defRPr/>
+                      </a:pPr>
+                      <a:r>
+                        <a:rPr lang="en-US" sz="1800" dirty="0">
+                          <a:solidFill>
+                            <a:schemeClr val="bg1"/>
+                          </a:solidFill>
+                          <a:latin typeface="Arial" panose="020B0604020202020204" pitchFamily="34" charset="0"/>
+                          <a:cs typeface="Arial" panose="020B0604020202020204" pitchFamily="34" charset="0"/>
+                        </a:rPr>
+                        <a:t>. . . . . . . . . . .</a:t>
+                      </a:r>
+                    </a:p>
+                    <a:p>
+                      <a:pPr algn="ctr"/>
+                      <a:endParaRPr lang="en-US" sz="1800" dirty="0">
+                        <a:solidFill>
+                          <a:schemeClr val="bg1"/>
+                        </a:solidFill>
+                        <a:latin typeface="Arial" panose="020B0604020202020204" pitchFamily="34" charset="0"/>
+                        <a:cs typeface="Arial" panose="020B0604020202020204" pitchFamily="34" charset="0"/>
+                      </a:endParaRPr>
+                    </a:p>
+                  </a:txBody>
+                  <a:tcPr/>
+                </a:tc>
+                <a:tc>
+                  <a:txBody>
+                    <a:bodyPr/>
+                    <a:lstStyle/>
+                    <a:p>
+                      <a:pPr marL="0" marR="0" lvl="0" indent="0" algn="ctr" defTabSz="609443" rtl="0" eaLnBrk="1" fontAlgn="auto" latinLnBrk="0" hangingPunct="1">
+                        <a:lnSpc>
+                          <a:spcPct val="100000"/>
+                        </a:lnSpc>
+                        <a:spcBef>
+                          <a:spcPts val="0"/>
+                        </a:spcBef>
+                        <a:spcAft>
+                          <a:spcPts val="0"/>
+                        </a:spcAft>
+                        <a:buClrTx/>
+                        <a:buSzTx/>
+                        <a:buFontTx/>
+                        <a:buNone/>
+                        <a:tabLst/>
+                        <a:defRPr/>
+                      </a:pPr>
+                      <a:r>
+                        <a:rPr lang="en-US" sz="1800" dirty="0">
+                          <a:solidFill>
+                            <a:schemeClr val="bg1"/>
+                          </a:solidFill>
+                          <a:latin typeface="Arial" panose="020B0604020202020204" pitchFamily="34" charset="0"/>
+                          <a:cs typeface="Arial" panose="020B0604020202020204" pitchFamily="34" charset="0"/>
+                        </a:rPr>
+                        <a:t>Data Byte</a:t>
+                      </a:r>
+                    </a:p>
+                  </a:txBody>
+                  <a:tcPr/>
+                </a:tc>
+                <a:extLst>
+                  <a:ext uri="{0D108BD9-81ED-4DB2-BD59-A6C34878D82A}">
+                    <a16:rowId xmlns:a16="http://schemas.microsoft.com/office/drawing/2014/main" val="2389518491"/>
+                  </a:ext>
+                </a:extLst>
+              </a:tr>
+            </a:tbl>
+          </a:graphicData>
+        </a:graphic>
+      </p:graphicFrame>
+      <p:sp>
+        <p:nvSpPr>
+          <p:cNvPr id="11" name="TextBox 10">
+            <a:extLst>
+              <a:ext uri="{FF2B5EF4-FFF2-40B4-BE49-F238E27FC236}">
+                <a16:creationId xmlns:a16="http://schemas.microsoft.com/office/drawing/2014/main" id="{990E4138-BA1B-6D43-8D1E-04D8B4BC1A4D}"/>
+              </a:ext>
+            </a:extLst>
+          </p:cNvPr>
+          <p:cNvSpPr txBox="1"/>
+          <p:nvPr/>
+        </p:nvSpPr>
+        <p:spPr>
+          <a:xfrm>
+            <a:off x="355510" y="5287507"/>
+            <a:ext cx="805048" cy="400110"/>
+          </a:xfrm>
+          <a:prstGeom prst="rect">
+            <a:avLst/>
+          </a:prstGeom>
+          <a:noFill/>
+        </p:spPr>
+        <p:txBody>
+          <a:bodyPr wrap="square" rtlCol="0">
+            <a:spAutoFit/>
+          </a:bodyPr>
+          <a:lstStyle/>
+          <a:p>
+            <a:r>
+              <a:rPr lang="en-US" sz="2000" dirty="0">
+                <a:latin typeface="Courier" pitchFamily="2" charset="0"/>
+                <a:cs typeface="Arial" panose="020B0604020202020204" pitchFamily="34" charset="0"/>
+              </a:rPr>
+              <a:t>TXD</a:t>
+            </a:r>
+          </a:p>
+        </p:txBody>
+      </p:sp>
+      <p:sp>
+        <p:nvSpPr>
+          <p:cNvPr id="24" name="TextBox 23">
+            <a:extLst>
+              <a:ext uri="{FF2B5EF4-FFF2-40B4-BE49-F238E27FC236}">
+                <a16:creationId xmlns:a16="http://schemas.microsoft.com/office/drawing/2014/main" id="{F2ABB784-408D-B346-ADC0-B407A51F5238}"/>
+              </a:ext>
+            </a:extLst>
+          </p:cNvPr>
+          <p:cNvSpPr txBox="1"/>
+          <p:nvPr/>
+        </p:nvSpPr>
+        <p:spPr>
+          <a:xfrm>
+            <a:off x="208370" y="5955046"/>
+            <a:ext cx="805048" cy="400110"/>
+          </a:xfrm>
+          <a:prstGeom prst="rect">
+            <a:avLst/>
+          </a:prstGeom>
+          <a:noFill/>
+        </p:spPr>
+        <p:txBody>
+          <a:bodyPr wrap="square" rtlCol="0">
+            <a:spAutoFit/>
+          </a:bodyPr>
+          <a:lstStyle/>
+          <a:p>
+            <a:r>
+              <a:rPr lang="en-US" sz="2000" dirty="0">
+                <a:latin typeface="Courier" pitchFamily="2" charset="0"/>
+                <a:cs typeface="Arial" panose="020B0604020202020204" pitchFamily="34" charset="0"/>
+              </a:rPr>
+              <a:t>/INT</a:t>
+            </a:r>
+          </a:p>
+        </p:txBody>
+      </p:sp>
+      <p:cxnSp>
+        <p:nvCxnSpPr>
+          <p:cNvPr id="26" name="Elbow Connector 25">
+            <a:extLst>
+              <a:ext uri="{FF2B5EF4-FFF2-40B4-BE49-F238E27FC236}">
+                <a16:creationId xmlns:a16="http://schemas.microsoft.com/office/drawing/2014/main" id="{2E0AF413-9808-9241-B5D3-C6788A9FFDF6}"/>
+              </a:ext>
+            </a:extLst>
+          </p:cNvPr>
+          <p:cNvCxnSpPr>
+            <a:cxnSpLocks/>
+          </p:cNvCxnSpPr>
+          <p:nvPr/>
+        </p:nvCxnSpPr>
+        <p:spPr>
+          <a:xfrm>
+            <a:off x="965200" y="6144591"/>
+            <a:ext cx="477520" cy="447352"/>
+          </a:xfrm>
+          <a:prstGeom prst="bentConnector3">
+            <a:avLst/>
+          </a:prstGeom>
+          <a:effectLst/>
+        </p:spPr>
+        <p:style>
+          <a:lnRef idx="2">
+            <a:schemeClr val="accent1"/>
+          </a:lnRef>
+          <a:fillRef idx="0">
+            <a:schemeClr val="accent1"/>
+          </a:fillRef>
+          <a:effectRef idx="1">
+            <a:schemeClr val="accent1"/>
+          </a:effectRef>
+          <a:fontRef idx="minor">
+            <a:schemeClr val="tx1"/>
+          </a:fontRef>
+        </p:style>
+      </p:cxnSp>
+      <p:cxnSp>
+        <p:nvCxnSpPr>
+          <p:cNvPr id="31" name="Elbow Connector 30">
+            <a:extLst>
+              <a:ext uri="{FF2B5EF4-FFF2-40B4-BE49-F238E27FC236}">
+                <a16:creationId xmlns:a16="http://schemas.microsoft.com/office/drawing/2014/main" id="{8616908D-CF4C-9947-93C3-69925F4007E4}"/>
+              </a:ext>
+            </a:extLst>
+          </p:cNvPr>
+          <p:cNvCxnSpPr>
+            <a:cxnSpLocks/>
+          </p:cNvCxnSpPr>
+          <p:nvPr/>
+        </p:nvCxnSpPr>
+        <p:spPr>
+          <a:xfrm rot="10800000" flipV="1">
+            <a:off x="7998371" y="6155101"/>
+            <a:ext cx="466748" cy="447352"/>
+          </a:xfrm>
+          <a:prstGeom prst="bentConnector3">
+            <a:avLst>
+              <a:gd name="adj1" fmla="val 45646"/>
+            </a:avLst>
+          </a:prstGeom>
+          <a:effectLst/>
+        </p:spPr>
+        <p:style>
+          <a:lnRef idx="2">
+            <a:schemeClr val="accent1"/>
+          </a:lnRef>
+          <a:fillRef idx="0">
+            <a:schemeClr val="accent1"/>
+          </a:fillRef>
+          <a:effectRef idx="1">
+            <a:schemeClr val="accent1"/>
+          </a:effectRef>
+          <a:fontRef idx="minor">
+            <a:schemeClr val="tx1"/>
+          </a:fontRef>
+        </p:style>
+      </p:cxnSp>
+      <p:cxnSp>
+        <p:nvCxnSpPr>
+          <p:cNvPr id="36" name="Straight Connector 35">
+            <a:extLst>
+              <a:ext uri="{FF2B5EF4-FFF2-40B4-BE49-F238E27FC236}">
+                <a16:creationId xmlns:a16="http://schemas.microsoft.com/office/drawing/2014/main" id="{D97F5425-C89D-C548-8859-D29DECE9C886}"/>
+              </a:ext>
+            </a:extLst>
+          </p:cNvPr>
+          <p:cNvCxnSpPr>
+            <a:cxnSpLocks/>
+          </p:cNvCxnSpPr>
+          <p:nvPr/>
+        </p:nvCxnSpPr>
+        <p:spPr>
+          <a:xfrm>
+            <a:off x="1442720" y="6602453"/>
+            <a:ext cx="6610349" cy="0"/>
+          </a:xfrm>
+          <a:prstGeom prst="line">
+            <a:avLst/>
+          </a:prstGeom>
+          <a:effectLst/>
+        </p:spPr>
+        <p:style>
+          <a:lnRef idx="2">
+            <a:schemeClr val="accent1"/>
+          </a:lnRef>
+          <a:fillRef idx="0">
+            <a:schemeClr val="accent1"/>
+          </a:fillRef>
+          <a:effectRef idx="1">
+            <a:schemeClr val="accent1"/>
+          </a:effectRef>
+          <a:fontRef idx="minor">
+            <a:schemeClr val="tx1"/>
+          </a:fontRef>
+        </p:style>
+      </p:cxnSp>
+      <p:sp>
+        <p:nvSpPr>
+          <p:cNvPr id="60" name="TextBox 59">
+            <a:extLst>
+              <a:ext uri="{FF2B5EF4-FFF2-40B4-BE49-F238E27FC236}">
+                <a16:creationId xmlns:a16="http://schemas.microsoft.com/office/drawing/2014/main" id="{ADE814F8-2063-E446-8FAF-8298B9B54BAD}"/>
+              </a:ext>
+            </a:extLst>
+          </p:cNvPr>
+          <p:cNvSpPr txBox="1"/>
+          <p:nvPr/>
+        </p:nvSpPr>
+        <p:spPr>
+          <a:xfrm>
+            <a:off x="3191172" y="1333191"/>
+            <a:ext cx="3944903" cy="400110"/>
+          </a:xfrm>
+          <a:prstGeom prst="rect">
+            <a:avLst/>
+          </a:prstGeom>
+          <a:noFill/>
+        </p:spPr>
+        <p:txBody>
+          <a:bodyPr wrap="square" rtlCol="0">
+            <a:spAutoFit/>
+          </a:bodyPr>
+          <a:lstStyle/>
+          <a:p>
+            <a:pPr algn="ctr"/>
+            <a:r>
+              <a:rPr lang="en-US" sz="2000" u="sng" dirty="0">
+                <a:latin typeface="Arial" panose="020B0604020202020204" pitchFamily="34" charset="0"/>
+                <a:cs typeface="Arial" panose="020B0604020202020204" pitchFamily="34" charset="0"/>
+              </a:rPr>
+              <a:t>SERCOM2</a:t>
+            </a:r>
+          </a:p>
+        </p:txBody>
+      </p:sp>
+      <p:sp>
+        <p:nvSpPr>
+          <p:cNvPr id="63" name="TextBox 62">
+            <a:extLst>
+              <a:ext uri="{FF2B5EF4-FFF2-40B4-BE49-F238E27FC236}">
+                <a16:creationId xmlns:a16="http://schemas.microsoft.com/office/drawing/2014/main" id="{E2A06480-3486-6644-8FEA-4296107D5F36}"/>
+              </a:ext>
+            </a:extLst>
+          </p:cNvPr>
+          <p:cNvSpPr txBox="1"/>
+          <p:nvPr/>
+        </p:nvSpPr>
+        <p:spPr>
+          <a:xfrm>
+            <a:off x="9933681" y="1341006"/>
+            <a:ext cx="1597438" cy="400110"/>
+          </a:xfrm>
+          <a:prstGeom prst="rect">
+            <a:avLst/>
+          </a:prstGeom>
+          <a:noFill/>
+        </p:spPr>
+        <p:txBody>
+          <a:bodyPr wrap="square" rtlCol="0">
+            <a:spAutoFit/>
+          </a:bodyPr>
+          <a:lstStyle/>
+          <a:p>
+            <a:pPr algn="ctr"/>
+            <a:r>
+              <a:rPr lang="en-US" sz="2000" dirty="0">
+                <a:latin typeface="Arial" panose="020B0604020202020204" pitchFamily="34" charset="0"/>
+                <a:cs typeface="Arial" panose="020B0604020202020204" pitchFamily="34" charset="0"/>
+              </a:rPr>
+              <a:t>Azure Cloud</a:t>
+            </a:r>
+          </a:p>
+        </p:txBody>
+      </p:sp>
+      <p:sp>
+        <p:nvSpPr>
+          <p:cNvPr id="4" name="Rectangular Callout 3">
+            <a:extLst>
+              <a:ext uri="{FF2B5EF4-FFF2-40B4-BE49-F238E27FC236}">
+                <a16:creationId xmlns:a16="http://schemas.microsoft.com/office/drawing/2014/main" id="{AEB2807A-E1C6-724D-955E-AD31860AB627}"/>
+              </a:ext>
+            </a:extLst>
+          </p:cNvPr>
+          <p:cNvSpPr/>
+          <p:nvPr/>
+        </p:nvSpPr>
+        <p:spPr>
+          <a:xfrm>
+            <a:off x="1432209" y="4305668"/>
+            <a:ext cx="5703865" cy="486213"/>
+          </a:xfrm>
+          <a:prstGeom prst="wedgeRectCallout">
+            <a:avLst>
+              <a:gd name="adj1" fmla="val 8048"/>
+              <a:gd name="adj2" fmla="val -307254"/>
+            </a:avLst>
+          </a:prstGeom>
+          <a:solidFill>
+            <a:srgbClr val="7030A0"/>
+          </a:solidFill>
+          <a:ln>
+            <a:noFill/>
+          </a:ln>
+          <a:effectLst/>
+        </p:spPr>
+        <p:style>
+          <a:lnRef idx="1">
+            <a:schemeClr val="accent1"/>
+          </a:lnRef>
+          <a:fillRef idx="3">
+            <a:schemeClr val="accent1"/>
+          </a:fillRef>
+          <a:effectRef idx="2">
+            <a:schemeClr val="accent1"/>
+          </a:effectRef>
+          <a:fontRef idx="minor">
+            <a:schemeClr val="lt1"/>
+          </a:fontRef>
+        </p:style>
+        <p:txBody>
+          <a:bodyPr rot="0" spcFirstLastPara="0" vertOverflow="overflow" horzOverflow="overflow" vert="horz" wrap="square" lIns="91440" tIns="45720" rIns="91440" bIns="45720" numCol="1" spcCol="0" rtlCol="0" fromWordArt="0" anchor="ctr" anchorCtr="0" forceAA="0" compatLnSpc="1">
+            <a:prstTxWarp prst="textNoShape">
+              <a:avLst/>
+            </a:prstTxWarp>
+            <a:noAutofit/>
+          </a:bodyPr>
+          <a:lstStyle/>
+          <a:p>
+            <a:r>
+              <a:rPr lang="en-US" sz="1800" dirty="0">
+                <a:solidFill>
+                  <a:schemeClr val="bg1"/>
+                </a:solidFill>
+                <a:latin typeface="Arial" panose="020B0604020202020204" pitchFamily="34" charset="0"/>
+                <a:cs typeface="Arial" panose="020B0604020202020204" pitchFamily="34" charset="0"/>
+              </a:rPr>
+              <a:t>Send Telemetry Data Frame after generating interrupt</a:t>
+            </a:r>
+          </a:p>
+        </p:txBody>
+      </p:sp>
+      <p:sp>
+        <p:nvSpPr>
+          <p:cNvPr id="20" name="Rectangular Callout 19">
+            <a:extLst>
+              <a:ext uri="{FF2B5EF4-FFF2-40B4-BE49-F238E27FC236}">
+                <a16:creationId xmlns:a16="http://schemas.microsoft.com/office/drawing/2014/main" id="{21920869-7145-6A4B-9353-F214CE231241}"/>
+              </a:ext>
+            </a:extLst>
+          </p:cNvPr>
+          <p:cNvSpPr/>
+          <p:nvPr/>
+        </p:nvSpPr>
+        <p:spPr>
+          <a:xfrm>
+            <a:off x="8824600" y="3882796"/>
+            <a:ext cx="2931570" cy="777241"/>
+          </a:xfrm>
+          <a:prstGeom prst="wedgeRectCallout">
+            <a:avLst>
+              <a:gd name="adj1" fmla="val 14691"/>
+              <a:gd name="adj2" fmla="val -192006"/>
+            </a:avLst>
+          </a:prstGeom>
+          <a:solidFill>
+            <a:srgbClr val="92D050"/>
+          </a:solidFill>
+          <a:ln>
+            <a:noFill/>
+          </a:ln>
+          <a:effectLst/>
+        </p:spPr>
+        <p:style>
+          <a:lnRef idx="1">
+            <a:schemeClr val="accent1"/>
+          </a:lnRef>
+          <a:fillRef idx="3">
+            <a:schemeClr val="accent1"/>
+          </a:fillRef>
+          <a:effectRef idx="2">
+            <a:schemeClr val="accent1"/>
+          </a:effectRef>
+          <a:fontRef idx="minor">
+            <a:schemeClr val="lt1"/>
+          </a:fontRef>
+        </p:style>
+        <p:txBody>
+          <a:bodyPr rot="0" spcFirstLastPara="0" vertOverflow="overflow" horzOverflow="overflow" vert="horz" wrap="square" lIns="91440" tIns="45720" rIns="91440" bIns="45720" numCol="1" spcCol="0" rtlCol="0" fromWordArt="0" anchor="ctr" anchorCtr="0" forceAA="0" compatLnSpc="1">
+            <a:prstTxWarp prst="textNoShape">
+              <a:avLst/>
+            </a:prstTxWarp>
+            <a:noAutofit/>
+          </a:bodyPr>
+          <a:lstStyle/>
+          <a:p>
+            <a:r>
+              <a:rPr lang="en-US" sz="2000" dirty="0">
+                <a:solidFill>
+                  <a:schemeClr val="tx1"/>
+                </a:solidFill>
+                <a:latin typeface="Arial" panose="020B0604020202020204" pitchFamily="34" charset="0"/>
+                <a:cs typeface="Arial" panose="020B0604020202020204" pitchFamily="34" charset="0"/>
+              </a:rPr>
+              <a:t>telemetry strings get updated based on index</a:t>
+            </a:r>
+          </a:p>
+        </p:txBody>
+      </p:sp>
+      <p:pic>
+        <p:nvPicPr>
+          <p:cNvPr id="13" name="Picture 12" descr="Text&#10;&#10;Description automatically generated">
+            <a:extLst>
+              <a:ext uri="{FF2B5EF4-FFF2-40B4-BE49-F238E27FC236}">
+                <a16:creationId xmlns:a16="http://schemas.microsoft.com/office/drawing/2014/main" id="{947D16E8-74BB-EA4D-B4C7-C27F846EF625}"/>
+              </a:ext>
+            </a:extLst>
+          </p:cNvPr>
+          <p:cNvPicPr>
+            <a:picLocks noChangeAspect="1"/>
+          </p:cNvPicPr>
+          <p:nvPr/>
+        </p:nvPicPr>
+        <p:blipFill>
+          <a:blip r:embed="rId4"/>
+          <a:stretch>
+            <a:fillRect/>
+          </a:stretch>
+        </p:blipFill>
+        <p:spPr>
+          <a:xfrm>
+            <a:off x="9933681" y="1822804"/>
+            <a:ext cx="1600200" cy="952500"/>
+          </a:xfrm>
+          <a:prstGeom prst="rect">
+            <a:avLst/>
+          </a:prstGeom>
+        </p:spPr>
+      </p:pic>
+      <p:sp>
+        <p:nvSpPr>
+          <p:cNvPr id="27" name="Rectangle 26">
+            <a:extLst>
+              <a:ext uri="{FF2B5EF4-FFF2-40B4-BE49-F238E27FC236}">
+                <a16:creationId xmlns:a16="http://schemas.microsoft.com/office/drawing/2014/main" id="{6F44C02D-EEC8-2847-87C0-25C73BD1F821}"/>
+              </a:ext>
+            </a:extLst>
+          </p:cNvPr>
+          <p:cNvSpPr/>
+          <p:nvPr/>
+        </p:nvSpPr>
+        <p:spPr>
+          <a:xfrm>
+            <a:off x="4234298" y="1316137"/>
+            <a:ext cx="1803879" cy="1424332"/>
+          </a:xfrm>
+          <a:prstGeom prst="rect">
+            <a:avLst/>
+          </a:prstGeom>
+          <a:noFill/>
+          <a:ln w="25400">
+            <a:solidFill>
+              <a:schemeClr val="tx1"/>
+            </a:solidFill>
+            <a:prstDash val="solid"/>
+          </a:ln>
+          <a:effectLst/>
+        </p:spPr>
+        <p:style>
+          <a:lnRef idx="1">
+            <a:schemeClr val="accent1"/>
+          </a:lnRef>
+          <a:fillRef idx="3">
+            <a:schemeClr val="accent1"/>
+          </a:fillRef>
+          <a:effectRef idx="2">
+            <a:schemeClr val="accent1"/>
+          </a:effectRef>
+          <a:fontRef idx="minor">
+            <a:schemeClr val="lt1"/>
+          </a:fontRef>
+        </p:style>
+        <p:txBody>
+          <a:bodyPr rot="0" spcFirstLastPara="0" vertOverflow="overflow" horzOverflow="overflow" vert="horz" wrap="square" lIns="91440" tIns="45720" rIns="91440" bIns="45720" numCol="1" spcCol="0" rtlCol="0" fromWordArt="0" anchor="ctr" anchorCtr="0" forceAA="0" compatLnSpc="1">
+            <a:prstTxWarp prst="textNoShape">
+              <a:avLst/>
+            </a:prstTxWarp>
+            <a:noAutofit/>
+          </a:bodyPr>
+          <a:lstStyle/>
+          <a:p>
+            <a:pPr algn="ctr"/>
+            <a:endParaRPr lang="en-US"/>
+          </a:p>
+        </p:txBody>
+      </p:sp>
+    </p:spTree>
+    <p:extLst>
+      <p:ext uri="{BB962C8B-B14F-4D97-AF65-F5344CB8AC3E}">
+        <p14:creationId xmlns:p14="http://schemas.microsoft.com/office/powerpoint/2010/main" val="724382900"/>
+      </p:ext>
+    </p:extLst>
+  </p:cSld>
+  <p:clrMapOvr>
+    <a:masterClrMapping/>
+  </p:clrMapOvr>
+</p:sld>
+</file>
+
+<file path=ppt/slides/slide16.xml><?xml version="1.0" encoding="utf-8"?>
+<p:sld xmlns:a="http://schemas.openxmlformats.org/drawingml/2006/main" xmlns:r="http://schemas.openxmlformats.org/officeDocument/2006/relationships" xmlns:p="http://schemas.openxmlformats.org/presentationml/2006/main">
+  <p:cSld>
+    <p:spTree>
+      <p:nvGrpSpPr>
+        <p:cNvPr id="1" name=""/>
+        <p:cNvGrpSpPr/>
+        <p:nvPr/>
+      </p:nvGrpSpPr>
+      <p:grpSpPr>
+        <a:xfrm>
+          <a:off x="0" y="0"/>
+          <a:ext cx="0" cy="0"/>
+          <a:chOff x="0" y="0"/>
+          <a:chExt cx="0" cy="0"/>
+        </a:xfrm>
+      </p:grpSpPr>
+      <p:sp>
+        <p:nvSpPr>
+          <p:cNvPr id="2" name="Title 1">
+            <a:extLst>
+              <a:ext uri="{FF2B5EF4-FFF2-40B4-BE49-F238E27FC236}">
+                <a16:creationId xmlns:a16="http://schemas.microsoft.com/office/drawing/2014/main" id="{95AC07ED-0E8F-3341-BD66-CC6F287C0B94}"/>
+              </a:ext>
+            </a:extLst>
+          </p:cNvPr>
+          <p:cNvSpPr>
+            <a:spLocks noGrp="1"/>
+          </p:cNvSpPr>
+          <p:nvPr>
+            <p:ph type="title"/>
+          </p:nvPr>
+        </p:nvSpPr>
+        <p:spPr/>
+        <p:txBody>
+          <a:bodyPr/>
+          <a:lstStyle/>
+          <a:p>
+            <a:r>
+              <a:rPr lang="en-US" sz="4000" dirty="0"/>
+              <a:t>Enhancement: Dedicated Telemetry Interface (SPI)</a:t>
             </a:r>
           </a:p>
         </p:txBody>
@@ -15509,59 +16833,39 @@
       </p:pic>
       <p:sp>
         <p:nvSpPr>
-          <p:cNvPr id="25" name="Rectangle 24">
+          <p:cNvPr id="27" name="TextBox 26">
             <a:extLst>
               <a:ext uri="{FF2B5EF4-FFF2-40B4-BE49-F238E27FC236}">
-                <a16:creationId xmlns:a16="http://schemas.microsoft.com/office/drawing/2014/main" id="{8C798C45-8F9A-6A44-A31C-B768390C84AC}"/>
+                <a16:creationId xmlns:a16="http://schemas.microsoft.com/office/drawing/2014/main" id="{5623C924-1EA8-6C4C-ACAA-84956E0EE26A}"/>
               </a:ext>
             </a:extLst>
           </p:cNvPr>
-          <p:cNvSpPr/>
+          <p:cNvSpPr txBox="1"/>
           <p:nvPr/>
         </p:nvSpPr>
         <p:spPr>
           <a:xfrm>
-            <a:off x="6105388" y="1007505"/>
-            <a:ext cx="928947" cy="336514"/>
+            <a:off x="3177083" y="2304929"/>
+            <a:ext cx="1022321" cy="369332"/>
           </a:xfrm>
           <a:prstGeom prst="rect">
             <a:avLst/>
           </a:prstGeom>
-          <a:solidFill>
-            <a:srgbClr val="FF0000"/>
-          </a:solidFill>
-          <a:ln>
-            <a:noFill/>
-          </a:ln>
-          <a:effectLst/>
+          <a:noFill/>
         </p:spPr>
-        <p:style>
-          <a:lnRef idx="1">
-            <a:schemeClr val="accent1"/>
-          </a:lnRef>
-          <a:fillRef idx="3">
-            <a:schemeClr val="accent1"/>
-          </a:fillRef>
-          <a:effectRef idx="2">
-            <a:schemeClr val="accent1"/>
-          </a:effectRef>
-          <a:fontRef idx="minor">
-            <a:schemeClr val="lt1"/>
-          </a:fontRef>
-        </p:style>
         <p:txBody>
-          <a:bodyPr rot="0" spcFirstLastPara="0" vertOverflow="overflow" horzOverflow="overflow" vert="horz" wrap="square" lIns="91440" tIns="45720" rIns="91440" bIns="45720" numCol="1" spcCol="0" rtlCol="0" fromWordArt="0" anchor="ctr" anchorCtr="0" forceAA="0" compatLnSpc="1">
-            <a:prstTxWarp prst="textNoShape">
-              <a:avLst/>
-            </a:prstTxWarp>
-            <a:noAutofit/>
+          <a:bodyPr wrap="square" rtlCol="0">
+            <a:spAutoFit/>
           </a:bodyPr>
           <a:lstStyle/>
           <a:p>
             <a:pPr algn="ctr"/>
             <a:r>
-              <a:rPr lang="en-US" sz="2000" dirty="0"/>
-              <a:t>ADD</a:t>
+              <a:rPr lang="en-US" sz="1800" dirty="0">
+                <a:latin typeface="Arial" panose="020B0604020202020204" pitchFamily="34" charset="0"/>
+                <a:cs typeface="Arial" panose="020B0604020202020204" pitchFamily="34" charset="0"/>
+              </a:rPr>
+              <a:t>48 MHz</a:t>
             </a:r>
           </a:p>
         </p:txBody>
@@ -15579,7 +16883,7 @@
 </p:sld>
 </file>
 
-<file path=ppt/slides/slide16.xml><?xml version="1.0" encoding="utf-8"?>
+<file path=ppt/slides/slide17.xml><?xml version="1.0" encoding="utf-8"?>
 <p:sld xmlns:a="http://schemas.openxmlformats.org/drawingml/2006/main" xmlns:r="http://schemas.openxmlformats.org/officeDocument/2006/relationships" xmlns:p="http://schemas.openxmlformats.org/presentationml/2006/main">
   <p:cSld>
     <p:spTree>
@@ -16953,65 +18257,6 @@
           </a:p>
         </p:txBody>
       </p:sp>
-      <p:sp>
-        <p:nvSpPr>
-          <p:cNvPr id="7" name="Rectangle 6">
-            <a:extLst>
-              <a:ext uri="{FF2B5EF4-FFF2-40B4-BE49-F238E27FC236}">
-                <a16:creationId xmlns:a16="http://schemas.microsoft.com/office/drawing/2014/main" id="{53C0ABA2-C4A3-8349-910F-67C5234D4A41}"/>
-              </a:ext>
-            </a:extLst>
-          </p:cNvPr>
-          <p:cNvSpPr/>
-          <p:nvPr/>
-        </p:nvSpPr>
-        <p:spPr>
-          <a:xfrm>
-            <a:off x="3209487" y="902891"/>
-            <a:ext cx="928947" cy="336514"/>
-          </a:xfrm>
-          <a:prstGeom prst="rect">
-            <a:avLst/>
-          </a:prstGeom>
-          <a:solidFill>
-            <a:srgbClr val="FF0000"/>
-          </a:solidFill>
-          <a:ln>
-            <a:noFill/>
-          </a:ln>
-          <a:effectLst/>
-        </p:spPr>
-        <p:style>
-          <a:lnRef idx="1">
-            <a:schemeClr val="accent1"/>
-          </a:lnRef>
-          <a:fillRef idx="3">
-            <a:schemeClr val="accent1"/>
-          </a:fillRef>
-          <a:effectRef idx="2">
-            <a:schemeClr val="accent1"/>
-          </a:effectRef>
-          <a:fontRef idx="minor">
-            <a:schemeClr val="lt1"/>
-          </a:fontRef>
-        </p:style>
-        <p:txBody>
-          <a:bodyPr rot="0" spcFirstLastPara="0" vertOverflow="overflow" horzOverflow="overflow" vert="horz" wrap="square" lIns="91440" tIns="45720" rIns="91440" bIns="45720" numCol="1" spcCol="0" rtlCol="0" fromWordArt="0" anchor="ctr" anchorCtr="0" forceAA="0" compatLnSpc="1">
-            <a:prstTxWarp prst="textNoShape">
-              <a:avLst/>
-            </a:prstTxWarp>
-            <a:noAutofit/>
-          </a:bodyPr>
-          <a:lstStyle/>
-          <a:p>
-            <a:pPr algn="ctr"/>
-            <a:r>
-              <a:rPr lang="en-US" sz="2000" dirty="0"/>
-              <a:t>ADD</a:t>
-            </a:r>
-          </a:p>
-        </p:txBody>
-      </p:sp>
     </p:spTree>
     <p:extLst>
       <p:ext uri="{BB962C8B-B14F-4D97-AF65-F5344CB8AC3E}">
@@ -17025,7 +18270,7 @@
 </p:sld>
 </file>
 
-<file path=ppt/slides/slide17.xml><?xml version="1.0" encoding="utf-8"?>
+<file path=ppt/slides/slide18.xml><?xml version="1.0" encoding="utf-8"?>
 <p:sld xmlns:a="http://schemas.openxmlformats.org/drawingml/2006/main" xmlns:r="http://schemas.openxmlformats.org/officeDocument/2006/relationships" xmlns:p="http://schemas.openxmlformats.org/presentationml/2006/main">
   <p:cSld>
     <p:spTree>
@@ -18433,7 +19678,7 @@
 </p:sld>
 </file>
 
-<file path=ppt/slides/slide18.xml><?xml version="1.0" encoding="utf-8"?>
+<file path=ppt/slides/slide19.xml><?xml version="1.0" encoding="utf-8"?>
 <p:sld xmlns:a="http://schemas.openxmlformats.org/drawingml/2006/main" xmlns:r="http://schemas.openxmlformats.org/officeDocument/2006/relationships" xmlns:p="http://schemas.openxmlformats.org/presentationml/2006/main">
   <p:cSld>
     <p:spTree>
@@ -19432,7 +20677,720 @@
 </p:sld>
 </file>
 
-<file path=ppt/slides/slide19.xml><?xml version="1.0" encoding="utf-8"?>
+<file path=ppt/slides/slide2.xml><?xml version="1.0" encoding="utf-8"?>
+<p:sld xmlns:a="http://schemas.openxmlformats.org/drawingml/2006/main" xmlns:r="http://schemas.openxmlformats.org/officeDocument/2006/relationships" xmlns:p="http://schemas.openxmlformats.org/presentationml/2006/main">
+  <p:cSld>
+    <p:spTree>
+      <p:nvGrpSpPr>
+        <p:cNvPr id="1" name=""/>
+        <p:cNvGrpSpPr/>
+        <p:nvPr/>
+      </p:nvGrpSpPr>
+      <p:grpSpPr>
+        <a:xfrm>
+          <a:off x="0" y="0"/>
+          <a:ext cx="0" cy="0"/>
+          <a:chOff x="0" y="0"/>
+          <a:chExt cx="0" cy="0"/>
+        </a:xfrm>
+      </p:grpSpPr>
+      <p:sp>
+        <p:nvSpPr>
+          <p:cNvPr id="2" name="Title 1">
+            <a:extLst>
+              <a:ext uri="{FF2B5EF4-FFF2-40B4-BE49-F238E27FC236}">
+                <a16:creationId xmlns:a16="http://schemas.microsoft.com/office/drawing/2014/main" id="{95AC07ED-0E8F-3341-BD66-CC6F287C0B94}"/>
+              </a:ext>
+            </a:extLst>
+          </p:cNvPr>
+          <p:cNvSpPr>
+            <a:spLocks noGrp="1"/>
+          </p:cNvSpPr>
+          <p:nvPr>
+            <p:ph type="title"/>
+          </p:nvPr>
+        </p:nvSpPr>
+        <p:spPr/>
+        <p:txBody>
+          <a:bodyPr/>
+          <a:lstStyle/>
+          <a:p>
+            <a:r>
+              <a:rPr lang="en-US" dirty="0"/>
+              <a:t>Current Solution</a:t>
+            </a:r>
+          </a:p>
+        </p:txBody>
+      </p:sp>
+      <p:sp>
+        <p:nvSpPr>
+          <p:cNvPr id="4" name="Rectangle 3">
+            <a:extLst>
+              <a:ext uri="{FF2B5EF4-FFF2-40B4-BE49-F238E27FC236}">
+                <a16:creationId xmlns:a16="http://schemas.microsoft.com/office/drawing/2014/main" id="{957CEA58-F2E8-40AA-A902-6AAAA41643D7}"/>
+              </a:ext>
+            </a:extLst>
+          </p:cNvPr>
+          <p:cNvSpPr/>
+          <p:nvPr/>
+        </p:nvSpPr>
+        <p:spPr>
+          <a:xfrm>
+            <a:off x="8044624" y="2351595"/>
+            <a:ext cx="2620597" cy="1427834"/>
+          </a:xfrm>
+          <a:prstGeom prst="rect">
+            <a:avLst/>
+          </a:prstGeom>
+        </p:spPr>
+        <p:style>
+          <a:lnRef idx="2">
+            <a:schemeClr val="accent1">
+              <a:shade val="50000"/>
+            </a:schemeClr>
+          </a:lnRef>
+          <a:fillRef idx="1">
+            <a:schemeClr val="accent1"/>
+          </a:fillRef>
+          <a:effectRef idx="0">
+            <a:schemeClr val="accent1"/>
+          </a:effectRef>
+          <a:fontRef idx="minor">
+            <a:schemeClr val="lt1"/>
+          </a:fontRef>
+        </p:style>
+        <p:txBody>
+          <a:bodyPr rtlCol="0" anchor="ctr"/>
+          <a:lstStyle/>
+          <a:p>
+            <a:pPr algn="ctr"/>
+            <a:r>
+              <a:rPr lang="en-US" sz="2399" dirty="0" err="1"/>
+              <a:t>uRata</a:t>
+            </a:r>
+            <a:endParaRPr lang="en-US" sz="2399" dirty="0"/>
+          </a:p>
+          <a:p>
+            <a:pPr algn="ctr"/>
+            <a:endParaRPr lang="en-US" sz="2399" dirty="0"/>
+          </a:p>
+          <a:p>
+            <a:pPr algn="ctr"/>
+            <a:endParaRPr lang="en-US" sz="2399" dirty="0"/>
+          </a:p>
+        </p:txBody>
+      </p:sp>
+      <p:sp>
+        <p:nvSpPr>
+          <p:cNvPr id="5" name="Rectangle 4">
+            <a:extLst>
+              <a:ext uri="{FF2B5EF4-FFF2-40B4-BE49-F238E27FC236}">
+                <a16:creationId xmlns:a16="http://schemas.microsoft.com/office/drawing/2014/main" id="{4A6A00AE-C3A4-4DCA-B518-F319B792FC9A}"/>
+              </a:ext>
+            </a:extLst>
+          </p:cNvPr>
+          <p:cNvSpPr/>
+          <p:nvPr/>
+        </p:nvSpPr>
+        <p:spPr>
+          <a:xfrm>
+            <a:off x="4218204" y="2351595"/>
+            <a:ext cx="2620597" cy="1427834"/>
+          </a:xfrm>
+          <a:prstGeom prst="rect">
+            <a:avLst/>
+          </a:prstGeom>
+        </p:spPr>
+        <p:style>
+          <a:lnRef idx="2">
+            <a:schemeClr val="accent1">
+              <a:shade val="50000"/>
+            </a:schemeClr>
+          </a:lnRef>
+          <a:fillRef idx="1">
+            <a:schemeClr val="accent1"/>
+          </a:fillRef>
+          <a:effectRef idx="0">
+            <a:schemeClr val="accent1"/>
+          </a:effectRef>
+          <a:fontRef idx="minor">
+            <a:schemeClr val="lt1"/>
+          </a:fontRef>
+        </p:style>
+        <p:txBody>
+          <a:bodyPr rtlCol="0" anchor="ctr"/>
+          <a:lstStyle/>
+          <a:p>
+            <a:pPr algn="ctr"/>
+            <a:r>
+              <a:rPr lang="en-US" sz="2399" dirty="0"/>
+              <a:t>Application MCU – (NXP </a:t>
+            </a:r>
+            <a:r>
+              <a:rPr lang="en-US" sz="2399" dirty="0" err="1"/>
+              <a:t>Kinetis</a:t>
+            </a:r>
+            <a:r>
+              <a:rPr lang="en-US" sz="2399" dirty="0"/>
+              <a:t>)</a:t>
+            </a:r>
+          </a:p>
+        </p:txBody>
+      </p:sp>
+      <p:sp>
+        <p:nvSpPr>
+          <p:cNvPr id="11" name="Rectangle 10">
+            <a:extLst>
+              <a:ext uri="{FF2B5EF4-FFF2-40B4-BE49-F238E27FC236}">
+                <a16:creationId xmlns:a16="http://schemas.microsoft.com/office/drawing/2014/main" id="{82B1EB7C-5887-4E47-8CC0-AD047993B3CD}"/>
+              </a:ext>
+            </a:extLst>
+          </p:cNvPr>
+          <p:cNvSpPr/>
+          <p:nvPr/>
+        </p:nvSpPr>
+        <p:spPr>
+          <a:xfrm>
+            <a:off x="6642908" y="4895089"/>
+            <a:ext cx="1401716" cy="724798"/>
+          </a:xfrm>
+          <a:prstGeom prst="rect">
+            <a:avLst/>
+          </a:prstGeom>
+        </p:spPr>
+        <p:style>
+          <a:lnRef idx="2">
+            <a:schemeClr val="accent1">
+              <a:shade val="50000"/>
+            </a:schemeClr>
+          </a:lnRef>
+          <a:fillRef idx="1">
+            <a:schemeClr val="accent1"/>
+          </a:fillRef>
+          <a:effectRef idx="0">
+            <a:schemeClr val="accent1"/>
+          </a:effectRef>
+          <a:fontRef idx="minor">
+            <a:schemeClr val="lt1"/>
+          </a:fontRef>
+        </p:style>
+        <p:txBody>
+          <a:bodyPr rtlCol="0" anchor="ctr"/>
+          <a:lstStyle/>
+          <a:p>
+            <a:pPr algn="ctr"/>
+            <a:r>
+              <a:rPr lang="en-US" sz="2399" dirty="0"/>
+              <a:t>BLE</a:t>
+            </a:r>
+          </a:p>
+          <a:p>
+            <a:pPr algn="ctr"/>
+            <a:r>
+              <a:rPr lang="en-US" sz="1600" dirty="0"/>
+              <a:t>(unused)</a:t>
+            </a:r>
+          </a:p>
+        </p:txBody>
+      </p:sp>
+      <p:sp>
+        <p:nvSpPr>
+          <p:cNvPr id="12" name="Rectangle 11">
+            <a:extLst>
+              <a:ext uri="{FF2B5EF4-FFF2-40B4-BE49-F238E27FC236}">
+                <a16:creationId xmlns:a16="http://schemas.microsoft.com/office/drawing/2014/main" id="{4684F5A1-19FE-49A2-A180-A11CF3CEB66F}"/>
+              </a:ext>
+            </a:extLst>
+          </p:cNvPr>
+          <p:cNvSpPr/>
+          <p:nvPr/>
+        </p:nvSpPr>
+        <p:spPr>
+          <a:xfrm>
+            <a:off x="9720071" y="3136392"/>
+            <a:ext cx="945149" cy="643037"/>
+          </a:xfrm>
+          <a:prstGeom prst="rect">
+            <a:avLst/>
+          </a:prstGeom>
+          <a:solidFill>
+            <a:srgbClr val="777777"/>
+          </a:solidFill>
+        </p:spPr>
+        <p:style>
+          <a:lnRef idx="2">
+            <a:schemeClr val="accent1">
+              <a:shade val="50000"/>
+            </a:schemeClr>
+          </a:lnRef>
+          <a:fillRef idx="1">
+            <a:schemeClr val="accent1"/>
+          </a:fillRef>
+          <a:effectRef idx="0">
+            <a:schemeClr val="accent1"/>
+          </a:effectRef>
+          <a:fontRef idx="minor">
+            <a:schemeClr val="lt1"/>
+          </a:fontRef>
+        </p:style>
+        <p:txBody>
+          <a:bodyPr rtlCol="0" anchor="ctr"/>
+          <a:lstStyle/>
+          <a:p>
+            <a:pPr algn="ctr"/>
+            <a:r>
+              <a:rPr lang="en-US" sz="1600" dirty="0"/>
+              <a:t>BCM43</a:t>
+            </a:r>
+          </a:p>
+        </p:txBody>
+      </p:sp>
+      <p:sp>
+        <p:nvSpPr>
+          <p:cNvPr id="13" name="Rectangle 12">
+            <a:extLst>
+              <a:ext uri="{FF2B5EF4-FFF2-40B4-BE49-F238E27FC236}">
+                <a16:creationId xmlns:a16="http://schemas.microsoft.com/office/drawing/2014/main" id="{36AB5B0C-6ADB-4E2B-826F-EC1EA7E7BE13}"/>
+              </a:ext>
+            </a:extLst>
+          </p:cNvPr>
+          <p:cNvSpPr/>
+          <p:nvPr/>
+        </p:nvSpPr>
+        <p:spPr>
+          <a:xfrm>
+            <a:off x="8044624" y="3142487"/>
+            <a:ext cx="1238472" cy="643037"/>
+          </a:xfrm>
+          <a:prstGeom prst="rect">
+            <a:avLst/>
+          </a:prstGeom>
+          <a:solidFill>
+            <a:srgbClr val="777777"/>
+          </a:solidFill>
+        </p:spPr>
+        <p:style>
+          <a:lnRef idx="2">
+            <a:schemeClr val="accent1">
+              <a:shade val="50000"/>
+            </a:schemeClr>
+          </a:lnRef>
+          <a:fillRef idx="1">
+            <a:schemeClr val="accent1"/>
+          </a:fillRef>
+          <a:effectRef idx="0">
+            <a:schemeClr val="accent1"/>
+          </a:effectRef>
+          <a:fontRef idx="minor">
+            <a:schemeClr val="lt1"/>
+          </a:fontRef>
+        </p:style>
+        <p:txBody>
+          <a:bodyPr rtlCol="0" anchor="ctr"/>
+          <a:lstStyle/>
+          <a:p>
+            <a:pPr algn="ctr"/>
+            <a:r>
+              <a:rPr lang="en-US" sz="1600" dirty="0"/>
+              <a:t>STM32</a:t>
+            </a:r>
+          </a:p>
+        </p:txBody>
+      </p:sp>
+      <p:sp>
+        <p:nvSpPr>
+          <p:cNvPr id="14" name="Rectangle 13">
+            <a:extLst>
+              <a:ext uri="{FF2B5EF4-FFF2-40B4-BE49-F238E27FC236}">
+                <a16:creationId xmlns:a16="http://schemas.microsoft.com/office/drawing/2014/main" id="{A12AE01F-AEEA-434C-9DFE-A5DEE353DC21}"/>
+              </a:ext>
+            </a:extLst>
+          </p:cNvPr>
+          <p:cNvSpPr/>
+          <p:nvPr/>
+        </p:nvSpPr>
+        <p:spPr>
+          <a:xfrm>
+            <a:off x="9210892" y="4935969"/>
+            <a:ext cx="1382125" cy="643037"/>
+          </a:xfrm>
+          <a:prstGeom prst="rect">
+            <a:avLst/>
+          </a:prstGeom>
+        </p:spPr>
+        <p:style>
+          <a:lnRef idx="2">
+            <a:schemeClr val="accent1">
+              <a:shade val="50000"/>
+            </a:schemeClr>
+          </a:lnRef>
+          <a:fillRef idx="1">
+            <a:schemeClr val="accent1"/>
+          </a:fillRef>
+          <a:effectRef idx="0">
+            <a:schemeClr val="accent1"/>
+          </a:effectRef>
+          <a:fontRef idx="minor">
+            <a:schemeClr val="lt1"/>
+          </a:fontRef>
+        </p:style>
+        <p:txBody>
+          <a:bodyPr rtlCol="0" anchor="ctr"/>
+          <a:lstStyle/>
+          <a:p>
+            <a:pPr algn="ctr"/>
+            <a:r>
+              <a:rPr lang="en-US" sz="2399" dirty="0"/>
+              <a:t>Security?</a:t>
+            </a:r>
+          </a:p>
+        </p:txBody>
+      </p:sp>
+      <p:cxnSp>
+        <p:nvCxnSpPr>
+          <p:cNvPr id="15" name="Straight Arrow Connector 14">
+            <a:extLst>
+              <a:ext uri="{FF2B5EF4-FFF2-40B4-BE49-F238E27FC236}">
+                <a16:creationId xmlns:a16="http://schemas.microsoft.com/office/drawing/2014/main" id="{C76E5750-EFF2-4DA2-97C1-799CFC1BF979}"/>
+              </a:ext>
+            </a:extLst>
+          </p:cNvPr>
+          <p:cNvCxnSpPr>
+            <a:cxnSpLocks/>
+          </p:cNvCxnSpPr>
+          <p:nvPr/>
+        </p:nvCxnSpPr>
+        <p:spPr>
+          <a:xfrm>
+            <a:off x="6838801" y="3429000"/>
+            <a:ext cx="1205823" cy="0"/>
+          </a:xfrm>
+          <a:prstGeom prst="straightConnector1">
+            <a:avLst/>
+          </a:prstGeom>
+          <a:ln w="57150">
+            <a:headEnd type="triangle"/>
+            <a:tailEnd type="triangle"/>
+          </a:ln>
+          <a:effectLst/>
+        </p:spPr>
+        <p:style>
+          <a:lnRef idx="2">
+            <a:schemeClr val="accent1"/>
+          </a:lnRef>
+          <a:fillRef idx="0">
+            <a:schemeClr val="accent1"/>
+          </a:fillRef>
+          <a:effectRef idx="1">
+            <a:schemeClr val="accent1"/>
+          </a:effectRef>
+          <a:fontRef idx="minor">
+            <a:schemeClr val="tx1"/>
+          </a:fontRef>
+        </p:style>
+      </p:cxnSp>
+      <p:cxnSp>
+        <p:nvCxnSpPr>
+          <p:cNvPr id="17" name="Straight Arrow Connector 16">
+            <a:extLst>
+              <a:ext uri="{FF2B5EF4-FFF2-40B4-BE49-F238E27FC236}">
+                <a16:creationId xmlns:a16="http://schemas.microsoft.com/office/drawing/2014/main" id="{4A7BF50D-F82E-4120-B0E8-682ED77A8B71}"/>
+              </a:ext>
+            </a:extLst>
+          </p:cNvPr>
+          <p:cNvCxnSpPr>
+            <a:cxnSpLocks/>
+          </p:cNvCxnSpPr>
+          <p:nvPr/>
+        </p:nvCxnSpPr>
+        <p:spPr>
+          <a:xfrm>
+            <a:off x="9283096" y="3429000"/>
+            <a:ext cx="436975" cy="0"/>
+          </a:xfrm>
+          <a:prstGeom prst="straightConnector1">
+            <a:avLst/>
+          </a:prstGeom>
+          <a:ln w="57150">
+            <a:solidFill>
+              <a:srgbClr val="777777"/>
+            </a:solidFill>
+            <a:headEnd type="triangle"/>
+            <a:tailEnd type="triangle"/>
+          </a:ln>
+          <a:effectLst/>
+        </p:spPr>
+        <p:style>
+          <a:lnRef idx="2">
+            <a:schemeClr val="accent1"/>
+          </a:lnRef>
+          <a:fillRef idx="0">
+            <a:schemeClr val="accent1"/>
+          </a:fillRef>
+          <a:effectRef idx="1">
+            <a:schemeClr val="accent1"/>
+          </a:effectRef>
+          <a:fontRef idx="minor">
+            <a:schemeClr val="tx1"/>
+          </a:fontRef>
+        </p:style>
+      </p:cxnSp>
+      <p:sp>
+        <p:nvSpPr>
+          <p:cNvPr id="20" name="Callout: Double Bent Line 19">
+            <a:extLst>
+              <a:ext uri="{FF2B5EF4-FFF2-40B4-BE49-F238E27FC236}">
+                <a16:creationId xmlns:a16="http://schemas.microsoft.com/office/drawing/2014/main" id="{A842DDE3-EC20-466F-8A0B-0F04DB2527D1}"/>
+              </a:ext>
+            </a:extLst>
+          </p:cNvPr>
+          <p:cNvSpPr/>
+          <p:nvPr/>
+        </p:nvSpPr>
+        <p:spPr>
+          <a:xfrm>
+            <a:off x="9720071" y="1418197"/>
+            <a:ext cx="1617878" cy="487021"/>
+          </a:xfrm>
+          <a:prstGeom prst="borderCallout3">
+            <a:avLst>
+              <a:gd name="adj1" fmla="val 20012"/>
+              <a:gd name="adj2" fmla="val -1682"/>
+              <a:gd name="adj3" fmla="val 18750"/>
+              <a:gd name="adj4" fmla="val -16667"/>
+              <a:gd name="adj5" fmla="val 100000"/>
+              <a:gd name="adj6" fmla="val -16667"/>
+              <a:gd name="adj7" fmla="val 350094"/>
+              <a:gd name="adj8" fmla="val 30383"/>
+            </a:avLst>
+          </a:prstGeom>
+          <a:solidFill>
+            <a:schemeClr val="accent3">
+              <a:lumMod val="60000"/>
+              <a:lumOff val="40000"/>
+            </a:schemeClr>
+          </a:solidFill>
+          <a:ln w="28575">
+            <a:solidFill>
+              <a:srgbClr val="070707"/>
+            </a:solidFill>
+          </a:ln>
+          <a:effectLst/>
+        </p:spPr>
+        <p:style>
+          <a:lnRef idx="1">
+            <a:schemeClr val="accent1"/>
+          </a:lnRef>
+          <a:fillRef idx="3">
+            <a:schemeClr val="accent1"/>
+          </a:fillRef>
+          <a:effectRef idx="2">
+            <a:schemeClr val="accent1"/>
+          </a:effectRef>
+          <a:fontRef idx="minor">
+            <a:schemeClr val="lt1"/>
+          </a:fontRef>
+        </p:style>
+        <p:txBody>
+          <a:bodyPr rot="0" spcFirstLastPara="0" vertOverflow="overflow" horzOverflow="overflow" vert="horz" wrap="square" lIns="91440" tIns="45720" rIns="91440" bIns="45720" numCol="1" spcCol="0" rtlCol="0" fromWordArt="0" anchor="ctr" anchorCtr="0" forceAA="0" compatLnSpc="1">
+            <a:prstTxWarp prst="textNoShape">
+              <a:avLst/>
+            </a:prstTxWarp>
+            <a:noAutofit/>
+          </a:bodyPr>
+          <a:lstStyle/>
+          <a:p>
+            <a:pPr algn="ctr"/>
+            <a:r>
+              <a:rPr lang="en-US" sz="1200" dirty="0">
+                <a:solidFill>
+                  <a:schemeClr val="tx1"/>
+                </a:solidFill>
+              </a:rPr>
+              <a:t>Networking: TCP/IP, TLS</a:t>
+            </a:r>
+          </a:p>
+        </p:txBody>
+      </p:sp>
+      <p:sp>
+        <p:nvSpPr>
+          <p:cNvPr id="21" name="Callout: Double Bent Line 20">
+            <a:extLst>
+              <a:ext uri="{FF2B5EF4-FFF2-40B4-BE49-F238E27FC236}">
+                <a16:creationId xmlns:a16="http://schemas.microsoft.com/office/drawing/2014/main" id="{5BD9CF54-B587-456D-BBC7-CDEA68293270}"/>
+              </a:ext>
+            </a:extLst>
+          </p:cNvPr>
+          <p:cNvSpPr/>
+          <p:nvPr/>
+        </p:nvSpPr>
+        <p:spPr>
+          <a:xfrm>
+            <a:off x="7665218" y="1405757"/>
+            <a:ext cx="1617878" cy="487021"/>
+          </a:xfrm>
+          <a:prstGeom prst="borderCallout3">
+            <a:avLst>
+              <a:gd name="adj1" fmla="val 20012"/>
+              <a:gd name="adj2" fmla="val -1682"/>
+              <a:gd name="adj3" fmla="val 18750"/>
+              <a:gd name="adj4" fmla="val -16667"/>
+              <a:gd name="adj5" fmla="val 100000"/>
+              <a:gd name="adj6" fmla="val -16667"/>
+              <a:gd name="adj7" fmla="val 350094"/>
+              <a:gd name="adj8" fmla="val 30383"/>
+            </a:avLst>
+          </a:prstGeom>
+          <a:solidFill>
+            <a:schemeClr val="accent3">
+              <a:lumMod val="60000"/>
+              <a:lumOff val="40000"/>
+            </a:schemeClr>
+          </a:solidFill>
+          <a:ln w="28575">
+            <a:solidFill>
+              <a:srgbClr val="070707"/>
+            </a:solidFill>
+          </a:ln>
+          <a:effectLst/>
+        </p:spPr>
+        <p:style>
+          <a:lnRef idx="1">
+            <a:schemeClr val="accent1"/>
+          </a:lnRef>
+          <a:fillRef idx="3">
+            <a:schemeClr val="accent1"/>
+          </a:fillRef>
+          <a:effectRef idx="2">
+            <a:schemeClr val="accent1"/>
+          </a:effectRef>
+          <a:fontRef idx="minor">
+            <a:schemeClr val="lt1"/>
+          </a:fontRef>
+        </p:style>
+        <p:txBody>
+          <a:bodyPr rot="0" spcFirstLastPara="0" vertOverflow="overflow" horzOverflow="overflow" vert="horz" wrap="square" lIns="91440" tIns="45720" rIns="91440" bIns="45720" numCol="1" spcCol="0" rtlCol="0" fromWordArt="0" anchor="ctr" anchorCtr="0" forceAA="0" compatLnSpc="1">
+            <a:prstTxWarp prst="textNoShape">
+              <a:avLst/>
+            </a:prstTxWarp>
+            <a:noAutofit/>
+          </a:bodyPr>
+          <a:lstStyle/>
+          <a:p>
+            <a:pPr algn="ctr"/>
+            <a:r>
+              <a:rPr lang="en-US" sz="1200" dirty="0">
+                <a:solidFill>
+                  <a:schemeClr val="tx1"/>
+                </a:solidFill>
+              </a:rPr>
+              <a:t>Ayla Production Agent</a:t>
+            </a:r>
+          </a:p>
+        </p:txBody>
+      </p:sp>
+      <p:sp>
+        <p:nvSpPr>
+          <p:cNvPr id="22" name="Callout: Double Bent Line 21">
+            <a:extLst>
+              <a:ext uri="{FF2B5EF4-FFF2-40B4-BE49-F238E27FC236}">
+                <a16:creationId xmlns:a16="http://schemas.microsoft.com/office/drawing/2014/main" id="{138BD285-5FD5-49EA-93BE-9E14F053D58D}"/>
+              </a:ext>
+            </a:extLst>
+          </p:cNvPr>
+          <p:cNvSpPr/>
+          <p:nvPr/>
+        </p:nvSpPr>
+        <p:spPr>
+          <a:xfrm>
+            <a:off x="3768127" y="1418197"/>
+            <a:ext cx="1617878" cy="487021"/>
+          </a:xfrm>
+          <a:prstGeom prst="borderCallout3">
+            <a:avLst>
+              <a:gd name="adj1" fmla="val 20012"/>
+              <a:gd name="adj2" fmla="val -1682"/>
+              <a:gd name="adj3" fmla="val 18750"/>
+              <a:gd name="adj4" fmla="val -16667"/>
+              <a:gd name="adj5" fmla="val 100000"/>
+              <a:gd name="adj6" fmla="val -16667"/>
+              <a:gd name="adj7" fmla="val 350094"/>
+              <a:gd name="adj8" fmla="val 30383"/>
+            </a:avLst>
+          </a:prstGeom>
+          <a:solidFill>
+            <a:schemeClr val="accent3">
+              <a:lumMod val="60000"/>
+              <a:lumOff val="40000"/>
+            </a:schemeClr>
+          </a:solidFill>
+          <a:ln w="28575">
+            <a:solidFill>
+              <a:srgbClr val="070707"/>
+            </a:solidFill>
+          </a:ln>
+          <a:effectLst/>
+        </p:spPr>
+        <p:style>
+          <a:lnRef idx="1">
+            <a:schemeClr val="accent1"/>
+          </a:lnRef>
+          <a:fillRef idx="3">
+            <a:schemeClr val="accent1"/>
+          </a:fillRef>
+          <a:effectRef idx="2">
+            <a:schemeClr val="accent1"/>
+          </a:effectRef>
+          <a:fontRef idx="minor">
+            <a:schemeClr val="lt1"/>
+          </a:fontRef>
+        </p:style>
+        <p:txBody>
+          <a:bodyPr rot="0" spcFirstLastPara="0" vertOverflow="overflow" horzOverflow="overflow" vert="horz" wrap="square" lIns="91440" tIns="45720" rIns="91440" bIns="45720" numCol="1" spcCol="0" rtlCol="0" fromWordArt="0" anchor="ctr" anchorCtr="0" forceAA="0" compatLnSpc="1">
+            <a:prstTxWarp prst="textNoShape">
+              <a:avLst/>
+            </a:prstTxWarp>
+            <a:noAutofit/>
+          </a:bodyPr>
+          <a:lstStyle/>
+          <a:p>
+            <a:pPr algn="ctr"/>
+            <a:r>
+              <a:rPr lang="en-US" sz="1200" dirty="0">
+                <a:solidFill>
+                  <a:schemeClr val="tx1"/>
+                </a:solidFill>
+              </a:rPr>
+              <a:t>A.O. Smith Application</a:t>
+            </a:r>
+          </a:p>
+          <a:p>
+            <a:pPr algn="ctr"/>
+            <a:r>
+              <a:rPr lang="en-US" sz="1200" dirty="0">
+                <a:solidFill>
+                  <a:schemeClr val="tx1"/>
+                </a:solidFill>
+              </a:rPr>
+              <a:t>(No RTOS)</a:t>
+            </a:r>
+          </a:p>
+        </p:txBody>
+      </p:sp>
+    </p:spTree>
+    <p:extLst>
+      <p:ext uri="{BB962C8B-B14F-4D97-AF65-F5344CB8AC3E}">
+        <p14:creationId xmlns:p14="http://schemas.microsoft.com/office/powerpoint/2010/main" val="2441716438"/>
+      </p:ext>
+    </p:extLst>
+  </p:cSld>
+  <p:clrMapOvr>
+    <a:masterClrMapping/>
+  </p:clrMapOvr>
+</p:sld>
+</file>
+
+<file path=ppt/slides/slide20.xml><?xml version="1.0" encoding="utf-8"?>
 <p:sld xmlns:a="http://schemas.openxmlformats.org/drawingml/2006/main" xmlns:r="http://schemas.openxmlformats.org/officeDocument/2006/relationships" xmlns:p="http://schemas.openxmlformats.org/presentationml/2006/main">
   <p:cSld>
     <p:spTree>
@@ -20133,65 +22091,6 @@
             <a:r>
               <a:rPr lang="en-US" dirty="0"/>
               <a:t>MQTT</a:t>
-            </a:r>
-          </a:p>
-        </p:txBody>
-      </p:sp>
-      <p:sp>
-        <p:nvSpPr>
-          <p:cNvPr id="17" name="Rectangle 16">
-            <a:extLst>
-              <a:ext uri="{FF2B5EF4-FFF2-40B4-BE49-F238E27FC236}">
-                <a16:creationId xmlns:a16="http://schemas.microsoft.com/office/drawing/2014/main" id="{23C4AB67-C512-3540-9FB5-CDAA7B1BF73B}"/>
-              </a:ext>
-            </a:extLst>
-          </p:cNvPr>
-          <p:cNvSpPr/>
-          <p:nvPr/>
-        </p:nvSpPr>
-        <p:spPr>
-          <a:xfrm>
-            <a:off x="10829473" y="316659"/>
-            <a:ext cx="928947" cy="336514"/>
-          </a:xfrm>
-          <a:prstGeom prst="rect">
-            <a:avLst/>
-          </a:prstGeom>
-          <a:solidFill>
-            <a:srgbClr val="FF0000"/>
-          </a:solidFill>
-          <a:ln>
-            <a:noFill/>
-          </a:ln>
-          <a:effectLst/>
-        </p:spPr>
-        <p:style>
-          <a:lnRef idx="1">
-            <a:schemeClr val="accent1"/>
-          </a:lnRef>
-          <a:fillRef idx="3">
-            <a:schemeClr val="accent1"/>
-          </a:fillRef>
-          <a:effectRef idx="2">
-            <a:schemeClr val="accent1"/>
-          </a:effectRef>
-          <a:fontRef idx="minor">
-            <a:schemeClr val="lt1"/>
-          </a:fontRef>
-        </p:style>
-        <p:txBody>
-          <a:bodyPr rot="0" spcFirstLastPara="0" vertOverflow="overflow" horzOverflow="overflow" vert="horz" wrap="square" lIns="91440" tIns="45720" rIns="91440" bIns="45720" numCol="1" spcCol="0" rtlCol="0" fromWordArt="0" anchor="ctr" anchorCtr="0" forceAA="0" compatLnSpc="1">
-            <a:prstTxWarp prst="textNoShape">
-              <a:avLst/>
-            </a:prstTxWarp>
-            <a:noAutofit/>
-          </a:bodyPr>
-          <a:lstStyle/>
-          <a:p>
-            <a:pPr algn="ctr"/>
-            <a:r>
-              <a:rPr lang="en-US" sz="2000" dirty="0"/>
-              <a:t>ADD</a:t>
             </a:r>
           </a:p>
         </p:txBody>
@@ -20399,720 +22298,7 @@
 </p:sld>
 </file>
 
-<file path=ppt/slides/slide2.xml><?xml version="1.0" encoding="utf-8"?>
-<p:sld xmlns:a="http://schemas.openxmlformats.org/drawingml/2006/main" xmlns:r="http://schemas.openxmlformats.org/officeDocument/2006/relationships" xmlns:p="http://schemas.openxmlformats.org/presentationml/2006/main">
-  <p:cSld>
-    <p:spTree>
-      <p:nvGrpSpPr>
-        <p:cNvPr id="1" name=""/>
-        <p:cNvGrpSpPr/>
-        <p:nvPr/>
-      </p:nvGrpSpPr>
-      <p:grpSpPr>
-        <a:xfrm>
-          <a:off x="0" y="0"/>
-          <a:ext cx="0" cy="0"/>
-          <a:chOff x="0" y="0"/>
-          <a:chExt cx="0" cy="0"/>
-        </a:xfrm>
-      </p:grpSpPr>
-      <p:sp>
-        <p:nvSpPr>
-          <p:cNvPr id="2" name="Title 1">
-            <a:extLst>
-              <a:ext uri="{FF2B5EF4-FFF2-40B4-BE49-F238E27FC236}">
-                <a16:creationId xmlns:a16="http://schemas.microsoft.com/office/drawing/2014/main" id="{95AC07ED-0E8F-3341-BD66-CC6F287C0B94}"/>
-              </a:ext>
-            </a:extLst>
-          </p:cNvPr>
-          <p:cNvSpPr>
-            <a:spLocks noGrp="1"/>
-          </p:cNvSpPr>
-          <p:nvPr>
-            <p:ph type="title"/>
-          </p:nvPr>
-        </p:nvSpPr>
-        <p:spPr/>
-        <p:txBody>
-          <a:bodyPr/>
-          <a:lstStyle/>
-          <a:p>
-            <a:r>
-              <a:rPr lang="en-US" dirty="0"/>
-              <a:t>Current Solution</a:t>
-            </a:r>
-          </a:p>
-        </p:txBody>
-      </p:sp>
-      <p:sp>
-        <p:nvSpPr>
-          <p:cNvPr id="4" name="Rectangle 3">
-            <a:extLst>
-              <a:ext uri="{FF2B5EF4-FFF2-40B4-BE49-F238E27FC236}">
-                <a16:creationId xmlns:a16="http://schemas.microsoft.com/office/drawing/2014/main" id="{957CEA58-F2E8-40AA-A902-6AAAA41643D7}"/>
-              </a:ext>
-            </a:extLst>
-          </p:cNvPr>
-          <p:cNvSpPr/>
-          <p:nvPr/>
-        </p:nvSpPr>
-        <p:spPr>
-          <a:xfrm>
-            <a:off x="8044624" y="2351595"/>
-            <a:ext cx="2620597" cy="1427834"/>
-          </a:xfrm>
-          <a:prstGeom prst="rect">
-            <a:avLst/>
-          </a:prstGeom>
-        </p:spPr>
-        <p:style>
-          <a:lnRef idx="2">
-            <a:schemeClr val="accent1">
-              <a:shade val="50000"/>
-            </a:schemeClr>
-          </a:lnRef>
-          <a:fillRef idx="1">
-            <a:schemeClr val="accent1"/>
-          </a:fillRef>
-          <a:effectRef idx="0">
-            <a:schemeClr val="accent1"/>
-          </a:effectRef>
-          <a:fontRef idx="minor">
-            <a:schemeClr val="lt1"/>
-          </a:fontRef>
-        </p:style>
-        <p:txBody>
-          <a:bodyPr rtlCol="0" anchor="ctr"/>
-          <a:lstStyle/>
-          <a:p>
-            <a:pPr algn="ctr"/>
-            <a:r>
-              <a:rPr lang="en-US" sz="2399" dirty="0" err="1"/>
-              <a:t>uRata</a:t>
-            </a:r>
-            <a:endParaRPr lang="en-US" sz="2399" dirty="0"/>
-          </a:p>
-          <a:p>
-            <a:pPr algn="ctr"/>
-            <a:endParaRPr lang="en-US" sz="2399" dirty="0"/>
-          </a:p>
-          <a:p>
-            <a:pPr algn="ctr"/>
-            <a:endParaRPr lang="en-US" sz="2399" dirty="0"/>
-          </a:p>
-        </p:txBody>
-      </p:sp>
-      <p:sp>
-        <p:nvSpPr>
-          <p:cNvPr id="5" name="Rectangle 4">
-            <a:extLst>
-              <a:ext uri="{FF2B5EF4-FFF2-40B4-BE49-F238E27FC236}">
-                <a16:creationId xmlns:a16="http://schemas.microsoft.com/office/drawing/2014/main" id="{4A6A00AE-C3A4-4DCA-B518-F319B792FC9A}"/>
-              </a:ext>
-            </a:extLst>
-          </p:cNvPr>
-          <p:cNvSpPr/>
-          <p:nvPr/>
-        </p:nvSpPr>
-        <p:spPr>
-          <a:xfrm>
-            <a:off x="4218204" y="2351595"/>
-            <a:ext cx="2620597" cy="1427834"/>
-          </a:xfrm>
-          <a:prstGeom prst="rect">
-            <a:avLst/>
-          </a:prstGeom>
-        </p:spPr>
-        <p:style>
-          <a:lnRef idx="2">
-            <a:schemeClr val="accent1">
-              <a:shade val="50000"/>
-            </a:schemeClr>
-          </a:lnRef>
-          <a:fillRef idx="1">
-            <a:schemeClr val="accent1"/>
-          </a:fillRef>
-          <a:effectRef idx="0">
-            <a:schemeClr val="accent1"/>
-          </a:effectRef>
-          <a:fontRef idx="minor">
-            <a:schemeClr val="lt1"/>
-          </a:fontRef>
-        </p:style>
-        <p:txBody>
-          <a:bodyPr rtlCol="0" anchor="ctr"/>
-          <a:lstStyle/>
-          <a:p>
-            <a:pPr algn="ctr"/>
-            <a:r>
-              <a:rPr lang="en-US" sz="2399" dirty="0"/>
-              <a:t>Application MCU – (NXP </a:t>
-            </a:r>
-            <a:r>
-              <a:rPr lang="en-US" sz="2399" dirty="0" err="1"/>
-              <a:t>Kinetis</a:t>
-            </a:r>
-            <a:r>
-              <a:rPr lang="en-US" sz="2399" dirty="0"/>
-              <a:t>)</a:t>
-            </a:r>
-          </a:p>
-        </p:txBody>
-      </p:sp>
-      <p:sp>
-        <p:nvSpPr>
-          <p:cNvPr id="11" name="Rectangle 10">
-            <a:extLst>
-              <a:ext uri="{FF2B5EF4-FFF2-40B4-BE49-F238E27FC236}">
-                <a16:creationId xmlns:a16="http://schemas.microsoft.com/office/drawing/2014/main" id="{82B1EB7C-5887-4E47-8CC0-AD047993B3CD}"/>
-              </a:ext>
-            </a:extLst>
-          </p:cNvPr>
-          <p:cNvSpPr/>
-          <p:nvPr/>
-        </p:nvSpPr>
-        <p:spPr>
-          <a:xfrm>
-            <a:off x="6642908" y="4895089"/>
-            <a:ext cx="1401716" cy="724798"/>
-          </a:xfrm>
-          <a:prstGeom prst="rect">
-            <a:avLst/>
-          </a:prstGeom>
-        </p:spPr>
-        <p:style>
-          <a:lnRef idx="2">
-            <a:schemeClr val="accent1">
-              <a:shade val="50000"/>
-            </a:schemeClr>
-          </a:lnRef>
-          <a:fillRef idx="1">
-            <a:schemeClr val="accent1"/>
-          </a:fillRef>
-          <a:effectRef idx="0">
-            <a:schemeClr val="accent1"/>
-          </a:effectRef>
-          <a:fontRef idx="minor">
-            <a:schemeClr val="lt1"/>
-          </a:fontRef>
-        </p:style>
-        <p:txBody>
-          <a:bodyPr rtlCol="0" anchor="ctr"/>
-          <a:lstStyle/>
-          <a:p>
-            <a:pPr algn="ctr"/>
-            <a:r>
-              <a:rPr lang="en-US" sz="2399" dirty="0"/>
-              <a:t>BLE</a:t>
-            </a:r>
-          </a:p>
-          <a:p>
-            <a:pPr algn="ctr"/>
-            <a:r>
-              <a:rPr lang="en-US" sz="1600" dirty="0"/>
-              <a:t>(unused)</a:t>
-            </a:r>
-          </a:p>
-        </p:txBody>
-      </p:sp>
-      <p:sp>
-        <p:nvSpPr>
-          <p:cNvPr id="12" name="Rectangle 11">
-            <a:extLst>
-              <a:ext uri="{FF2B5EF4-FFF2-40B4-BE49-F238E27FC236}">
-                <a16:creationId xmlns:a16="http://schemas.microsoft.com/office/drawing/2014/main" id="{4684F5A1-19FE-49A2-A180-A11CF3CEB66F}"/>
-              </a:ext>
-            </a:extLst>
-          </p:cNvPr>
-          <p:cNvSpPr/>
-          <p:nvPr/>
-        </p:nvSpPr>
-        <p:spPr>
-          <a:xfrm>
-            <a:off x="9720071" y="3136392"/>
-            <a:ext cx="945149" cy="643037"/>
-          </a:xfrm>
-          <a:prstGeom prst="rect">
-            <a:avLst/>
-          </a:prstGeom>
-          <a:solidFill>
-            <a:srgbClr val="777777"/>
-          </a:solidFill>
-        </p:spPr>
-        <p:style>
-          <a:lnRef idx="2">
-            <a:schemeClr val="accent1">
-              <a:shade val="50000"/>
-            </a:schemeClr>
-          </a:lnRef>
-          <a:fillRef idx="1">
-            <a:schemeClr val="accent1"/>
-          </a:fillRef>
-          <a:effectRef idx="0">
-            <a:schemeClr val="accent1"/>
-          </a:effectRef>
-          <a:fontRef idx="minor">
-            <a:schemeClr val="lt1"/>
-          </a:fontRef>
-        </p:style>
-        <p:txBody>
-          <a:bodyPr rtlCol="0" anchor="ctr"/>
-          <a:lstStyle/>
-          <a:p>
-            <a:pPr algn="ctr"/>
-            <a:r>
-              <a:rPr lang="en-US" sz="1600" dirty="0"/>
-              <a:t>BCM43</a:t>
-            </a:r>
-          </a:p>
-        </p:txBody>
-      </p:sp>
-      <p:sp>
-        <p:nvSpPr>
-          <p:cNvPr id="13" name="Rectangle 12">
-            <a:extLst>
-              <a:ext uri="{FF2B5EF4-FFF2-40B4-BE49-F238E27FC236}">
-                <a16:creationId xmlns:a16="http://schemas.microsoft.com/office/drawing/2014/main" id="{36AB5B0C-6ADB-4E2B-826F-EC1EA7E7BE13}"/>
-              </a:ext>
-            </a:extLst>
-          </p:cNvPr>
-          <p:cNvSpPr/>
-          <p:nvPr/>
-        </p:nvSpPr>
-        <p:spPr>
-          <a:xfrm>
-            <a:off x="8044624" y="3142487"/>
-            <a:ext cx="1238472" cy="643037"/>
-          </a:xfrm>
-          <a:prstGeom prst="rect">
-            <a:avLst/>
-          </a:prstGeom>
-          <a:solidFill>
-            <a:srgbClr val="777777"/>
-          </a:solidFill>
-        </p:spPr>
-        <p:style>
-          <a:lnRef idx="2">
-            <a:schemeClr val="accent1">
-              <a:shade val="50000"/>
-            </a:schemeClr>
-          </a:lnRef>
-          <a:fillRef idx="1">
-            <a:schemeClr val="accent1"/>
-          </a:fillRef>
-          <a:effectRef idx="0">
-            <a:schemeClr val="accent1"/>
-          </a:effectRef>
-          <a:fontRef idx="minor">
-            <a:schemeClr val="lt1"/>
-          </a:fontRef>
-        </p:style>
-        <p:txBody>
-          <a:bodyPr rtlCol="0" anchor="ctr"/>
-          <a:lstStyle/>
-          <a:p>
-            <a:pPr algn="ctr"/>
-            <a:r>
-              <a:rPr lang="en-US" sz="1600" dirty="0"/>
-              <a:t>STM32</a:t>
-            </a:r>
-          </a:p>
-        </p:txBody>
-      </p:sp>
-      <p:sp>
-        <p:nvSpPr>
-          <p:cNvPr id="14" name="Rectangle 13">
-            <a:extLst>
-              <a:ext uri="{FF2B5EF4-FFF2-40B4-BE49-F238E27FC236}">
-                <a16:creationId xmlns:a16="http://schemas.microsoft.com/office/drawing/2014/main" id="{A12AE01F-AEEA-434C-9DFE-A5DEE353DC21}"/>
-              </a:ext>
-            </a:extLst>
-          </p:cNvPr>
-          <p:cNvSpPr/>
-          <p:nvPr/>
-        </p:nvSpPr>
-        <p:spPr>
-          <a:xfrm>
-            <a:off x="9210892" y="4935969"/>
-            <a:ext cx="1382125" cy="643037"/>
-          </a:xfrm>
-          <a:prstGeom prst="rect">
-            <a:avLst/>
-          </a:prstGeom>
-        </p:spPr>
-        <p:style>
-          <a:lnRef idx="2">
-            <a:schemeClr val="accent1">
-              <a:shade val="50000"/>
-            </a:schemeClr>
-          </a:lnRef>
-          <a:fillRef idx="1">
-            <a:schemeClr val="accent1"/>
-          </a:fillRef>
-          <a:effectRef idx="0">
-            <a:schemeClr val="accent1"/>
-          </a:effectRef>
-          <a:fontRef idx="minor">
-            <a:schemeClr val="lt1"/>
-          </a:fontRef>
-        </p:style>
-        <p:txBody>
-          <a:bodyPr rtlCol="0" anchor="ctr"/>
-          <a:lstStyle/>
-          <a:p>
-            <a:pPr algn="ctr"/>
-            <a:r>
-              <a:rPr lang="en-US" sz="2399" dirty="0"/>
-              <a:t>Security?</a:t>
-            </a:r>
-          </a:p>
-        </p:txBody>
-      </p:sp>
-      <p:cxnSp>
-        <p:nvCxnSpPr>
-          <p:cNvPr id="15" name="Straight Arrow Connector 14">
-            <a:extLst>
-              <a:ext uri="{FF2B5EF4-FFF2-40B4-BE49-F238E27FC236}">
-                <a16:creationId xmlns:a16="http://schemas.microsoft.com/office/drawing/2014/main" id="{C76E5750-EFF2-4DA2-97C1-799CFC1BF979}"/>
-              </a:ext>
-            </a:extLst>
-          </p:cNvPr>
-          <p:cNvCxnSpPr>
-            <a:cxnSpLocks/>
-          </p:cNvCxnSpPr>
-          <p:nvPr/>
-        </p:nvCxnSpPr>
-        <p:spPr>
-          <a:xfrm>
-            <a:off x="6838801" y="3429000"/>
-            <a:ext cx="1205823" cy="0"/>
-          </a:xfrm>
-          <a:prstGeom prst="straightConnector1">
-            <a:avLst/>
-          </a:prstGeom>
-          <a:ln w="57150">
-            <a:headEnd type="triangle"/>
-            <a:tailEnd type="triangle"/>
-          </a:ln>
-          <a:effectLst/>
-        </p:spPr>
-        <p:style>
-          <a:lnRef idx="2">
-            <a:schemeClr val="accent1"/>
-          </a:lnRef>
-          <a:fillRef idx="0">
-            <a:schemeClr val="accent1"/>
-          </a:fillRef>
-          <a:effectRef idx="1">
-            <a:schemeClr val="accent1"/>
-          </a:effectRef>
-          <a:fontRef idx="minor">
-            <a:schemeClr val="tx1"/>
-          </a:fontRef>
-        </p:style>
-      </p:cxnSp>
-      <p:cxnSp>
-        <p:nvCxnSpPr>
-          <p:cNvPr id="17" name="Straight Arrow Connector 16">
-            <a:extLst>
-              <a:ext uri="{FF2B5EF4-FFF2-40B4-BE49-F238E27FC236}">
-                <a16:creationId xmlns:a16="http://schemas.microsoft.com/office/drawing/2014/main" id="{4A7BF50D-F82E-4120-B0E8-682ED77A8B71}"/>
-              </a:ext>
-            </a:extLst>
-          </p:cNvPr>
-          <p:cNvCxnSpPr>
-            <a:cxnSpLocks/>
-          </p:cNvCxnSpPr>
-          <p:nvPr/>
-        </p:nvCxnSpPr>
-        <p:spPr>
-          <a:xfrm>
-            <a:off x="9283096" y="3429000"/>
-            <a:ext cx="436975" cy="0"/>
-          </a:xfrm>
-          <a:prstGeom prst="straightConnector1">
-            <a:avLst/>
-          </a:prstGeom>
-          <a:ln w="57150">
-            <a:solidFill>
-              <a:srgbClr val="777777"/>
-            </a:solidFill>
-            <a:headEnd type="triangle"/>
-            <a:tailEnd type="triangle"/>
-          </a:ln>
-          <a:effectLst/>
-        </p:spPr>
-        <p:style>
-          <a:lnRef idx="2">
-            <a:schemeClr val="accent1"/>
-          </a:lnRef>
-          <a:fillRef idx="0">
-            <a:schemeClr val="accent1"/>
-          </a:fillRef>
-          <a:effectRef idx="1">
-            <a:schemeClr val="accent1"/>
-          </a:effectRef>
-          <a:fontRef idx="minor">
-            <a:schemeClr val="tx1"/>
-          </a:fontRef>
-        </p:style>
-      </p:cxnSp>
-      <p:sp>
-        <p:nvSpPr>
-          <p:cNvPr id="20" name="Callout: Double Bent Line 19">
-            <a:extLst>
-              <a:ext uri="{FF2B5EF4-FFF2-40B4-BE49-F238E27FC236}">
-                <a16:creationId xmlns:a16="http://schemas.microsoft.com/office/drawing/2014/main" id="{A842DDE3-EC20-466F-8A0B-0F04DB2527D1}"/>
-              </a:ext>
-            </a:extLst>
-          </p:cNvPr>
-          <p:cNvSpPr/>
-          <p:nvPr/>
-        </p:nvSpPr>
-        <p:spPr>
-          <a:xfrm>
-            <a:off x="9720071" y="1418197"/>
-            <a:ext cx="1617878" cy="487021"/>
-          </a:xfrm>
-          <a:prstGeom prst="borderCallout3">
-            <a:avLst>
-              <a:gd name="adj1" fmla="val 20012"/>
-              <a:gd name="adj2" fmla="val -1682"/>
-              <a:gd name="adj3" fmla="val 18750"/>
-              <a:gd name="adj4" fmla="val -16667"/>
-              <a:gd name="adj5" fmla="val 100000"/>
-              <a:gd name="adj6" fmla="val -16667"/>
-              <a:gd name="adj7" fmla="val 350094"/>
-              <a:gd name="adj8" fmla="val 30383"/>
-            </a:avLst>
-          </a:prstGeom>
-          <a:solidFill>
-            <a:schemeClr val="accent3">
-              <a:lumMod val="60000"/>
-              <a:lumOff val="40000"/>
-            </a:schemeClr>
-          </a:solidFill>
-          <a:ln w="28575">
-            <a:solidFill>
-              <a:srgbClr val="070707"/>
-            </a:solidFill>
-          </a:ln>
-          <a:effectLst/>
-        </p:spPr>
-        <p:style>
-          <a:lnRef idx="1">
-            <a:schemeClr val="accent1"/>
-          </a:lnRef>
-          <a:fillRef idx="3">
-            <a:schemeClr val="accent1"/>
-          </a:fillRef>
-          <a:effectRef idx="2">
-            <a:schemeClr val="accent1"/>
-          </a:effectRef>
-          <a:fontRef idx="minor">
-            <a:schemeClr val="lt1"/>
-          </a:fontRef>
-        </p:style>
-        <p:txBody>
-          <a:bodyPr rot="0" spcFirstLastPara="0" vertOverflow="overflow" horzOverflow="overflow" vert="horz" wrap="square" lIns="91440" tIns="45720" rIns="91440" bIns="45720" numCol="1" spcCol="0" rtlCol="0" fromWordArt="0" anchor="ctr" anchorCtr="0" forceAA="0" compatLnSpc="1">
-            <a:prstTxWarp prst="textNoShape">
-              <a:avLst/>
-            </a:prstTxWarp>
-            <a:noAutofit/>
-          </a:bodyPr>
-          <a:lstStyle/>
-          <a:p>
-            <a:pPr algn="ctr"/>
-            <a:r>
-              <a:rPr lang="en-US" sz="1200" dirty="0">
-                <a:solidFill>
-                  <a:schemeClr val="tx1"/>
-                </a:solidFill>
-              </a:rPr>
-              <a:t>Networking: TCP/IP, TLS</a:t>
-            </a:r>
-          </a:p>
-        </p:txBody>
-      </p:sp>
-      <p:sp>
-        <p:nvSpPr>
-          <p:cNvPr id="21" name="Callout: Double Bent Line 20">
-            <a:extLst>
-              <a:ext uri="{FF2B5EF4-FFF2-40B4-BE49-F238E27FC236}">
-                <a16:creationId xmlns:a16="http://schemas.microsoft.com/office/drawing/2014/main" id="{5BD9CF54-B587-456D-BBC7-CDEA68293270}"/>
-              </a:ext>
-            </a:extLst>
-          </p:cNvPr>
-          <p:cNvSpPr/>
-          <p:nvPr/>
-        </p:nvSpPr>
-        <p:spPr>
-          <a:xfrm>
-            <a:off x="7665218" y="1405757"/>
-            <a:ext cx="1617878" cy="487021"/>
-          </a:xfrm>
-          <a:prstGeom prst="borderCallout3">
-            <a:avLst>
-              <a:gd name="adj1" fmla="val 20012"/>
-              <a:gd name="adj2" fmla="val -1682"/>
-              <a:gd name="adj3" fmla="val 18750"/>
-              <a:gd name="adj4" fmla="val -16667"/>
-              <a:gd name="adj5" fmla="val 100000"/>
-              <a:gd name="adj6" fmla="val -16667"/>
-              <a:gd name="adj7" fmla="val 350094"/>
-              <a:gd name="adj8" fmla="val 30383"/>
-            </a:avLst>
-          </a:prstGeom>
-          <a:solidFill>
-            <a:schemeClr val="accent3">
-              <a:lumMod val="60000"/>
-              <a:lumOff val="40000"/>
-            </a:schemeClr>
-          </a:solidFill>
-          <a:ln w="28575">
-            <a:solidFill>
-              <a:srgbClr val="070707"/>
-            </a:solidFill>
-          </a:ln>
-          <a:effectLst/>
-        </p:spPr>
-        <p:style>
-          <a:lnRef idx="1">
-            <a:schemeClr val="accent1"/>
-          </a:lnRef>
-          <a:fillRef idx="3">
-            <a:schemeClr val="accent1"/>
-          </a:fillRef>
-          <a:effectRef idx="2">
-            <a:schemeClr val="accent1"/>
-          </a:effectRef>
-          <a:fontRef idx="minor">
-            <a:schemeClr val="lt1"/>
-          </a:fontRef>
-        </p:style>
-        <p:txBody>
-          <a:bodyPr rot="0" spcFirstLastPara="0" vertOverflow="overflow" horzOverflow="overflow" vert="horz" wrap="square" lIns="91440" tIns="45720" rIns="91440" bIns="45720" numCol="1" spcCol="0" rtlCol="0" fromWordArt="0" anchor="ctr" anchorCtr="0" forceAA="0" compatLnSpc="1">
-            <a:prstTxWarp prst="textNoShape">
-              <a:avLst/>
-            </a:prstTxWarp>
-            <a:noAutofit/>
-          </a:bodyPr>
-          <a:lstStyle/>
-          <a:p>
-            <a:pPr algn="ctr"/>
-            <a:r>
-              <a:rPr lang="en-US" sz="1200" dirty="0">
-                <a:solidFill>
-                  <a:schemeClr val="tx1"/>
-                </a:solidFill>
-              </a:rPr>
-              <a:t>Ayla Production Agent</a:t>
-            </a:r>
-          </a:p>
-        </p:txBody>
-      </p:sp>
-      <p:sp>
-        <p:nvSpPr>
-          <p:cNvPr id="22" name="Callout: Double Bent Line 21">
-            <a:extLst>
-              <a:ext uri="{FF2B5EF4-FFF2-40B4-BE49-F238E27FC236}">
-                <a16:creationId xmlns:a16="http://schemas.microsoft.com/office/drawing/2014/main" id="{138BD285-5FD5-49EA-93BE-9E14F053D58D}"/>
-              </a:ext>
-            </a:extLst>
-          </p:cNvPr>
-          <p:cNvSpPr/>
-          <p:nvPr/>
-        </p:nvSpPr>
-        <p:spPr>
-          <a:xfrm>
-            <a:off x="3768127" y="1418197"/>
-            <a:ext cx="1617878" cy="487021"/>
-          </a:xfrm>
-          <a:prstGeom prst="borderCallout3">
-            <a:avLst>
-              <a:gd name="adj1" fmla="val 20012"/>
-              <a:gd name="adj2" fmla="val -1682"/>
-              <a:gd name="adj3" fmla="val 18750"/>
-              <a:gd name="adj4" fmla="val -16667"/>
-              <a:gd name="adj5" fmla="val 100000"/>
-              <a:gd name="adj6" fmla="val -16667"/>
-              <a:gd name="adj7" fmla="val 350094"/>
-              <a:gd name="adj8" fmla="val 30383"/>
-            </a:avLst>
-          </a:prstGeom>
-          <a:solidFill>
-            <a:schemeClr val="accent3">
-              <a:lumMod val="60000"/>
-              <a:lumOff val="40000"/>
-            </a:schemeClr>
-          </a:solidFill>
-          <a:ln w="28575">
-            <a:solidFill>
-              <a:srgbClr val="070707"/>
-            </a:solidFill>
-          </a:ln>
-          <a:effectLst/>
-        </p:spPr>
-        <p:style>
-          <a:lnRef idx="1">
-            <a:schemeClr val="accent1"/>
-          </a:lnRef>
-          <a:fillRef idx="3">
-            <a:schemeClr val="accent1"/>
-          </a:fillRef>
-          <a:effectRef idx="2">
-            <a:schemeClr val="accent1"/>
-          </a:effectRef>
-          <a:fontRef idx="minor">
-            <a:schemeClr val="lt1"/>
-          </a:fontRef>
-        </p:style>
-        <p:txBody>
-          <a:bodyPr rot="0" spcFirstLastPara="0" vertOverflow="overflow" horzOverflow="overflow" vert="horz" wrap="square" lIns="91440" tIns="45720" rIns="91440" bIns="45720" numCol="1" spcCol="0" rtlCol="0" fromWordArt="0" anchor="ctr" anchorCtr="0" forceAA="0" compatLnSpc="1">
-            <a:prstTxWarp prst="textNoShape">
-              <a:avLst/>
-            </a:prstTxWarp>
-            <a:noAutofit/>
-          </a:bodyPr>
-          <a:lstStyle/>
-          <a:p>
-            <a:pPr algn="ctr"/>
-            <a:r>
-              <a:rPr lang="en-US" sz="1200" dirty="0">
-                <a:solidFill>
-                  <a:schemeClr val="tx1"/>
-                </a:solidFill>
-              </a:rPr>
-              <a:t>A.O. Smith Application</a:t>
-            </a:r>
-          </a:p>
-          <a:p>
-            <a:pPr algn="ctr"/>
-            <a:r>
-              <a:rPr lang="en-US" sz="1200" dirty="0">
-                <a:solidFill>
-                  <a:schemeClr val="tx1"/>
-                </a:solidFill>
-              </a:rPr>
-              <a:t>(No RTOS)</a:t>
-            </a:r>
-          </a:p>
-        </p:txBody>
-      </p:sp>
-    </p:spTree>
-    <p:extLst>
-      <p:ext uri="{BB962C8B-B14F-4D97-AF65-F5344CB8AC3E}">
-        <p14:creationId xmlns:p14="http://schemas.microsoft.com/office/powerpoint/2010/main" val="2441716438"/>
-      </p:ext>
-    </p:extLst>
-  </p:cSld>
-  <p:clrMapOvr>
-    <a:masterClrMapping/>
-  </p:clrMapOvr>
-</p:sld>
-</file>
-
-<file path=ppt/slides/slide20.xml><?xml version="1.0" encoding="utf-8"?>
+<file path=ppt/slides/slide21.xml><?xml version="1.0" encoding="utf-8"?>
 <p:sld xmlns:a="http://schemas.openxmlformats.org/drawingml/2006/main" xmlns:r="http://schemas.openxmlformats.org/officeDocument/2006/relationships" xmlns:p="http://schemas.openxmlformats.org/presentationml/2006/main">
   <p:cSld>
     <p:spTree>
@@ -25034,7 +26220,7 @@
           <a:p>
             <a:r>
               <a:rPr lang="en-US" dirty="0"/>
-              <a:t>Recommended for Eval – SAM-IoT Dev Board</a:t>
+              <a:t>Recommended for Eval: SAM-IoT Dev Board</a:t>
             </a:r>
           </a:p>
         </p:txBody>
@@ -29702,6 +30888,74 @@
 </file>
 
 <file path=customXml/item1.xml><?xml version="1.0" encoding="utf-8"?>
+<?mso-contentType ?>
+<FormTemplates xmlns="http://schemas.microsoft.com/sharepoint/v3/contenttype/forms">
+  <Display>DocumentLibraryForm</Display>
+  <Edit>DocumentLibraryForm</Edit>
+  <New>DocumentLibraryForm</New>
+</FormTemplates>
+</file>
+
+<file path=customXml/item2.xml><?xml version="1.0" encoding="utf-8"?>
+<p:properties xmlns:p="http://schemas.microsoft.com/office/2006/metadata/properties" xmlns:xsi="http://www.w3.org/2001/XMLSchema-instance" xmlns:pc="http://schemas.microsoft.com/office/infopath/2007/PartnerControls">
+  <documentManagement>
+    <Content_x0020_Archived xmlns="df7acb31-37ac-40e2-81bb-c44e3630f613">false</Content_x0020_Archived>
+    <_dlc_DocId xmlns="38ef598d-997c-498b-b737-2f6b2c50ccab">SV5CHKDEWJXD-84-133</_dlc_DocId>
+    <_dlc_DocIdUrl xmlns="38ef598d-997c-498b-b737-2f6b2c50ccab">
+      <Url>http://mchpweb-2010/marcom/home/Resources/_layouts/DocIdRedir.aspx?ID=SV5CHKDEWJXD-84-133</Url>
+      <Description>SV5CHKDEWJXD-84-133</Description>
+    </_dlc_DocIdUrl>
+  </documentManagement>
+</p:properties>
+</file>
+
+<file path=customXml/item3.xml><?xml version="1.0" encoding="utf-8"?>
+<?mso-contentType ?>
+<spe:Receivers xmlns:spe="http://schemas.microsoft.com/sharepoint/events">
+  <Receiver>
+    <Name>Document ID Generator</Name>
+    <Synchronization>Synchronous</Synchronization>
+    <Type>10001</Type>
+    <SequenceNumber>1000</SequenceNumber>
+    <Assembly>Microsoft.Office.DocumentManagement, Version=14.0.0.0, Culture=neutral, PublicKeyToken=71e9bce111e9429c</Assembly>
+    <Class>Microsoft.Office.DocumentManagement.Internal.DocIdHandler</Class>
+    <Data/>
+    <Filter/>
+  </Receiver>
+  <Receiver>
+    <Name>Document ID Generator</Name>
+    <Synchronization>Synchronous</Synchronization>
+    <Type>10002</Type>
+    <SequenceNumber>1001</SequenceNumber>
+    <Assembly>Microsoft.Office.DocumentManagement, Version=14.0.0.0, Culture=neutral, PublicKeyToken=71e9bce111e9429c</Assembly>
+    <Class>Microsoft.Office.DocumentManagement.Internal.DocIdHandler</Class>
+    <Data/>
+    <Filter/>
+  </Receiver>
+  <Receiver>
+    <Name>Document ID Generator</Name>
+    <Synchronization>Synchronous</Synchronization>
+    <Type>10004</Type>
+    <SequenceNumber>1002</SequenceNumber>
+    <Assembly>Microsoft.Office.DocumentManagement, Version=14.0.0.0, Culture=neutral, PublicKeyToken=71e9bce111e9429c</Assembly>
+    <Class>Microsoft.Office.DocumentManagement.Internal.DocIdHandler</Class>
+    <Data/>
+    <Filter/>
+  </Receiver>
+  <Receiver>
+    <Name>Document ID Generator</Name>
+    <Synchronization>Synchronous</Synchronization>
+    <Type>10006</Type>
+    <SequenceNumber>1003</SequenceNumber>
+    <Assembly>Microsoft.Office.DocumentManagement, Version=14.0.0.0, Culture=neutral, PublicKeyToken=71e9bce111e9429c</Assembly>
+    <Class>Microsoft.Office.DocumentManagement.Internal.DocIdHandler</Class>
+    <Data/>
+    <Filter/>
+  </Receiver>
+</spe:Receivers>
+</file>
+
+<file path=customXml/item4.xml><?xml version="1.0" encoding="utf-8"?>
 <ct:contentTypeSchema xmlns:ct="http://schemas.microsoft.com/office/2006/metadata/contentType" xmlns:ma="http://schemas.microsoft.com/office/2006/metadata/properties/metaAttributes" ct:_="" ma:_="" ma:contentTypeName="Document" ma:contentTypeID="0x01010006EF9829FE6FB94D84D3D1D5B1820991" ma:contentTypeVersion="2" ma:contentTypeDescription="Create a new document." ma:contentTypeScope="" ma:versionID="84d427fd2fb92a215479da5b0fe5e4ad">
   <xsd:schema xmlns:xsd="http://www.w3.org/2001/XMLSchema" xmlns:xs="http://www.w3.org/2001/XMLSchema" xmlns:p="http://schemas.microsoft.com/office/2006/metadata/properties" xmlns:ns2="38ef598d-997c-498b-b737-2f6b2c50ccab" xmlns:ns3="df7acb31-37ac-40e2-81bb-c44e3630f613" targetNamespace="http://schemas.microsoft.com/office/2006/metadata/properties" ma:root="true" ma:fieldsID="156788901a84a305ff90b9b24ba2d9fb" ns2:_="" ns3:_="">
     <xsd:import namespace="38ef598d-997c-498b-b737-2f6b2c50ccab"/>
@@ -29857,75 +31111,34 @@
 </ct:contentTypeSchema>
 </file>
 
-<file path=customXml/item2.xml><?xml version="1.0" encoding="utf-8"?>
-<?mso-contentType ?>
-<spe:Receivers xmlns:spe="http://schemas.microsoft.com/sharepoint/events">
-  <Receiver>
-    <Name>Document ID Generator</Name>
-    <Synchronization>Synchronous</Synchronization>
-    <Type>10001</Type>
-    <SequenceNumber>1000</SequenceNumber>
-    <Assembly>Microsoft.Office.DocumentManagement, Version=14.0.0.0, Culture=neutral, PublicKeyToken=71e9bce111e9429c</Assembly>
-    <Class>Microsoft.Office.DocumentManagement.Internal.DocIdHandler</Class>
-    <Data/>
-    <Filter/>
-  </Receiver>
-  <Receiver>
-    <Name>Document ID Generator</Name>
-    <Synchronization>Synchronous</Synchronization>
-    <Type>10002</Type>
-    <SequenceNumber>1001</SequenceNumber>
-    <Assembly>Microsoft.Office.DocumentManagement, Version=14.0.0.0, Culture=neutral, PublicKeyToken=71e9bce111e9429c</Assembly>
-    <Class>Microsoft.Office.DocumentManagement.Internal.DocIdHandler</Class>
-    <Data/>
-    <Filter/>
-  </Receiver>
-  <Receiver>
-    <Name>Document ID Generator</Name>
-    <Synchronization>Synchronous</Synchronization>
-    <Type>10004</Type>
-    <SequenceNumber>1002</SequenceNumber>
-    <Assembly>Microsoft.Office.DocumentManagement, Version=14.0.0.0, Culture=neutral, PublicKeyToken=71e9bce111e9429c</Assembly>
-    <Class>Microsoft.Office.DocumentManagement.Internal.DocIdHandler</Class>
-    <Data/>
-    <Filter/>
-  </Receiver>
-  <Receiver>
-    <Name>Document ID Generator</Name>
-    <Synchronization>Synchronous</Synchronization>
-    <Type>10006</Type>
-    <SequenceNumber>1003</SequenceNumber>
-    <Assembly>Microsoft.Office.DocumentManagement, Version=14.0.0.0, Culture=neutral, PublicKeyToken=71e9bce111e9429c</Assembly>
-    <Class>Microsoft.Office.DocumentManagement.Internal.DocIdHandler</Class>
-    <Data/>
-    <Filter/>
-  </Receiver>
-</spe:Receivers>
+<file path=customXml/itemProps1.xml><?xml version="1.0" encoding="utf-8"?>
+<ds:datastoreItem xmlns:ds="http://schemas.openxmlformats.org/officeDocument/2006/customXml" ds:itemID="{0CE24DD7-9317-4AD8-82D4-5A6998DA79C7}">
+  <ds:schemaRefs>
+    <ds:schemaRef ds:uri="http://schemas.microsoft.com/sharepoint/v3/contenttype/forms"/>
+  </ds:schemaRefs>
+</ds:datastoreItem>
 </file>
 
-<file path=customXml/item3.xml><?xml version="1.0" encoding="utf-8"?>
-<p:properties xmlns:p="http://schemas.microsoft.com/office/2006/metadata/properties" xmlns:xsi="http://www.w3.org/2001/XMLSchema-instance" xmlns:pc="http://schemas.microsoft.com/office/infopath/2007/PartnerControls">
-  <documentManagement>
-    <Content_x0020_Archived xmlns="df7acb31-37ac-40e2-81bb-c44e3630f613">false</Content_x0020_Archived>
-    <_dlc_DocId xmlns="38ef598d-997c-498b-b737-2f6b2c50ccab">SV5CHKDEWJXD-84-133</_dlc_DocId>
-    <_dlc_DocIdUrl xmlns="38ef598d-997c-498b-b737-2f6b2c50ccab">
-      <Url>http://mchpweb-2010/marcom/home/Resources/_layouts/DocIdRedir.aspx?ID=SV5CHKDEWJXD-84-133</Url>
-      <Description>SV5CHKDEWJXD-84-133</Description>
-    </_dlc_DocIdUrl>
-  </documentManagement>
-</p:properties>
+<file path=customXml/itemProps2.xml><?xml version="1.0" encoding="utf-8"?>
+<ds:datastoreItem xmlns:ds="http://schemas.openxmlformats.org/officeDocument/2006/customXml" ds:itemID="{15774815-801A-4D0C-AAC8-304A8EA5EAE0}">
+  <ds:schemaRefs>
+    <ds:schemaRef ds:uri="http://schemas.microsoft.com/office/2006/metadata/properties"/>
+    <ds:schemaRef ds:uri="http://schemas.microsoft.com/office/infopath/2007/PartnerControls"/>
+    <ds:schemaRef ds:uri="df7acb31-37ac-40e2-81bb-c44e3630f613"/>
+    <ds:schemaRef ds:uri="38ef598d-997c-498b-b737-2f6b2c50ccab"/>
+  </ds:schemaRefs>
+</ds:datastoreItem>
 </file>
 
-<file path=customXml/item4.xml><?xml version="1.0" encoding="utf-8"?>
-<?mso-contentType ?>
-<FormTemplates xmlns="http://schemas.microsoft.com/sharepoint/v3/contenttype/forms">
-  <Display>DocumentLibraryForm</Display>
-  <Edit>DocumentLibraryForm</Edit>
-  <New>DocumentLibraryForm</New>
-</FormTemplates>
+<file path=customXml/itemProps3.xml><?xml version="1.0" encoding="utf-8"?>
+<ds:datastoreItem xmlns:ds="http://schemas.openxmlformats.org/officeDocument/2006/customXml" ds:itemID="{36ECED7C-7E24-4B80-B6AD-5BF0A508FB7B}">
+  <ds:schemaRefs>
+    <ds:schemaRef ds:uri="http://schemas.microsoft.com/sharepoint/events"/>
+  </ds:schemaRefs>
+</ds:datastoreItem>
 </file>
 
-<file path=customXml/itemProps1.xml><?xml version="1.0" encoding="utf-8"?>
+<file path=customXml/itemProps4.xml><?xml version="1.0" encoding="utf-8"?>
 <ds:datastoreItem xmlns:ds="http://schemas.openxmlformats.org/officeDocument/2006/customXml" ds:itemID="{AF9647E8-EA5A-4469-8198-396AF1DA17E0}">
   <ds:schemaRefs>
     <ds:schemaRef ds:uri="http://schemas.microsoft.com/office/2006/metadata/contentType"/>
@@ -29942,31 +31155,4 @@
     <ds:schemaRef ds:uri="http://schemas.microsoft.com/internal/obd"/>
   </ds:schemaRefs>
 </ds:datastoreItem>
-</file>
-
-<file path=customXml/itemProps2.xml><?xml version="1.0" encoding="utf-8"?>
-<ds:datastoreItem xmlns:ds="http://schemas.openxmlformats.org/officeDocument/2006/customXml" ds:itemID="{36ECED7C-7E24-4B80-B6AD-5BF0A508FB7B}">
-  <ds:schemaRefs>
-    <ds:schemaRef ds:uri="http://schemas.microsoft.com/sharepoint/events"/>
-  </ds:schemaRefs>
-</ds:datastoreItem>
-</file>
-
-<file path=customXml/itemProps3.xml><?xml version="1.0" encoding="utf-8"?>
-<ds:datastoreItem xmlns:ds="http://schemas.openxmlformats.org/officeDocument/2006/customXml" ds:itemID="{15774815-801A-4D0C-AAC8-304A8EA5EAE0}">
-  <ds:schemaRefs>
-    <ds:schemaRef ds:uri="http://schemas.microsoft.com/office/2006/metadata/properties"/>
-    <ds:schemaRef ds:uri="http://schemas.microsoft.com/office/infopath/2007/PartnerControls"/>
-    <ds:schemaRef ds:uri="df7acb31-37ac-40e2-81bb-c44e3630f613"/>
-    <ds:schemaRef ds:uri="38ef598d-997c-498b-b737-2f6b2c50ccab"/>
-  </ds:schemaRefs>
-</ds:datastoreItem>
-</file>
-
-<file path=customXml/itemProps4.xml><?xml version="1.0" encoding="utf-8"?>
-<ds:datastoreItem xmlns:ds="http://schemas.openxmlformats.org/officeDocument/2006/customXml" ds:itemID="{0CE24DD7-9317-4AD8-82D4-5A6998DA79C7}">
-  <ds:schemaRefs>
-    <ds:schemaRef ds:uri="http://schemas.microsoft.com/sharepoint/v3/contenttype/forms"/>
-  </ds:schemaRefs>
-</ds:datastoreItem>
 </file>